--- a/diploma.pptx
+++ b/diploma.pptx
@@ -5,13 +5,28 @@
     <p:sldMasterId id="2147483648" r:id="rId1"/>
   </p:sldMasterIdLst>
   <p:notesMasterIdLst>
-    <p:notesMasterId r:id="rId4"/>
+    <p:notesMasterId r:id="rId19"/>
   </p:notesMasterIdLst>
   <p:handoutMasterIdLst>
-    <p:handoutMasterId r:id="rId5"/>
+    <p:handoutMasterId r:id="rId20"/>
   </p:handoutMasterIdLst>
   <p:sldIdLst>
     <p:sldId id="256" r:id="rId3"/>
+    <p:sldId id="257" r:id="rId4"/>
+    <p:sldId id="262" r:id="rId5"/>
+    <p:sldId id="260" r:id="rId6"/>
+    <p:sldId id="261" r:id="rId7"/>
+    <p:sldId id="259" r:id="rId8"/>
+    <p:sldId id="266" r:id="rId9"/>
+    <p:sldId id="263" r:id="rId10"/>
+    <p:sldId id="264" r:id="rId11"/>
+    <p:sldId id="265" r:id="rId12"/>
+    <p:sldId id="267" r:id="rId13"/>
+    <p:sldId id="268" r:id="rId14"/>
+    <p:sldId id="269" r:id="rId15"/>
+    <p:sldId id="258" r:id="rId16"/>
+    <p:sldId id="274" r:id="rId17"/>
+    <p:sldId id="275" r:id="rId18"/>
   </p:sldIdLst>
   <p:sldSz cx="12192000" cy="6858000"/>
   <p:notesSz cx="7103745" cy="10234295"/>
@@ -110,6 +125,32 @@
       </a:defRPr>
     </a:lvl9pPr>
   </p:defaultTextStyle>
+  <p:extLst>
+    <p:ext uri="{521415D9-36F7-43E2-AB2F-B90AF26B5E84}">
+      <p14:sectionLst xmlns:p14="http://schemas.microsoft.com/office/powerpoint/2010/main">
+        <p14:section name="Default Section" id="{772a2c41-8ba2-47be-aab1-f88afcb9b645}">
+          <p14:sldIdLst>
+            <p14:sldId id="256"/>
+            <p14:sldId id="257"/>
+            <p14:sldId id="262"/>
+            <p14:sldId id="259"/>
+            <p14:sldId id="266"/>
+            <p14:sldId id="263"/>
+            <p14:sldId id="264"/>
+            <p14:sldId id="265"/>
+            <p14:sldId id="267"/>
+            <p14:sldId id="268"/>
+            <p14:sldId id="269"/>
+            <p14:sldId id="258"/>
+            <p14:sldId id="260"/>
+            <p14:sldId id="261"/>
+            <p14:sldId id="275"/>
+            <p14:sldId id="274"/>
+          </p14:sldIdLst>
+        </p14:section>
+      </p14:sectionLst>
+    </p:ext>
+  </p:extLst>
 </p:presentation>
 </file>
 
@@ -619,8 +660,16 @@
 </file>
 
 <file path=ppt/slideLayouts/slideLayout1.xml><?xml version="1.0" encoding="utf-8"?>
-<p:sldLayout xmlns:a="http://schemas.openxmlformats.org/drawingml/2006/main" xmlns:r="http://schemas.openxmlformats.org/officeDocument/2006/relationships" xmlns:p="http://schemas.openxmlformats.org/presentationml/2006/main" type="title" preserve="1">
+<p:sldLayout xmlns:a="http://schemas.openxmlformats.org/drawingml/2006/main" xmlns:r="http://schemas.openxmlformats.org/officeDocument/2006/relationships" xmlns:p="http://schemas.openxmlformats.org/presentationml/2006/main" type="title" preserve="1" showMasterSp="0">
   <p:cSld name="Title Slide">
+    <p:bg>
+      <p:bgPr>
+        <a:solidFill>
+          <a:schemeClr val="bg1"/>
+        </a:solidFill>
+        <a:effectLst/>
+      </p:bgPr>
+    </p:bg>
     <p:spTree>
       <p:nvGrpSpPr>
         <p:cNvPr id="1" name=""/>
@@ -635,69 +684,161 @@
           <a:chExt cx="0" cy="0"/>
         </a:xfrm>
       </p:grpSpPr>
-      <p:sp>
-        <p:nvSpPr>
-          <p:cNvPr id="2" name="标题 1"/>
-          <p:cNvSpPr>
-            <a:spLocks noGrp="1"/>
-          </p:cNvSpPr>
-          <p:nvPr>
-            <p:ph type="ctrTitle"/>
-          </p:nvPr>
-        </p:nvSpPr>
+      <p:pic>
+        <p:nvPicPr>
+          <p:cNvPr id="2050" name="Picture 3"/>
+          <p:cNvPicPr>
+            <a:picLocks noChangeAspect="1"/>
+          </p:cNvPicPr>
+          <p:nvPr/>
+        </p:nvPicPr>
+        <p:blipFill>
+          <a:blip r:embed="rId2"/>
+          <a:stretch>
+            <a:fillRect/>
+          </a:stretch>
+        </p:blipFill>
         <p:spPr>
           <a:xfrm>
-            <a:off x="1524000" y="1322962"/>
-            <a:ext cx="9144000" cy="2187001"/>
+            <a:off x="0" y="19050"/>
+            <a:ext cx="12206817" cy="6867525"/>
+          </a:xfrm>
+          <a:prstGeom prst="rect">
+            <a:avLst/>
+          </a:prstGeom>
+          <a:noFill/>
+          <a:ln w="9525">
+            <a:noFill/>
+          </a:ln>
+        </p:spPr>
+      </p:pic>
+      <p:sp>
+        <p:nvSpPr>
+          <p:cNvPr id="2051" name="Rectangle 3"/>
+          <p:cNvSpPr>
+            <a:spLocks noGrp="1" noChangeArrowheads="1"/>
+          </p:cNvSpPr>
+          <p:nvPr>
+            <p:ph type="ctrTitle"/>
+          </p:nvPr>
+        </p:nvSpPr>
+        <p:spPr>
+          <a:xfrm>
+            <a:off x="2063751" y="1701800"/>
+            <a:ext cx="9211733" cy="1082675"/>
           </a:xfrm>
         </p:spPr>
         <p:txBody>
-          <a:bodyPr anchor="b">
-            <a:normAutofit/>
-          </a:bodyPr>
+          <a:bodyPr/>
           <a:lstStyle>
-            <a:lvl1pPr algn="ctr">
-              <a:lnSpc>
-                <a:spcPct val="130000"/>
-              </a:lnSpc>
-              <a:defRPr sz="6000">
-                <a:effectLst>
-                  <a:outerShdw blurRad="38100" dist="38100" dir="2700000" algn="tl">
-                    <a:srgbClr val="000000">
-                      <a:alpha val="43137"/>
-                    </a:srgbClr>
-                  </a:outerShdw>
-                </a:effectLst>
+            <a:lvl1pPr>
+              <a:defRPr/>
+            </a:lvl1pPr>
+          </a:lstStyle>
+          <a:p>
+            <a:pPr lvl="0"/>
+            <a:r>
+              <a:rPr lang="en-US" altLang="zh-CN" noProof="0" smtClean="0"/>
+              <a:t>Click to edit Master title style</a:t>
+            </a:r>
+            <a:endParaRPr lang="en-US" altLang="zh-CN" noProof="0" smtClean="0"/>
+          </a:p>
+        </p:txBody>
+      </p:sp>
+      <p:sp>
+        <p:nvSpPr>
+          <p:cNvPr id="2052" name="Rectangle 4"/>
+          <p:cNvSpPr>
+            <a:spLocks noGrp="1" noChangeArrowheads="1"/>
+          </p:cNvSpPr>
+          <p:nvPr>
+            <p:ph type="subTitle" idx="1"/>
+          </p:nvPr>
+        </p:nvSpPr>
+        <p:spPr>
+          <a:xfrm>
+            <a:off x="2063751" y="2927350"/>
+            <a:ext cx="9218083" cy="1752600"/>
+          </a:xfrm>
+        </p:spPr>
+        <p:txBody>
+          <a:bodyPr/>
+          <a:lstStyle>
+            <a:lvl1pPr marL="0" indent="0" algn="r">
+              <a:buFontTx/>
+              <a:buNone/>
+              <a:defRPr>
+                <a:solidFill>
+                  <a:schemeClr val="bg1"/>
+                </a:solidFill>
               </a:defRPr>
             </a:lvl1pPr>
           </a:lstStyle>
           <a:p>
-            <a:r>
-              <a:rPr lang="zh-CN" altLang="en-US" dirty="0">
-                <a:sym typeface="+mn-ea"/>
-              </a:rPr>
-              <a:t>Click to edit Master title style</a:t>
-            </a:r>
-            <a:endParaRPr lang="zh-CN" altLang="en-US" dirty="0">
-              <a:sym typeface="+mn-ea"/>
-            </a:endParaRPr>
-          </a:p>
-        </p:txBody>
-      </p:sp>
-      <p:sp>
-        <p:nvSpPr>
-          <p:cNvPr id="4" name="日期占位符 3"/>
-          <p:cNvSpPr>
-            <a:spLocks noGrp="1"/>
-          </p:cNvSpPr>
-          <p:nvPr>
-            <p:ph type="dt" sz="half" idx="10"/>
-          </p:nvPr>
-        </p:nvSpPr>
-        <p:spPr/>
-        <p:txBody>
-          <a:bodyPr/>
-          <a:lstStyle/>
+            <a:pPr lvl="0"/>
+            <a:r>
+              <a:rPr lang="en-US" altLang="zh-CN" noProof="0" smtClean="0"/>
+              <a:t>Click to edit Master subtitle style</a:t>
+            </a:r>
+            <a:endParaRPr lang="en-US" altLang="zh-CN" noProof="0" smtClean="0"/>
+          </a:p>
+        </p:txBody>
+      </p:sp>
+      <p:sp>
+        <p:nvSpPr>
+          <p:cNvPr id="9" name="Rectangle 5"/>
+          <p:cNvSpPr>
+            <a:spLocks noGrp="1" noChangeArrowheads="1"/>
+          </p:cNvSpPr>
+          <p:nvPr>
+            <p:ph type="dt" sz="half" idx="2"/>
+          </p:nvPr>
+        </p:nvSpPr>
+        <p:spPr bwMode="auto">
+          <a:xfrm>
+            <a:off x="609600" y="6245225"/>
+            <a:ext cx="2844800" cy="476250"/>
+          </a:xfrm>
+          <a:prstGeom prst="rect">
+            <a:avLst/>
+          </a:prstGeom>
+          <a:noFill/>
+          <a:extLst>
+            <a:ext uri="{909E8E84-426E-40DD-AFC4-6F175D3DCCD1}">
+              <a14:hiddenFill xmlns:a14="http://schemas.microsoft.com/office/drawing/2010/main">
+                <a:solidFill>
+                  <a:schemeClr val="accent1"/>
+                </a:solidFill>
+              </a14:hiddenFill>
+            </a:ext>
+            <a:ext uri="{91240B29-F687-4F45-9708-019B960494DF}">
+              <a14:hiddenLine xmlns:a14="http://schemas.microsoft.com/office/drawing/2010/main" w="9525">
+                <a:solidFill>
+                  <a:srgbClr val="000000"/>
+                </a:solidFill>
+                <a:miter lim="800000"/>
+                <a:headEnd/>
+                <a:tailEnd/>
+              </a14:hiddenLine>
+            </a:ext>
+            <a:ext uri="{AF507438-7753-43E0-B8FC-AC1667EBCBE1}">
+              <a14:hiddenEffects xmlns:a14="http://schemas.microsoft.com/office/drawing/2010/main">
+                <a:effectLst>
+                  <a:outerShdw dist="35921" dir="2700000" algn="ctr" rotWithShape="0">
+                    <a:schemeClr val="bg2"/>
+                  </a:outerShdw>
+                </a:effectLst>
+              </a14:hiddenEffects>
+            </a:ext>
+          </a:extLst>
+        </p:spPr>
+        <p:txBody>
+          <a:bodyPr vert="horz" wrap="square" lIns="91440" tIns="45720" rIns="91440" bIns="45720" numCol="1" anchor="t" anchorCtr="0" compatLnSpc="1"/>
+          <a:lstStyle>
+            <a:lvl1pPr>
+              <a:defRPr/>
+            </a:lvl1pPr>
+          </a:lstStyle>
           <a:p>
             <a:fld id="{760FBDFE-C587-4B4C-A407-44438C67B59E}" type="datetimeFigureOut">
               <a:rPr lang="zh-CN" altLang="en-US" smtClean="0"/>
@@ -708,18 +849,59 @@
       </p:sp>
       <p:sp>
         <p:nvSpPr>
-          <p:cNvPr id="5" name="页脚占位符 4"/>
-          <p:cNvSpPr>
-            <a:spLocks noGrp="1"/>
-          </p:cNvSpPr>
-          <p:nvPr>
-            <p:ph type="ftr" sz="quarter" idx="11"/>
-          </p:nvPr>
-        </p:nvSpPr>
-        <p:spPr/>
-        <p:txBody>
-          <a:bodyPr/>
-          <a:lstStyle/>
+          <p:cNvPr id="10" name="Rectangle 6"/>
+          <p:cNvSpPr>
+            <a:spLocks noGrp="1" noChangeArrowheads="1"/>
+          </p:cNvSpPr>
+          <p:nvPr>
+            <p:ph type="ftr" sz="quarter" idx="3"/>
+          </p:nvPr>
+        </p:nvSpPr>
+        <p:spPr bwMode="auto">
+          <a:xfrm>
+            <a:off x="4165600" y="6245225"/>
+            <a:ext cx="3860800" cy="476250"/>
+          </a:xfrm>
+          <a:prstGeom prst="rect">
+            <a:avLst/>
+          </a:prstGeom>
+          <a:noFill/>
+          <a:extLst>
+            <a:ext uri="{909E8E84-426E-40DD-AFC4-6F175D3DCCD1}">
+              <a14:hiddenFill xmlns:a14="http://schemas.microsoft.com/office/drawing/2010/main">
+                <a:solidFill>
+                  <a:schemeClr val="accent1"/>
+                </a:solidFill>
+              </a14:hiddenFill>
+            </a:ext>
+            <a:ext uri="{91240B29-F687-4F45-9708-019B960494DF}">
+              <a14:hiddenLine xmlns:a14="http://schemas.microsoft.com/office/drawing/2010/main" w="9525">
+                <a:solidFill>
+                  <a:srgbClr val="000000"/>
+                </a:solidFill>
+                <a:miter lim="800000"/>
+                <a:headEnd/>
+                <a:tailEnd/>
+              </a14:hiddenLine>
+            </a:ext>
+            <a:ext uri="{AF507438-7753-43E0-B8FC-AC1667EBCBE1}">
+              <a14:hiddenEffects xmlns:a14="http://schemas.microsoft.com/office/drawing/2010/main">
+                <a:effectLst>
+                  <a:outerShdw dist="35921" dir="2700000" algn="ctr" rotWithShape="0">
+                    <a:schemeClr val="bg2"/>
+                  </a:outerShdw>
+                </a:effectLst>
+              </a14:hiddenEffects>
+            </a:ext>
+          </a:extLst>
+        </p:spPr>
+        <p:txBody>
+          <a:bodyPr vert="horz" wrap="square" lIns="91440" tIns="45720" rIns="91440" bIns="45720" numCol="1" anchor="t" anchorCtr="0" compatLnSpc="1"/>
+          <a:lstStyle>
+            <a:lvl1pPr>
+              <a:defRPr/>
+            </a:lvl1pPr>
+          </a:lstStyle>
           <a:p>
             <a:endParaRPr lang="zh-CN" altLang="en-US"/>
           </a:p>
@@ -727,100 +909,64 @@
       </p:sp>
       <p:sp>
         <p:nvSpPr>
-          <p:cNvPr id="6" name="灯片编号占位符 5"/>
-          <p:cNvSpPr>
-            <a:spLocks noGrp="1"/>
-          </p:cNvSpPr>
-          <p:nvPr>
-            <p:ph type="sldNum" sz="quarter" idx="12"/>
-          </p:nvPr>
-        </p:nvSpPr>
-        <p:spPr/>
-        <p:txBody>
-          <a:bodyPr/>
-          <a:lstStyle/>
+          <p:cNvPr id="11" name="Rectangle 7"/>
+          <p:cNvSpPr>
+            <a:spLocks noGrp="1" noChangeArrowheads="1"/>
+          </p:cNvSpPr>
+          <p:nvPr>
+            <p:ph type="sldNum" sz="quarter" idx="4"/>
+          </p:nvPr>
+        </p:nvSpPr>
+        <p:spPr bwMode="auto">
+          <a:xfrm>
+            <a:off x="8737600" y="6245225"/>
+            <a:ext cx="2844800" cy="476250"/>
+          </a:xfrm>
+          <a:prstGeom prst="rect">
+            <a:avLst/>
+          </a:prstGeom>
+          <a:noFill/>
+          <a:extLst>
+            <a:ext uri="{909E8E84-426E-40DD-AFC4-6F175D3DCCD1}">
+              <a14:hiddenFill xmlns:a14="http://schemas.microsoft.com/office/drawing/2010/main">
+                <a:solidFill>
+                  <a:schemeClr val="accent1"/>
+                </a:solidFill>
+              </a14:hiddenFill>
+            </a:ext>
+            <a:ext uri="{91240B29-F687-4F45-9708-019B960494DF}">
+              <a14:hiddenLine xmlns:a14="http://schemas.microsoft.com/office/drawing/2010/main" w="9525">
+                <a:solidFill>
+                  <a:srgbClr val="000000"/>
+                </a:solidFill>
+                <a:miter lim="800000"/>
+                <a:headEnd/>
+                <a:tailEnd/>
+              </a14:hiddenLine>
+            </a:ext>
+            <a:ext uri="{AF507438-7753-43E0-B8FC-AC1667EBCBE1}">
+              <a14:hiddenEffects xmlns:a14="http://schemas.microsoft.com/office/drawing/2010/main">
+                <a:effectLst>
+                  <a:outerShdw dist="35921" dir="2700000" algn="ctr" rotWithShape="0">
+                    <a:schemeClr val="bg2"/>
+                  </a:outerShdw>
+                </a:effectLst>
+              </a14:hiddenEffects>
+            </a:ext>
+          </a:extLst>
+        </p:spPr>
+        <p:txBody>
+          <a:bodyPr vert="horz" wrap="square" lIns="91440" tIns="45720" rIns="91440" bIns="45720" numCol="1" anchor="t" anchorCtr="0" compatLnSpc="1"/>
+          <a:lstStyle>
+            <a:lvl1pPr>
+              <a:defRPr/>
+            </a:lvl1pPr>
+          </a:lstStyle>
           <a:p>
             <a:fld id="{49AE70B2-8BF9-45C0-BB95-33D1B9D3A854}" type="slidenum">
               <a:rPr lang="zh-CN" altLang="en-US" smtClean="0"/>
             </a:fld>
             <a:endParaRPr lang="zh-CN" altLang="en-US"/>
-          </a:p>
-        </p:txBody>
-      </p:sp>
-      <p:sp>
-        <p:nvSpPr>
-          <p:cNvPr id="3" name="副标题 2"/>
-          <p:cNvSpPr>
-            <a:spLocks noGrp="1"/>
-          </p:cNvSpPr>
-          <p:nvPr>
-            <p:ph type="subTitle" idx="1"/>
-          </p:nvPr>
-        </p:nvSpPr>
-        <p:spPr>
-          <a:xfrm>
-            <a:off x="1524000" y="3602038"/>
-            <a:ext cx="9144000" cy="1655762"/>
-          </a:xfrm>
-        </p:spPr>
-        <p:txBody>
-          <a:bodyPr>
-            <a:normAutofit/>
-          </a:bodyPr>
-          <a:lstStyle>
-            <a:lvl1pPr marL="0" indent="0" algn="ctr">
-              <a:buNone/>
-              <a:defRPr sz="1800">
-                <a:solidFill>
-                  <a:schemeClr val="tx1">
-                    <a:lumMod val="75000"/>
-                    <a:lumOff val="25000"/>
-                  </a:schemeClr>
-                </a:solidFill>
-                <a:effectLst/>
-                <a:latin typeface="+mj-lt"/>
-                <a:ea typeface="+mj-ea"/>
-              </a:defRPr>
-            </a:lvl1pPr>
-            <a:lvl2pPr marL="457200" indent="0" algn="ctr">
-              <a:buNone/>
-              <a:defRPr sz="2000"/>
-            </a:lvl2pPr>
-            <a:lvl3pPr marL="914400" indent="0" algn="ctr">
-              <a:buNone/>
-              <a:defRPr sz="1800"/>
-            </a:lvl3pPr>
-            <a:lvl4pPr marL="1371600" indent="0" algn="ctr">
-              <a:buNone/>
-              <a:defRPr sz="1600"/>
-            </a:lvl4pPr>
-            <a:lvl5pPr marL="1828800" indent="0" algn="ctr">
-              <a:buNone/>
-              <a:defRPr sz="1600"/>
-            </a:lvl5pPr>
-            <a:lvl6pPr marL="2286000" indent="0" algn="ctr">
-              <a:buNone/>
-              <a:defRPr sz="1600"/>
-            </a:lvl6pPr>
-            <a:lvl7pPr marL="2743200" indent="0" algn="ctr">
-              <a:buNone/>
-              <a:defRPr sz="1600"/>
-            </a:lvl7pPr>
-            <a:lvl8pPr marL="3200400" indent="0" algn="ctr">
-              <a:buNone/>
-              <a:defRPr sz="1600"/>
-            </a:lvl8pPr>
-            <a:lvl9pPr marL="3657600" indent="0" algn="ctr">
-              <a:buNone/>
-              <a:defRPr sz="1600"/>
-            </a:lvl9pPr>
-          </a:lstStyle>
-          <a:p>
-            <a:r>
-              <a:rPr lang="zh-CN" altLang="en-US" dirty="0"/>
-              <a:t>Click to edit Master subtitle style</a:t>
-            </a:r>
-            <a:endParaRPr lang="zh-CN" altLang="en-US" dirty="0"/>
           </a:p>
         </p:txBody>
       </p:sp>
@@ -829,12 +975,13 @@
   <p:clrMapOvr>
     <a:masterClrMapping/>
   </p:clrMapOvr>
+  <p:hf sldNum="0" hdr="0" ftr="0" dt="0"/>
 </p:sldLayout>
 </file>
 
 <file path=ppt/slideLayouts/slideLayout10.xml><?xml version="1.0" encoding="utf-8"?>
-<p:sldLayout xmlns:a="http://schemas.openxmlformats.org/drawingml/2006/main" xmlns:r="http://schemas.openxmlformats.org/officeDocument/2006/relationships" xmlns:p="http://schemas.openxmlformats.org/presentationml/2006/main" preserve="1" userDrawn="1">
-  <p:cSld name="Content">
+<p:sldLayout xmlns:a="http://schemas.openxmlformats.org/drawingml/2006/main" xmlns:r="http://schemas.openxmlformats.org/officeDocument/2006/relationships" xmlns:p="http://schemas.openxmlformats.org/presentationml/2006/main" type="vertTx" preserve="1">
+  <p:cSld name="Title and Vertical Text">
     <p:spTree>
       <p:nvGrpSpPr>
         <p:cNvPr id="1" name=""/>
@@ -851,12 +998,12 @@
       </p:grpSpPr>
       <p:sp>
         <p:nvSpPr>
-          <p:cNvPr id="3" name="日期占位符 2"/>
-          <p:cNvSpPr>
-            <a:spLocks noGrp="1"/>
-          </p:cNvSpPr>
-          <p:nvPr>
-            <p:ph type="dt" sz="half" idx="10"/>
+          <p:cNvPr id="2" name="Title 1"/>
+          <p:cNvSpPr>
+            <a:spLocks noGrp="1"/>
+          </p:cNvSpPr>
+          <p:nvPr>
+            <p:ph type="title"/>
           </p:nvPr>
         </p:nvSpPr>
         <p:spPr/>
@@ -864,116 +1011,224 @@
           <a:bodyPr/>
           <a:lstStyle/>
           <a:p>
-            <a:fld id="{760FBDFE-C587-4B4C-A407-44438C67B59E}" type="datetimeFigureOut">
-              <a:rPr lang="zh-CN" altLang="en-US" smtClean="0"/>
+            <a:r>
+              <a:rPr lang="en-US" smtClean="0"/>
+              <a:t>Click to edit Master title style</a:t>
+            </a:r>
+            <a:endParaRPr lang="en-US"/>
+          </a:p>
+        </p:txBody>
+      </p:sp>
+      <p:sp>
+        <p:nvSpPr>
+          <p:cNvPr id="3" name="Vertical Text Placeholder 2"/>
+          <p:cNvSpPr>
+            <a:spLocks noGrp="1"/>
+          </p:cNvSpPr>
+          <p:nvPr>
+            <p:ph type="body" orient="vert" idx="1"/>
+          </p:nvPr>
+        </p:nvSpPr>
+        <p:spPr/>
+        <p:txBody>
+          <a:bodyPr vert="eaVert"/>
+          <a:lstStyle/>
+          <a:p>
+            <a:pPr lvl="0"/>
+            <a:r>
+              <a:rPr lang="en-US" smtClean="0"/>
+              <a:t>Click to edit Master text styles</a:t>
+            </a:r>
+            <a:endParaRPr lang="en-US" smtClean="0"/>
+          </a:p>
+          <a:p>
+            <a:pPr lvl="1"/>
+            <a:r>
+              <a:rPr lang="en-US" smtClean="0"/>
+              <a:t>Second level</a:t>
+            </a:r>
+            <a:endParaRPr lang="en-US" smtClean="0"/>
+          </a:p>
+          <a:p>
+            <a:pPr lvl="2"/>
+            <a:r>
+              <a:rPr lang="en-US" smtClean="0"/>
+              <a:t>Third level</a:t>
+            </a:r>
+            <a:endParaRPr lang="en-US" smtClean="0"/>
+          </a:p>
+          <a:p>
+            <a:pPr lvl="3"/>
+            <a:r>
+              <a:rPr lang="en-US" smtClean="0"/>
+              <a:t>Fourth level</a:t>
+            </a:r>
+            <a:endParaRPr lang="en-US" smtClean="0"/>
+          </a:p>
+          <a:p>
+            <a:pPr lvl="4"/>
+            <a:r>
+              <a:rPr lang="en-US" smtClean="0"/>
+              <a:t>Fifth level</a:t>
+            </a:r>
+            <a:endParaRPr lang="en-US"/>
+          </a:p>
+        </p:txBody>
+      </p:sp>
+      <p:sp>
+        <p:nvSpPr>
+          <p:cNvPr id="4" name="Date Placeholder 3"/>
+          <p:cNvSpPr>
+            <a:spLocks noGrp="1"/>
+          </p:cNvSpPr>
+          <p:nvPr>
+            <p:ph type="dt" sz="half" idx="10"/>
+          </p:nvPr>
+        </p:nvSpPr>
+        <p:spPr/>
+        <p:txBody>
+          <a:bodyPr/>
+          <a:p>
+            <a:pPr marL="0" marR="0" lvl="0" indent="0" algn="l" defTabSz="914400" rtl="0" eaLnBrk="1" fontAlgn="base" latinLnBrk="0" hangingPunct="1">
+              <a:lnSpc>
+                <a:spcPct val="100000"/>
+              </a:lnSpc>
+              <a:spcBef>
+                <a:spcPct val="0"/>
+              </a:spcBef>
+              <a:spcAft>
+                <a:spcPct val="0"/>
+              </a:spcAft>
+              <a:buClrTx/>
+              <a:buSzTx/>
+              <a:buFontTx/>
+              <a:buNone/>
+              <a:defRPr/>
+            </a:pPr>
+            <a:endParaRPr kumimoji="0" lang="en-US" altLang="zh-CN" sz="1400" b="0" i="0" u="none" strike="noStrike" kern="1200" cap="none" spc="0" normalizeH="0" baseline="0" noProof="0" smtClean="0">
+              <a:ln>
+                <a:noFill/>
+              </a:ln>
+              <a:solidFill>
+                <a:schemeClr val="tx1"/>
+              </a:solidFill>
+              <a:effectLst/>
+              <a:uLnTx/>
+              <a:uFillTx/>
+              <a:latin typeface="Arial" panose="020B0604020202020204" pitchFamily="34" charset="0"/>
+              <a:ea typeface="SimSun" panose="02010600030101010101" pitchFamily="2" charset="-122"/>
+              <a:cs typeface="+mn-cs"/>
+            </a:endParaRPr>
+          </a:p>
+        </p:txBody>
+      </p:sp>
+      <p:sp>
+        <p:nvSpPr>
+          <p:cNvPr id="5" name="Footer Placeholder 4"/>
+          <p:cNvSpPr>
+            <a:spLocks noGrp="1"/>
+          </p:cNvSpPr>
+          <p:nvPr>
+            <p:ph type="ftr" sz="quarter" idx="11"/>
+          </p:nvPr>
+        </p:nvSpPr>
+        <p:spPr/>
+        <p:txBody>
+          <a:bodyPr/>
+          <a:p>
+            <a:pPr marL="0" marR="0" lvl="0" indent="0" algn="ctr" defTabSz="914400" rtl="0" eaLnBrk="1" fontAlgn="base" latinLnBrk="0" hangingPunct="1">
+              <a:lnSpc>
+                <a:spcPct val="100000"/>
+              </a:lnSpc>
+              <a:spcBef>
+                <a:spcPct val="0"/>
+              </a:spcBef>
+              <a:spcAft>
+                <a:spcPct val="0"/>
+              </a:spcAft>
+              <a:buClrTx/>
+              <a:buSzTx/>
+              <a:buFontTx/>
+              <a:buNone/>
+              <a:defRPr/>
+            </a:pPr>
+            <a:endParaRPr kumimoji="0" lang="en-US" altLang="zh-CN" sz="1400" b="0" i="0" u="none" strike="noStrike" kern="1200" cap="none" spc="0" normalizeH="0" baseline="0" noProof="0" smtClean="0">
+              <a:ln>
+                <a:noFill/>
+              </a:ln>
+              <a:solidFill>
+                <a:schemeClr val="tx1"/>
+              </a:solidFill>
+              <a:effectLst/>
+              <a:uLnTx/>
+              <a:uFillTx/>
+              <a:latin typeface="Arial" panose="020B0604020202020204" pitchFamily="34" charset="0"/>
+              <a:ea typeface="SimSun" panose="02010600030101010101" pitchFamily="2" charset="-122"/>
+              <a:cs typeface="+mn-cs"/>
+            </a:endParaRPr>
+          </a:p>
+        </p:txBody>
+      </p:sp>
+      <p:sp>
+        <p:nvSpPr>
+          <p:cNvPr id="6" name="Slide Number Placeholder 5"/>
+          <p:cNvSpPr>
+            <a:spLocks noGrp="1"/>
+          </p:cNvSpPr>
+          <p:nvPr>
+            <p:ph type="sldNum" sz="quarter" idx="12"/>
+          </p:nvPr>
+        </p:nvSpPr>
+        <p:spPr/>
+        <p:txBody>
+          <a:bodyPr/>
+          <a:p>
+            <a:pPr marL="0" marR="0" lvl="0" indent="0" algn="r" defTabSz="914400" rtl="0" eaLnBrk="1" fontAlgn="base" latinLnBrk="0" hangingPunct="1">
+              <a:lnSpc>
+                <a:spcPct val="100000"/>
+              </a:lnSpc>
+              <a:spcBef>
+                <a:spcPct val="0"/>
+              </a:spcBef>
+              <a:spcAft>
+                <a:spcPct val="0"/>
+              </a:spcAft>
+              <a:buClrTx/>
+              <a:buSzTx/>
+              <a:buFontTx/>
+              <a:buNone/>
+              <a:defRPr/>
+            </a:pPr>
+            <a:fld id="{078FD23A-2F78-4156-BB62-C393E2F1F45C}" type="slidenum">
+              <a:rPr kumimoji="0" lang="en-US" altLang="zh-CN" sz="1400" b="0" i="0" u="none" strike="noStrike" kern="1200" cap="none" spc="0" normalizeH="0" baseline="0" noProof="0" smtClean="0">
+                <a:ln>
+                  <a:noFill/>
+                </a:ln>
+                <a:solidFill>
+                  <a:schemeClr val="tx1"/>
+                </a:solidFill>
+                <a:effectLst/>
+                <a:uLnTx/>
+                <a:uFillTx/>
+                <a:latin typeface="Arial" panose="020B0604020202020204" pitchFamily="34" charset="0"/>
+                <a:ea typeface="SimSun" panose="02010600030101010101" pitchFamily="2" charset="-122"/>
+                <a:cs typeface="+mn-cs"/>
+              </a:rPr>
             </a:fld>
-            <a:endParaRPr lang="zh-CN" altLang="en-US"/>
-          </a:p>
-        </p:txBody>
-      </p:sp>
-      <p:sp>
-        <p:nvSpPr>
-          <p:cNvPr id="4" name="页脚占位符 3"/>
-          <p:cNvSpPr>
-            <a:spLocks noGrp="1"/>
-          </p:cNvSpPr>
-          <p:nvPr>
-            <p:ph type="ftr" sz="quarter" idx="11"/>
-          </p:nvPr>
-        </p:nvSpPr>
-        <p:spPr/>
-        <p:txBody>
-          <a:bodyPr/>
-          <a:lstStyle/>
-          <a:p>
-            <a:endParaRPr lang="zh-CN" altLang="en-US"/>
-          </a:p>
-        </p:txBody>
-      </p:sp>
-      <p:sp>
-        <p:nvSpPr>
-          <p:cNvPr id="5" name="灯片编号占位符 4"/>
-          <p:cNvSpPr>
-            <a:spLocks noGrp="1"/>
-          </p:cNvSpPr>
-          <p:nvPr>
-            <p:ph type="sldNum" sz="quarter" idx="12"/>
-          </p:nvPr>
-        </p:nvSpPr>
-        <p:spPr/>
-        <p:txBody>
-          <a:bodyPr/>
-          <a:lstStyle/>
-          <a:p>
-            <a:fld id="{49AE70B2-8BF9-45C0-BB95-33D1B9D3A854}" type="slidenum">
-              <a:rPr lang="zh-CN" altLang="en-US" smtClean="0"/>
-            </a:fld>
-            <a:endParaRPr lang="zh-CN" altLang="en-US"/>
-          </a:p>
-        </p:txBody>
-      </p:sp>
-      <p:sp>
-        <p:nvSpPr>
-          <p:cNvPr id="7" name="内容占位符 6"/>
-          <p:cNvSpPr>
-            <a:spLocks noGrp="1"/>
-          </p:cNvSpPr>
-          <p:nvPr>
-            <p:ph sz="quarter" idx="13"/>
-          </p:nvPr>
-        </p:nvSpPr>
-        <p:spPr>
-          <a:xfrm>
-            <a:off x="838200" y="551543"/>
-            <a:ext cx="10515600" cy="5558971"/>
-          </a:xfrm>
-        </p:spPr>
-        <p:txBody>
-          <a:bodyPr/>
-          <a:lstStyle/>
-          <a:p>
-            <a:pPr lvl="0"/>
-            <a:r>
-              <a:rPr lang="zh-CN" altLang="en-US" dirty="0">
-                <a:sym typeface="+mn-ea"/>
-              </a:rPr>
-              <a:t>Click to edit Master text styles</a:t>
-            </a:r>
-            <a:endParaRPr lang="zh-CN" altLang="en-US" dirty="0">
-              <a:sym typeface="+mn-ea"/>
+            <a:endParaRPr kumimoji="0" lang="en-US" altLang="zh-CN" sz="1400" b="0" i="0" u="none" strike="noStrike" kern="1200" cap="none" spc="0" normalizeH="0" baseline="0" noProof="0" smtClean="0">
+              <a:ln>
+                <a:noFill/>
+              </a:ln>
+              <a:solidFill>
+                <a:schemeClr val="tx1"/>
+              </a:solidFill>
+              <a:effectLst/>
+              <a:uLnTx/>
+              <a:uFillTx/>
+              <a:latin typeface="Arial" panose="020B0604020202020204" pitchFamily="34" charset="0"/>
+              <a:ea typeface="SimSun" panose="02010600030101010101" pitchFamily="2" charset="-122"/>
+              <a:cs typeface="+mn-cs"/>
             </a:endParaRPr>
-          </a:p>
-          <a:p>
-            <a:pPr lvl="1"/>
-            <a:r>
-              <a:rPr lang="zh-CN" altLang="en-US" dirty="0"/>
-              <a:t>Second level</a:t>
-            </a:r>
-            <a:endParaRPr lang="zh-CN" altLang="en-US" dirty="0"/>
-          </a:p>
-          <a:p>
-            <a:pPr lvl="2"/>
-            <a:r>
-              <a:rPr lang="zh-CN" altLang="en-US" dirty="0"/>
-              <a:t>Third level</a:t>
-            </a:r>
-            <a:endParaRPr lang="zh-CN" altLang="en-US" dirty="0"/>
-          </a:p>
-          <a:p>
-            <a:pPr lvl="3"/>
-            <a:r>
-              <a:rPr lang="zh-CN" altLang="en-US" dirty="0"/>
-              <a:t>Fourth level</a:t>
-            </a:r>
-            <a:endParaRPr lang="zh-CN" altLang="en-US" dirty="0"/>
-          </a:p>
-          <a:p>
-            <a:pPr lvl="4"/>
-            <a:r>
-              <a:rPr lang="zh-CN" altLang="en-US" dirty="0"/>
-              <a:t>Fifth level</a:t>
-            </a:r>
-            <a:endParaRPr lang="zh-CN" altLang="en-US" dirty="0"/>
           </a:p>
         </p:txBody>
       </p:sp>
@@ -982,6 +1237,182 @@
   <p:clrMapOvr>
     <a:masterClrMapping/>
   </p:clrMapOvr>
+  <p:hf sldNum="0" hdr="0" ftr="0" dt="0"/>
+</p:sldLayout>
+</file>
+
+<file path=ppt/slideLayouts/slideLayout11.xml><?xml version="1.0" encoding="utf-8"?>
+<p:sldLayout xmlns:a="http://schemas.openxmlformats.org/drawingml/2006/main" xmlns:r="http://schemas.openxmlformats.org/officeDocument/2006/relationships" xmlns:p="http://schemas.openxmlformats.org/presentationml/2006/main" type="vertTitleAndTx" preserve="1">
+  <p:cSld name="Vertical Title and Text">
+    <p:spTree>
+      <p:nvGrpSpPr>
+        <p:cNvPr id="1" name=""/>
+        <p:cNvGrpSpPr/>
+        <p:nvPr/>
+      </p:nvGrpSpPr>
+      <p:grpSpPr>
+        <a:xfrm>
+          <a:off x="0" y="0"/>
+          <a:ext cx="0" cy="0"/>
+          <a:chOff x="0" y="0"/>
+          <a:chExt cx="0" cy="0"/>
+        </a:xfrm>
+      </p:grpSpPr>
+      <p:sp>
+        <p:nvSpPr>
+          <p:cNvPr id="2" name="Vertical Title 1"/>
+          <p:cNvSpPr>
+            <a:spLocks noGrp="1"/>
+          </p:cNvSpPr>
+          <p:nvPr>
+            <p:ph type="title" orient="vert"/>
+          </p:nvPr>
+        </p:nvSpPr>
+        <p:spPr>
+          <a:xfrm>
+            <a:off x="8839200" y="190500"/>
+            <a:ext cx="2743200" cy="5937250"/>
+          </a:xfrm>
+        </p:spPr>
+        <p:txBody>
+          <a:bodyPr vert="eaVert"/>
+          <a:lstStyle/>
+          <a:p>
+            <a:r>
+              <a:rPr lang="en-US" smtClean="0"/>
+              <a:t>Click to edit Master title style</a:t>
+            </a:r>
+            <a:endParaRPr lang="en-US"/>
+          </a:p>
+        </p:txBody>
+      </p:sp>
+      <p:sp>
+        <p:nvSpPr>
+          <p:cNvPr id="3" name="Vertical Text Placeholder 2"/>
+          <p:cNvSpPr>
+            <a:spLocks noGrp="1"/>
+          </p:cNvSpPr>
+          <p:nvPr>
+            <p:ph type="body" orient="vert" idx="1"/>
+          </p:nvPr>
+        </p:nvSpPr>
+        <p:spPr>
+          <a:xfrm>
+            <a:off x="609600" y="190500"/>
+            <a:ext cx="8026400" cy="5937250"/>
+          </a:xfrm>
+        </p:spPr>
+        <p:txBody>
+          <a:bodyPr vert="eaVert"/>
+          <a:lstStyle/>
+          <a:p>
+            <a:pPr lvl="0"/>
+            <a:r>
+              <a:rPr lang="en-US" smtClean="0"/>
+              <a:t>Click to edit Master text styles</a:t>
+            </a:r>
+            <a:endParaRPr lang="en-US" smtClean="0"/>
+          </a:p>
+          <a:p>
+            <a:pPr lvl="1"/>
+            <a:r>
+              <a:rPr lang="en-US" smtClean="0"/>
+              <a:t>Second level</a:t>
+            </a:r>
+            <a:endParaRPr lang="en-US" smtClean="0"/>
+          </a:p>
+          <a:p>
+            <a:pPr lvl="2"/>
+            <a:r>
+              <a:rPr lang="en-US" smtClean="0"/>
+              <a:t>Third level</a:t>
+            </a:r>
+            <a:endParaRPr lang="en-US" smtClean="0"/>
+          </a:p>
+          <a:p>
+            <a:pPr lvl="3"/>
+            <a:r>
+              <a:rPr lang="en-US" smtClean="0"/>
+              <a:t>Fourth level</a:t>
+            </a:r>
+            <a:endParaRPr lang="en-US" smtClean="0"/>
+          </a:p>
+          <a:p>
+            <a:pPr lvl="4"/>
+            <a:r>
+              <a:rPr lang="en-US" smtClean="0"/>
+              <a:t>Fifth level</a:t>
+            </a:r>
+            <a:endParaRPr lang="en-US"/>
+          </a:p>
+        </p:txBody>
+      </p:sp>
+      <p:sp>
+        <p:nvSpPr>
+          <p:cNvPr id="4" name="Date Placeholder 3"/>
+          <p:cNvSpPr>
+            <a:spLocks noGrp="1"/>
+          </p:cNvSpPr>
+          <p:nvPr>
+            <p:ph type="dt" sz="half" idx="10"/>
+          </p:nvPr>
+        </p:nvSpPr>
+        <p:spPr/>
+        <p:txBody>
+          <a:bodyPr/>
+          <a:p>
+            <a:fld id="{760FBDFE-C587-4B4C-A407-44438C67B59E}" type="datetimeFigureOut">
+              <a:rPr lang="zh-CN" altLang="en-US" smtClean="0"/>
+            </a:fld>
+            <a:endParaRPr lang="zh-CN" altLang="en-US"/>
+          </a:p>
+        </p:txBody>
+      </p:sp>
+      <p:sp>
+        <p:nvSpPr>
+          <p:cNvPr id="5" name="Footer Placeholder 4"/>
+          <p:cNvSpPr>
+            <a:spLocks noGrp="1"/>
+          </p:cNvSpPr>
+          <p:nvPr>
+            <p:ph type="ftr" sz="quarter" idx="11"/>
+          </p:nvPr>
+        </p:nvSpPr>
+        <p:spPr/>
+        <p:txBody>
+          <a:bodyPr/>
+          <a:p>
+            <a:endParaRPr lang="zh-CN" altLang="en-US"/>
+          </a:p>
+        </p:txBody>
+      </p:sp>
+      <p:sp>
+        <p:nvSpPr>
+          <p:cNvPr id="6" name="Slide Number Placeholder 5"/>
+          <p:cNvSpPr>
+            <a:spLocks noGrp="1"/>
+          </p:cNvSpPr>
+          <p:nvPr>
+            <p:ph type="sldNum" sz="quarter" idx="12"/>
+          </p:nvPr>
+        </p:nvSpPr>
+        <p:spPr/>
+        <p:txBody>
+          <a:bodyPr/>
+          <a:p>
+            <a:fld id="{49AE70B2-8BF9-45C0-BB95-33D1B9D3A854}" type="slidenum">
+              <a:rPr lang="zh-CN" altLang="en-US" smtClean="0"/>
+            </a:fld>
+            <a:endParaRPr lang="zh-CN" altLang="en-US"/>
+          </a:p>
+        </p:txBody>
+      </p:sp>
+    </p:spTree>
+  </p:cSld>
+  <p:clrMapOvr>
+    <a:masterClrMapping/>
+  </p:clrMapOvr>
+  <p:hf sldNum="0" hdr="0" ftr="0" dt="0"/>
 </p:sldLayout>
 </file>
 
@@ -1004,178 +1435,96 @@
       </p:grpSpPr>
       <p:sp>
         <p:nvSpPr>
-          <p:cNvPr id="2" name="标题 1"/>
+          <p:cNvPr id="2" name="Title 1"/>
           <p:cNvSpPr>
             <a:spLocks noGrp="1"/>
           </p:cNvSpPr>
           <p:nvPr>
             <p:ph type="title"/>
-          </p:nvPr>
-        </p:nvSpPr>
-        <p:spPr>
-          <a:xfrm>
-            <a:off x="647700" y="258445"/>
-            <a:ext cx="10515600" cy="1325563"/>
-          </a:xfrm>
-        </p:spPr>
-        <p:txBody>
-          <a:bodyPr anchor="ctr" anchorCtr="0">
-            <a:normAutofit/>
-          </a:bodyPr>
-          <a:lstStyle>
-            <a:lvl1pPr>
-              <a:defRPr sz="2400" b="1">
-                <a:effectLst>
-                  <a:outerShdw blurRad="38100" dist="38100" dir="2700000" algn="tl">
-                    <a:srgbClr val="000000">
-                      <a:alpha val="43137"/>
-                    </a:srgbClr>
-                  </a:outerShdw>
-                </a:effectLst>
-              </a:defRPr>
-            </a:lvl1pPr>
-          </a:lstStyle>
-          <a:p>
-            <a:r>
-              <a:rPr lang="zh-CN" altLang="en-US" dirty="0"/>
-              <a:t>Click to edit Master title style</a:t>
-            </a:r>
-            <a:endParaRPr lang="zh-CN" altLang="en-US" dirty="0"/>
-          </a:p>
-        </p:txBody>
-      </p:sp>
-      <p:sp>
-        <p:nvSpPr>
-          <p:cNvPr id="3" name="内容占位符 2"/>
-          <p:cNvSpPr>
-            <a:spLocks noGrp="1"/>
-          </p:cNvSpPr>
-          <p:nvPr>
-            <p:ph idx="1"/>
-          </p:nvPr>
-        </p:nvSpPr>
-        <p:spPr>
-          <a:xfrm>
-            <a:off x="647700" y="1825625"/>
-            <a:ext cx="10515600" cy="4351338"/>
-          </a:xfrm>
-        </p:spPr>
-        <p:txBody>
-          <a:bodyPr>
-            <a:normAutofit/>
-          </a:bodyPr>
-          <a:lstStyle>
-            <a:lvl1pPr>
-              <a:defRPr sz="2000">
-                <a:solidFill>
-                  <a:schemeClr val="tx1">
-                    <a:lumMod val="75000"/>
-                    <a:lumOff val="25000"/>
-                  </a:schemeClr>
-                </a:solidFill>
-              </a:defRPr>
-            </a:lvl1pPr>
-            <a:lvl2pPr>
-              <a:defRPr sz="1800">
-                <a:solidFill>
-                  <a:schemeClr val="tx1">
-                    <a:lumMod val="75000"/>
-                    <a:lumOff val="25000"/>
-                  </a:schemeClr>
-                </a:solidFill>
-              </a:defRPr>
-            </a:lvl2pPr>
-            <a:lvl3pPr>
-              <a:defRPr sz="1600">
-                <a:solidFill>
-                  <a:schemeClr val="tx1">
-                    <a:lumMod val="75000"/>
-                    <a:lumOff val="25000"/>
-                  </a:schemeClr>
-                </a:solidFill>
-              </a:defRPr>
-            </a:lvl3pPr>
-            <a:lvl4pPr>
-              <a:defRPr sz="1600">
-                <a:solidFill>
-                  <a:schemeClr val="tx1">
-                    <a:lumMod val="75000"/>
-                    <a:lumOff val="25000"/>
-                  </a:schemeClr>
-                </a:solidFill>
-              </a:defRPr>
-            </a:lvl4pPr>
-            <a:lvl5pPr>
-              <a:defRPr sz="1600">
-                <a:solidFill>
-                  <a:schemeClr val="tx1">
-                    <a:lumMod val="75000"/>
-                    <a:lumOff val="25000"/>
-                  </a:schemeClr>
-                </a:solidFill>
-              </a:defRPr>
-            </a:lvl5pPr>
-          </a:lstStyle>
-          <a:p>
-            <a:pPr lvl="0"/>
-            <a:r>
-              <a:rPr lang="zh-CN" altLang="en-US" dirty="0">
-                <a:sym typeface="+mn-ea"/>
-              </a:rPr>
-              <a:t>Click to edit Master text styles</a:t>
-            </a:r>
-            <a:endParaRPr lang="zh-CN" altLang="en-US" dirty="0">
-              <a:sym typeface="+mn-ea"/>
-            </a:endParaRPr>
-          </a:p>
-          <a:p>
-            <a:pPr lvl="1"/>
-            <a:r>
-              <a:rPr lang="zh-CN" altLang="en-US" dirty="0"/>
-              <a:t>Second level</a:t>
-            </a:r>
-            <a:endParaRPr lang="zh-CN" altLang="en-US" dirty="0"/>
-          </a:p>
-          <a:p>
-            <a:pPr lvl="2"/>
-            <a:r>
-              <a:rPr lang="zh-CN" altLang="en-US" dirty="0"/>
-              <a:t>Third level</a:t>
-            </a:r>
-            <a:endParaRPr lang="zh-CN" altLang="en-US" dirty="0"/>
-          </a:p>
-          <a:p>
-            <a:pPr lvl="3"/>
-            <a:r>
-              <a:rPr lang="zh-CN" altLang="en-US" dirty="0"/>
-              <a:t>Fourth level</a:t>
-            </a:r>
-            <a:endParaRPr lang="zh-CN" altLang="en-US" dirty="0"/>
-          </a:p>
-          <a:p>
-            <a:pPr lvl="4"/>
-            <a:r>
-              <a:rPr lang="zh-CN" altLang="en-US" dirty="0"/>
-              <a:t>Fifth level</a:t>
-            </a:r>
-            <a:endParaRPr lang="zh-CN" altLang="en-US" dirty="0"/>
-          </a:p>
-        </p:txBody>
-      </p:sp>
-      <p:sp>
-        <p:nvSpPr>
-          <p:cNvPr id="4" name="日期占位符 3"/>
-          <p:cNvSpPr>
-            <a:spLocks noGrp="1"/>
-          </p:cNvSpPr>
-          <p:nvPr>
-            <p:ph type="dt" sz="half" idx="10"/>
           </p:nvPr>
         </p:nvSpPr>
         <p:spPr/>
         <p:txBody>
           <a:bodyPr/>
           <a:lstStyle/>
+          <a:p>
+            <a:r>
+              <a:rPr lang="en-US" smtClean="0"/>
+              <a:t>Click to edit Master title style</a:t>
+            </a:r>
+            <a:endParaRPr lang="en-US"/>
+          </a:p>
+        </p:txBody>
+      </p:sp>
+      <p:sp>
+        <p:nvSpPr>
+          <p:cNvPr id="3" name="Content Placeholder 2"/>
+          <p:cNvSpPr>
+            <a:spLocks noGrp="1"/>
+          </p:cNvSpPr>
+          <p:nvPr>
+            <p:ph idx="1"/>
+          </p:nvPr>
+        </p:nvSpPr>
+        <p:spPr/>
+        <p:txBody>
+          <a:bodyPr/>
+          <a:lstStyle/>
+          <a:p>
+            <a:pPr lvl="0"/>
+            <a:r>
+              <a:rPr lang="en-US" smtClean="0"/>
+              <a:t>Click to edit Master text styles</a:t>
+            </a:r>
+            <a:endParaRPr lang="en-US" smtClean="0"/>
+          </a:p>
+          <a:p>
+            <a:pPr lvl="1"/>
+            <a:r>
+              <a:rPr lang="en-US" smtClean="0"/>
+              <a:t>Second level</a:t>
+            </a:r>
+            <a:endParaRPr lang="en-US" smtClean="0"/>
+          </a:p>
+          <a:p>
+            <a:pPr lvl="2"/>
+            <a:r>
+              <a:rPr lang="en-US" smtClean="0"/>
+              <a:t>Third level</a:t>
+            </a:r>
+            <a:endParaRPr lang="en-US" smtClean="0"/>
+          </a:p>
+          <a:p>
+            <a:pPr lvl="3"/>
+            <a:r>
+              <a:rPr lang="en-US" smtClean="0"/>
+              <a:t>Fourth level</a:t>
+            </a:r>
+            <a:endParaRPr lang="en-US" smtClean="0"/>
+          </a:p>
+          <a:p>
+            <a:pPr lvl="4"/>
+            <a:r>
+              <a:rPr lang="en-US" smtClean="0"/>
+              <a:t>Fifth level</a:t>
+            </a:r>
+            <a:endParaRPr lang="en-US"/>
+          </a:p>
+        </p:txBody>
+      </p:sp>
+      <p:sp>
+        <p:nvSpPr>
+          <p:cNvPr id="4" name="Date Placeholder 3"/>
+          <p:cNvSpPr>
+            <a:spLocks noGrp="1"/>
+          </p:cNvSpPr>
+          <p:nvPr>
+            <p:ph type="dt" sz="half" idx="10"/>
+          </p:nvPr>
+        </p:nvSpPr>
+        <p:spPr/>
+        <p:txBody>
+          <a:bodyPr/>
           <a:p>
             <a:fld id="{760FBDFE-C587-4B4C-A407-44438C67B59E}" type="datetimeFigureOut">
               <a:rPr lang="zh-CN" altLang="en-US" smtClean="0"/>
@@ -1186,7 +1535,7 @@
       </p:sp>
       <p:sp>
         <p:nvSpPr>
-          <p:cNvPr id="5" name="页脚占位符 4"/>
+          <p:cNvPr id="5" name="Footer Placeholder 4"/>
           <p:cNvSpPr>
             <a:spLocks noGrp="1"/>
           </p:cNvSpPr>
@@ -1197,7 +1546,6 @@
         <p:spPr/>
         <p:txBody>
           <a:bodyPr/>
-          <a:lstStyle/>
           <a:p>
             <a:endParaRPr lang="zh-CN" altLang="en-US"/>
           </a:p>
@@ -1205,7 +1553,7 @@
       </p:sp>
       <p:sp>
         <p:nvSpPr>
-          <p:cNvPr id="6" name="灯片编号占位符 5"/>
+          <p:cNvPr id="6" name="Slide Number Placeholder 5"/>
           <p:cNvSpPr>
             <a:spLocks noGrp="1"/>
           </p:cNvSpPr>
@@ -1216,7 +1564,6 @@
         <p:spPr/>
         <p:txBody>
           <a:bodyPr/>
-          <a:lstStyle/>
           <a:p>
             <a:fld id="{49AE70B2-8BF9-45C0-BB95-33D1B9D3A854}" type="slidenum">
               <a:rPr lang="zh-CN" altLang="en-US" smtClean="0"/>
@@ -1230,6 +1577,7 @@
   <p:clrMapOvr>
     <a:masterClrMapping/>
   </p:clrMapOvr>
+  <p:hf sldNum="0" hdr="0" ftr="0" dt="0"/>
 </p:sldLayout>
 </file>
 
@@ -1252,7 +1600,7 @@
       </p:grpSpPr>
       <p:sp>
         <p:nvSpPr>
-          <p:cNvPr id="2" name="标题 1"/>
+          <p:cNvPr id="2" name="Title 1"/>
           <p:cNvSpPr>
             <a:spLocks noGrp="1"/>
           </p:cNvSpPr>
@@ -1262,39 +1610,29 @@
         </p:nvSpPr>
         <p:spPr>
           <a:xfrm>
-            <a:off x="831850" y="3750945"/>
-            <a:ext cx="9848088" cy="811530"/>
+            <a:off x="831851" y="1709738"/>
+            <a:ext cx="10515600" cy="2852737"/>
           </a:xfrm>
         </p:spPr>
         <p:txBody>
-          <a:bodyPr anchor="b">
-            <a:normAutofit/>
-          </a:bodyPr>
+          <a:bodyPr anchor="b"/>
           <a:lstStyle>
             <a:lvl1pPr>
-              <a:defRPr sz="4000">
-                <a:effectLst>
-                  <a:outerShdw blurRad="38100" dist="38100" dir="2700000" algn="tl">
-                    <a:srgbClr val="000000">
-                      <a:alpha val="43137"/>
-                    </a:srgbClr>
-                  </a:outerShdw>
-                </a:effectLst>
-              </a:defRPr>
+              <a:defRPr sz="6000"/>
             </a:lvl1pPr>
           </a:lstStyle>
           <a:p>
             <a:r>
-              <a:rPr lang="zh-CN" altLang="en-US" dirty="0"/>
+              <a:rPr lang="en-US" smtClean="0"/>
               <a:t>Click to edit Master title style</a:t>
             </a:r>
-            <a:endParaRPr lang="zh-CN" altLang="en-US" dirty="0"/>
-          </a:p>
-        </p:txBody>
-      </p:sp>
-      <p:sp>
-        <p:nvSpPr>
-          <p:cNvPr id="3" name="文本占位符 2"/>
+            <a:endParaRPr lang="en-US"/>
+          </a:p>
+        </p:txBody>
+      </p:sp>
+      <p:sp>
+        <p:nvSpPr>
+          <p:cNvPr id="3" name="Text Placeholder 2"/>
           <p:cNvSpPr>
             <a:spLocks noGrp="1"/>
           </p:cNvSpPr>
@@ -1304,121 +1642,63 @@
         </p:nvSpPr>
         <p:spPr>
           <a:xfrm>
-            <a:off x="831850" y="4610028"/>
-            <a:ext cx="7321550" cy="647555"/>
+            <a:off x="831851" y="4589463"/>
+            <a:ext cx="10515600" cy="1500187"/>
           </a:xfrm>
         </p:spPr>
         <p:txBody>
-          <a:bodyPr>
-            <a:normAutofit/>
-          </a:bodyPr>
+          <a:bodyPr/>
           <a:lstStyle>
             <a:lvl1pPr marL="0" indent="0">
               <a:buNone/>
-              <a:defRPr sz="1800">
-                <a:solidFill>
-                  <a:schemeClr val="tx1"/>
-                </a:solidFill>
-              </a:defRPr>
+              <a:defRPr sz="2400"/>
             </a:lvl1pPr>
             <a:lvl2pPr marL="457200" indent="0">
               <a:buNone/>
-              <a:defRPr sz="2000">
-                <a:solidFill>
-                  <a:schemeClr val="tx1">
-                    <a:tint val="75000"/>
-                  </a:schemeClr>
-                </a:solidFill>
-              </a:defRPr>
+              <a:defRPr sz="2000"/>
             </a:lvl2pPr>
             <a:lvl3pPr marL="914400" indent="0">
               <a:buNone/>
-              <a:defRPr sz="1800">
-                <a:solidFill>
-                  <a:schemeClr val="tx1">
-                    <a:tint val="75000"/>
-                  </a:schemeClr>
-                </a:solidFill>
-              </a:defRPr>
+              <a:defRPr sz="1800"/>
             </a:lvl3pPr>
             <a:lvl4pPr marL="1371600" indent="0">
               <a:buNone/>
-              <a:defRPr sz="1600">
-                <a:solidFill>
-                  <a:schemeClr val="tx1">
-                    <a:tint val="75000"/>
-                  </a:schemeClr>
-                </a:solidFill>
-              </a:defRPr>
+              <a:defRPr sz="1600"/>
             </a:lvl4pPr>
             <a:lvl5pPr marL="1828800" indent="0">
               <a:buNone/>
-              <a:defRPr sz="1600">
-                <a:solidFill>
-                  <a:schemeClr val="tx1">
-                    <a:tint val="75000"/>
-                  </a:schemeClr>
-                </a:solidFill>
-              </a:defRPr>
+              <a:defRPr sz="1600"/>
             </a:lvl5pPr>
             <a:lvl6pPr marL="2286000" indent="0">
               <a:buNone/>
-              <a:defRPr sz="1600">
-                <a:solidFill>
-                  <a:schemeClr val="tx1">
-                    <a:tint val="75000"/>
-                  </a:schemeClr>
-                </a:solidFill>
-              </a:defRPr>
+              <a:defRPr sz="1600"/>
             </a:lvl6pPr>
             <a:lvl7pPr marL="2743200" indent="0">
               <a:buNone/>
-              <a:defRPr sz="1600">
-                <a:solidFill>
-                  <a:schemeClr val="tx1">
-                    <a:tint val="75000"/>
-                  </a:schemeClr>
-                </a:solidFill>
-              </a:defRPr>
+              <a:defRPr sz="1600"/>
             </a:lvl7pPr>
             <a:lvl8pPr marL="3200400" indent="0">
               <a:buNone/>
-              <a:defRPr sz="1600">
-                <a:solidFill>
-                  <a:schemeClr val="tx1">
-                    <a:tint val="75000"/>
-                  </a:schemeClr>
-                </a:solidFill>
-              </a:defRPr>
+              <a:defRPr sz="1600"/>
             </a:lvl8pPr>
             <a:lvl9pPr marL="3657600" indent="0">
               <a:buNone/>
-              <a:defRPr sz="1600">
-                <a:solidFill>
-                  <a:schemeClr val="tx1">
-                    <a:tint val="75000"/>
-                  </a:schemeClr>
-                </a:solidFill>
-              </a:defRPr>
+              <a:defRPr sz="1600"/>
             </a:lvl9pPr>
           </a:lstStyle>
           <a:p>
             <a:pPr lvl="0"/>
             <a:r>
-              <a:rPr lang="zh-CN" altLang="en-US" dirty="0">
-                <a:sym typeface="+mn-ea"/>
-              </a:rPr>
+              <a:rPr lang="en-US" smtClean="0"/>
               <a:t>Click to edit Master text styles</a:t>
             </a:r>
-            <a:endParaRPr lang="zh-CN" altLang="en-US" dirty="0">
-              <a:sym typeface="+mn-ea"/>
-            </a:endParaRPr>
-          </a:p>
-        </p:txBody>
-      </p:sp>
-      <p:sp>
-        <p:nvSpPr>
-          <p:cNvPr id="4" name="日期占位符 3"/>
+            <a:endParaRPr lang="en-US" smtClean="0"/>
+          </a:p>
+        </p:txBody>
+      </p:sp>
+      <p:sp>
+        <p:nvSpPr>
+          <p:cNvPr id="4" name="Date Placeholder 3"/>
           <p:cNvSpPr>
             <a:spLocks noGrp="1"/>
           </p:cNvSpPr>
@@ -1429,7 +1709,6 @@
         <p:spPr/>
         <p:txBody>
           <a:bodyPr/>
-          <a:lstStyle/>
           <a:p>
             <a:fld id="{760FBDFE-C587-4B4C-A407-44438C67B59E}" type="datetimeFigureOut">
               <a:rPr lang="zh-CN" altLang="en-US" smtClean="0"/>
@@ -1440,7 +1719,7 @@
       </p:sp>
       <p:sp>
         <p:nvSpPr>
-          <p:cNvPr id="5" name="页脚占位符 4"/>
+          <p:cNvPr id="5" name="Footer Placeholder 4"/>
           <p:cNvSpPr>
             <a:spLocks noGrp="1"/>
           </p:cNvSpPr>
@@ -1451,7 +1730,6 @@
         <p:spPr/>
         <p:txBody>
           <a:bodyPr/>
-          <a:lstStyle/>
           <a:p>
             <a:endParaRPr lang="zh-CN" altLang="en-US"/>
           </a:p>
@@ -1459,7 +1737,7 @@
       </p:sp>
       <p:sp>
         <p:nvSpPr>
-          <p:cNvPr id="6" name="灯片编号占位符 5"/>
+          <p:cNvPr id="6" name="Slide Number Placeholder 5"/>
           <p:cNvSpPr>
             <a:spLocks noGrp="1"/>
           </p:cNvSpPr>
@@ -1470,7 +1748,6 @@
         <p:spPr/>
         <p:txBody>
           <a:bodyPr/>
-          <a:lstStyle/>
           <a:p>
             <a:fld id="{49AE70B2-8BF9-45C0-BB95-33D1B9D3A854}" type="slidenum">
               <a:rPr lang="zh-CN" altLang="en-US" smtClean="0"/>
@@ -1484,6 +1761,7 @@
   <p:clrMapOvr>
     <a:masterClrMapping/>
   </p:clrMapOvr>
+  <p:hf sldNum="0" hdr="0" ftr="0" dt="0"/>
 </p:sldLayout>
 </file>
 
@@ -1506,326 +1784,162 @@
       </p:grpSpPr>
       <p:sp>
         <p:nvSpPr>
-          <p:cNvPr id="2" name="标题 1"/>
+          <p:cNvPr id="2" name="Title 1"/>
           <p:cNvSpPr>
             <a:spLocks noGrp="1"/>
           </p:cNvSpPr>
           <p:nvPr>
             <p:ph type="title"/>
+          </p:nvPr>
+        </p:nvSpPr>
+        <p:spPr/>
+        <p:txBody>
+          <a:bodyPr/>
+          <a:lstStyle/>
+          <a:p>
+            <a:r>
+              <a:rPr lang="en-US" smtClean="0"/>
+              <a:t>Click to edit Master title style</a:t>
+            </a:r>
+            <a:endParaRPr lang="en-US"/>
+          </a:p>
+        </p:txBody>
+      </p:sp>
+      <p:sp>
+        <p:nvSpPr>
+          <p:cNvPr id="3" name="Content Placeholder 2"/>
+          <p:cNvSpPr>
+            <a:spLocks noGrp="1"/>
+          </p:cNvSpPr>
+          <p:nvPr>
+            <p:ph sz="half" idx="1"/>
           </p:nvPr>
         </p:nvSpPr>
         <p:spPr>
           <a:xfrm>
-            <a:off x="647700" y="258445"/>
-            <a:ext cx="10515600" cy="1325563"/>
+            <a:off x="609600" y="1174750"/>
+            <a:ext cx="5384800" cy="4953000"/>
           </a:xfrm>
         </p:spPr>
         <p:txBody>
-          <a:bodyPr>
-            <a:normAutofit/>
-          </a:bodyPr>
-          <a:lstStyle>
-            <a:lvl1pPr>
-              <a:defRPr sz="2400" b="1" i="0">
-                <a:effectLst>
-                  <a:outerShdw blurRad="38100" dist="38100" dir="2700000" algn="tl">
-                    <a:srgbClr val="000000">
-                      <a:alpha val="43137"/>
-                    </a:srgbClr>
-                  </a:outerShdw>
-                </a:effectLst>
-              </a:defRPr>
-            </a:lvl1pPr>
-          </a:lstStyle>
-          <a:p>
-            <a:r>
-              <a:rPr lang="zh-CN" altLang="en-US" dirty="0"/>
-              <a:t>Click to edit Master title style</a:t>
-            </a:r>
-            <a:endParaRPr lang="zh-CN" altLang="en-US" dirty="0"/>
-          </a:p>
-        </p:txBody>
-      </p:sp>
-      <p:sp>
-        <p:nvSpPr>
-          <p:cNvPr id="3" name="内容占位符 2"/>
-          <p:cNvSpPr>
-            <a:spLocks noGrp="1"/>
-          </p:cNvSpPr>
-          <p:nvPr>
-            <p:ph sz="half" idx="1"/>
+          <a:bodyPr/>
+          <a:lstStyle/>
+          <a:p>
+            <a:pPr lvl="0"/>
+            <a:r>
+              <a:rPr lang="en-US" smtClean="0"/>
+              <a:t>Click to edit Master text styles</a:t>
+            </a:r>
+            <a:endParaRPr lang="en-US" smtClean="0"/>
+          </a:p>
+          <a:p>
+            <a:pPr lvl="1"/>
+            <a:r>
+              <a:rPr lang="en-US" smtClean="0"/>
+              <a:t>Second level</a:t>
+            </a:r>
+            <a:endParaRPr lang="en-US" smtClean="0"/>
+          </a:p>
+          <a:p>
+            <a:pPr lvl="2"/>
+            <a:r>
+              <a:rPr lang="en-US" smtClean="0"/>
+              <a:t>Third level</a:t>
+            </a:r>
+            <a:endParaRPr lang="en-US" smtClean="0"/>
+          </a:p>
+          <a:p>
+            <a:pPr lvl="3"/>
+            <a:r>
+              <a:rPr lang="en-US" smtClean="0"/>
+              <a:t>Fourth level</a:t>
+            </a:r>
+            <a:endParaRPr lang="en-US" smtClean="0"/>
+          </a:p>
+          <a:p>
+            <a:pPr lvl="4"/>
+            <a:r>
+              <a:rPr lang="en-US" smtClean="0"/>
+              <a:t>Fifth level</a:t>
+            </a:r>
+            <a:endParaRPr lang="en-US"/>
+          </a:p>
+        </p:txBody>
+      </p:sp>
+      <p:sp>
+        <p:nvSpPr>
+          <p:cNvPr id="4" name="Content Placeholder 3"/>
+          <p:cNvSpPr>
+            <a:spLocks noGrp="1"/>
+          </p:cNvSpPr>
+          <p:nvPr>
+            <p:ph sz="half" idx="2"/>
           </p:nvPr>
         </p:nvSpPr>
         <p:spPr>
           <a:xfrm>
-            <a:off x="647700" y="1825625"/>
-            <a:ext cx="5181600" cy="4351338"/>
+            <a:off x="6197600" y="1174750"/>
+            <a:ext cx="5384800" cy="4953000"/>
           </a:xfrm>
         </p:spPr>
         <p:txBody>
-          <a:bodyPr>
-            <a:normAutofit/>
-          </a:bodyPr>
-          <a:lstStyle>
-            <a:lvl1pPr>
-              <a:lnSpc>
-                <a:spcPct val="150000"/>
-              </a:lnSpc>
-              <a:defRPr sz="2000">
-                <a:solidFill>
-                  <a:schemeClr val="tx1">
-                    <a:lumMod val="75000"/>
-                    <a:lumOff val="25000"/>
-                  </a:schemeClr>
-                </a:solidFill>
-              </a:defRPr>
-            </a:lvl1pPr>
-            <a:lvl2pPr>
-              <a:lnSpc>
-                <a:spcPct val="150000"/>
-              </a:lnSpc>
-              <a:defRPr sz="1800">
-                <a:solidFill>
-                  <a:schemeClr val="tx1">
-                    <a:lumMod val="75000"/>
-                    <a:lumOff val="25000"/>
-                  </a:schemeClr>
-                </a:solidFill>
-              </a:defRPr>
-            </a:lvl2pPr>
-            <a:lvl3pPr>
-              <a:lnSpc>
-                <a:spcPct val="150000"/>
-              </a:lnSpc>
-              <a:defRPr sz="1600">
-                <a:solidFill>
-                  <a:schemeClr val="tx1">
-                    <a:lumMod val="75000"/>
-                    <a:lumOff val="25000"/>
-                  </a:schemeClr>
-                </a:solidFill>
-              </a:defRPr>
-            </a:lvl3pPr>
-            <a:lvl4pPr>
-              <a:lnSpc>
-                <a:spcPct val="150000"/>
-              </a:lnSpc>
-              <a:defRPr sz="1600">
-                <a:solidFill>
-                  <a:schemeClr val="tx1">
-                    <a:lumMod val="75000"/>
-                    <a:lumOff val="25000"/>
-                  </a:schemeClr>
-                </a:solidFill>
-              </a:defRPr>
-            </a:lvl4pPr>
-            <a:lvl5pPr>
-              <a:lnSpc>
-                <a:spcPct val="150000"/>
-              </a:lnSpc>
-              <a:defRPr sz="1600">
-                <a:solidFill>
-                  <a:schemeClr val="tx1">
-                    <a:lumMod val="75000"/>
-                    <a:lumOff val="25000"/>
-                  </a:schemeClr>
-                </a:solidFill>
-              </a:defRPr>
-            </a:lvl5pPr>
-          </a:lstStyle>
-          <a:p>
-            <a:pPr lvl="0"/>
-            <a:r>
-              <a:rPr lang="zh-CN" altLang="en-US" dirty="0">
-                <a:sym typeface="+mn-ea"/>
-              </a:rPr>
-              <a:t>Click to edit Master text styles</a:t>
-            </a:r>
-            <a:endParaRPr lang="zh-CN" altLang="en-US" dirty="0">
-              <a:sym typeface="+mn-ea"/>
-            </a:endParaRPr>
-          </a:p>
-          <a:p>
-            <a:pPr lvl="1"/>
-            <a:r>
-              <a:rPr lang="zh-CN" altLang="en-US" dirty="0"/>
-              <a:t>Second level</a:t>
-            </a:r>
-            <a:endParaRPr lang="zh-CN" altLang="en-US" dirty="0"/>
-          </a:p>
-          <a:p>
-            <a:pPr lvl="2"/>
-            <a:r>
-              <a:rPr lang="zh-CN" altLang="en-US" dirty="0"/>
-              <a:t>Third level</a:t>
-            </a:r>
-            <a:endParaRPr lang="zh-CN" altLang="en-US" dirty="0"/>
-          </a:p>
-          <a:p>
-            <a:pPr lvl="3"/>
-            <a:r>
-              <a:rPr lang="zh-CN" altLang="en-US" dirty="0"/>
-              <a:t>Fourth level</a:t>
-            </a:r>
-            <a:endParaRPr lang="zh-CN" altLang="en-US" dirty="0"/>
-          </a:p>
-          <a:p>
-            <a:pPr lvl="4"/>
-            <a:r>
-              <a:rPr lang="zh-CN" altLang="en-US" dirty="0"/>
-              <a:t>Fifth level</a:t>
-            </a:r>
-            <a:endParaRPr lang="zh-CN" altLang="en-US" dirty="0"/>
-          </a:p>
-        </p:txBody>
-      </p:sp>
-      <p:sp>
-        <p:nvSpPr>
-          <p:cNvPr id="4" name="内容占位符 3"/>
-          <p:cNvSpPr>
-            <a:spLocks noGrp="1"/>
-          </p:cNvSpPr>
-          <p:nvPr>
-            <p:ph sz="half" idx="2"/>
-          </p:nvPr>
-        </p:nvSpPr>
-        <p:spPr>
-          <a:xfrm>
-            <a:off x="5981700" y="1825625"/>
-            <a:ext cx="5181600" cy="4351338"/>
-          </a:xfrm>
-        </p:spPr>
-        <p:txBody>
-          <a:bodyPr>
-            <a:normAutofit/>
-          </a:bodyPr>
-          <a:lstStyle>
-            <a:lvl1pPr>
-              <a:lnSpc>
-                <a:spcPct val="150000"/>
-              </a:lnSpc>
-              <a:defRPr sz="2000">
-                <a:solidFill>
-                  <a:schemeClr val="tx1">
-                    <a:lumMod val="75000"/>
-                    <a:lumOff val="25000"/>
-                  </a:schemeClr>
-                </a:solidFill>
-              </a:defRPr>
-            </a:lvl1pPr>
-            <a:lvl2pPr>
-              <a:lnSpc>
-                <a:spcPct val="150000"/>
-              </a:lnSpc>
-              <a:defRPr sz="1800">
-                <a:solidFill>
-                  <a:schemeClr val="tx1">
-                    <a:lumMod val="75000"/>
-                    <a:lumOff val="25000"/>
-                  </a:schemeClr>
-                </a:solidFill>
-              </a:defRPr>
-            </a:lvl2pPr>
-            <a:lvl3pPr>
-              <a:lnSpc>
-                <a:spcPct val="150000"/>
-              </a:lnSpc>
-              <a:defRPr sz="1600">
-                <a:solidFill>
-                  <a:schemeClr val="tx1">
-                    <a:lumMod val="75000"/>
-                    <a:lumOff val="25000"/>
-                  </a:schemeClr>
-                </a:solidFill>
-              </a:defRPr>
-            </a:lvl3pPr>
-            <a:lvl4pPr>
-              <a:lnSpc>
-                <a:spcPct val="150000"/>
-              </a:lnSpc>
-              <a:defRPr sz="1600">
-                <a:solidFill>
-                  <a:schemeClr val="tx1">
-                    <a:lumMod val="75000"/>
-                    <a:lumOff val="25000"/>
-                  </a:schemeClr>
-                </a:solidFill>
-              </a:defRPr>
-            </a:lvl4pPr>
-            <a:lvl5pPr>
-              <a:lnSpc>
-                <a:spcPct val="150000"/>
-              </a:lnSpc>
-              <a:defRPr sz="1600">
-                <a:solidFill>
-                  <a:schemeClr val="tx1">
-                    <a:lumMod val="75000"/>
-                    <a:lumOff val="25000"/>
-                  </a:schemeClr>
-                </a:solidFill>
-              </a:defRPr>
-            </a:lvl5pPr>
-          </a:lstStyle>
-          <a:p>
-            <a:pPr lvl="0"/>
-            <a:r>
-              <a:rPr lang="zh-CN" altLang="en-US" dirty="0">
-                <a:sym typeface="+mn-ea"/>
-              </a:rPr>
-              <a:t>Click to edit Master text styles</a:t>
-            </a:r>
-            <a:endParaRPr lang="zh-CN" altLang="en-US" dirty="0">
-              <a:sym typeface="+mn-ea"/>
-            </a:endParaRPr>
-          </a:p>
-          <a:p>
-            <a:pPr lvl="1"/>
-            <a:r>
-              <a:rPr lang="zh-CN" altLang="en-US" dirty="0"/>
-              <a:t>Second level</a:t>
-            </a:r>
-            <a:endParaRPr lang="zh-CN" altLang="en-US" dirty="0"/>
-          </a:p>
-          <a:p>
-            <a:pPr lvl="2"/>
-            <a:r>
-              <a:rPr lang="zh-CN" altLang="en-US" dirty="0"/>
-              <a:t>Third level</a:t>
-            </a:r>
-            <a:endParaRPr lang="zh-CN" altLang="en-US" dirty="0"/>
-          </a:p>
-          <a:p>
-            <a:pPr lvl="3"/>
-            <a:r>
-              <a:rPr lang="zh-CN" altLang="en-US" dirty="0"/>
-              <a:t>Fourth level</a:t>
-            </a:r>
-            <a:endParaRPr lang="zh-CN" altLang="en-US" dirty="0"/>
-          </a:p>
-          <a:p>
-            <a:pPr lvl="4"/>
-            <a:r>
-              <a:rPr lang="zh-CN" altLang="en-US" dirty="0"/>
-              <a:t>Fifth level</a:t>
-            </a:r>
-            <a:endParaRPr lang="zh-CN" altLang="en-US" dirty="0"/>
-          </a:p>
-        </p:txBody>
-      </p:sp>
-      <p:sp>
-        <p:nvSpPr>
-          <p:cNvPr id="5" name="日期占位符 4"/>
-          <p:cNvSpPr>
-            <a:spLocks noGrp="1"/>
-          </p:cNvSpPr>
-          <p:nvPr>
-            <p:ph type="dt" sz="half" idx="10"/>
-          </p:nvPr>
-        </p:nvSpPr>
-        <p:spPr/>
-        <p:txBody>
           <a:bodyPr/>
           <a:lstStyle/>
+          <a:p>
+            <a:pPr lvl="0"/>
+            <a:r>
+              <a:rPr lang="en-US" smtClean="0"/>
+              <a:t>Click to edit Master text styles</a:t>
+            </a:r>
+            <a:endParaRPr lang="en-US" smtClean="0"/>
+          </a:p>
+          <a:p>
+            <a:pPr lvl="1"/>
+            <a:r>
+              <a:rPr lang="en-US" smtClean="0"/>
+              <a:t>Second level</a:t>
+            </a:r>
+            <a:endParaRPr lang="en-US" smtClean="0"/>
+          </a:p>
+          <a:p>
+            <a:pPr lvl="2"/>
+            <a:r>
+              <a:rPr lang="en-US" smtClean="0"/>
+              <a:t>Third level</a:t>
+            </a:r>
+            <a:endParaRPr lang="en-US" smtClean="0"/>
+          </a:p>
+          <a:p>
+            <a:pPr lvl="3"/>
+            <a:r>
+              <a:rPr lang="en-US" smtClean="0"/>
+              <a:t>Fourth level</a:t>
+            </a:r>
+            <a:endParaRPr lang="en-US" smtClean="0"/>
+          </a:p>
+          <a:p>
+            <a:pPr lvl="4"/>
+            <a:r>
+              <a:rPr lang="en-US" smtClean="0"/>
+              <a:t>Fifth level</a:t>
+            </a:r>
+            <a:endParaRPr lang="en-US"/>
+          </a:p>
+        </p:txBody>
+      </p:sp>
+      <p:sp>
+        <p:nvSpPr>
+          <p:cNvPr id="5" name="Date Placeholder 4"/>
+          <p:cNvSpPr>
+            <a:spLocks noGrp="1"/>
+          </p:cNvSpPr>
+          <p:nvPr>
+            <p:ph type="dt" sz="half" idx="10"/>
+          </p:nvPr>
+        </p:nvSpPr>
+        <p:spPr/>
+        <p:txBody>
+          <a:bodyPr/>
           <a:p>
             <a:fld id="{760FBDFE-C587-4B4C-A407-44438C67B59E}" type="datetimeFigureOut">
               <a:rPr lang="zh-CN" altLang="en-US" smtClean="0"/>
@@ -1836,7 +1950,7 @@
       </p:sp>
       <p:sp>
         <p:nvSpPr>
-          <p:cNvPr id="6" name="页脚占位符 5"/>
+          <p:cNvPr id="6" name="Footer Placeholder 5"/>
           <p:cNvSpPr>
             <a:spLocks noGrp="1"/>
           </p:cNvSpPr>
@@ -1847,7 +1961,6 @@
         <p:spPr/>
         <p:txBody>
           <a:bodyPr/>
-          <a:lstStyle/>
           <a:p>
             <a:endParaRPr lang="zh-CN" altLang="en-US"/>
           </a:p>
@@ -1855,7 +1968,7 @@
       </p:sp>
       <p:sp>
         <p:nvSpPr>
-          <p:cNvPr id="7" name="灯片编号占位符 6"/>
+          <p:cNvPr id="7" name="Slide Number Placeholder 6"/>
           <p:cNvSpPr>
             <a:spLocks noGrp="1"/>
           </p:cNvSpPr>
@@ -1866,7 +1979,6 @@
         <p:spPr/>
         <p:txBody>
           <a:bodyPr/>
-          <a:lstStyle/>
           <a:p>
             <a:fld id="{49AE70B2-8BF9-45C0-BB95-33D1B9D3A854}" type="slidenum">
               <a:rPr lang="zh-CN" altLang="en-US" smtClean="0"/>
@@ -1880,6 +1992,7 @@
   <p:clrMapOvr>
     <a:masterClrMapping/>
   </p:clrMapOvr>
+  <p:hf sldNum="0" hdr="0" ftr="0" dt="0"/>
 </p:sldLayout>
 </file>
 
@@ -1902,7 +2015,7 @@
       </p:grpSpPr>
       <p:sp>
         <p:nvSpPr>
-          <p:cNvPr id="2" name="标题 1"/>
+          <p:cNvPr id="2" name="Title 1"/>
           <p:cNvSpPr>
             <a:spLocks noGrp="1"/>
           </p:cNvSpPr>
@@ -1912,7 +2025,7 @@
         </p:nvSpPr>
         <p:spPr>
           <a:xfrm>
-            <a:off x="839788" y="365125"/>
+            <a:off x="840317" y="365125"/>
             <a:ext cx="10515600" cy="1325563"/>
           </a:xfrm>
         </p:spPr>
@@ -1921,16 +2034,16 @@
           <a:lstStyle/>
           <a:p>
             <a:r>
-              <a:rPr lang="zh-CN" altLang="en-US"/>
+              <a:rPr lang="en-US" smtClean="0"/>
               <a:t>Click to edit Master title style</a:t>
             </a:r>
-            <a:endParaRPr lang="zh-CN" altLang="en-US"/>
-          </a:p>
-        </p:txBody>
-      </p:sp>
-      <p:sp>
-        <p:nvSpPr>
-          <p:cNvPr id="3" name="文本占位符 2"/>
+            <a:endParaRPr lang="en-US"/>
+          </a:p>
+        </p:txBody>
+      </p:sp>
+      <p:sp>
+        <p:nvSpPr>
+          <p:cNvPr id="3" name="Text Placeholder 2"/>
           <p:cNvSpPr>
             <a:spLocks noGrp="1"/>
           </p:cNvSpPr>
@@ -1940,8 +2053,8 @@
         </p:nvSpPr>
         <p:spPr>
           <a:xfrm>
-            <a:off x="839788" y="1744961"/>
-            <a:ext cx="5157787" cy="823912"/>
+            <a:off x="840317" y="1681163"/>
+            <a:ext cx="5158316" cy="823912"/>
           </a:xfrm>
         </p:spPr>
         <p:txBody>
@@ -1987,20 +2100,16 @@
           <a:p>
             <a:pPr lvl="0"/>
             <a:r>
-              <a:rPr lang="zh-CN" altLang="en-US" dirty="0">
-                <a:sym typeface="+mn-ea"/>
-              </a:rPr>
+              <a:rPr lang="en-US" smtClean="0"/>
               <a:t>Click to edit Master text styles</a:t>
             </a:r>
-            <a:endParaRPr lang="zh-CN" altLang="en-US" dirty="0">
-              <a:sym typeface="+mn-ea"/>
-            </a:endParaRPr>
-          </a:p>
-        </p:txBody>
-      </p:sp>
-      <p:sp>
-        <p:nvSpPr>
-          <p:cNvPr id="4" name="内容占位符 3"/>
+            <a:endParaRPr lang="en-US" smtClean="0"/>
+          </a:p>
+        </p:txBody>
+      </p:sp>
+      <p:sp>
+        <p:nvSpPr>
+          <p:cNvPr id="4" name="Content Placeholder 3"/>
           <p:cNvSpPr>
             <a:spLocks noGrp="1"/>
           </p:cNvSpPr>
@@ -2010,8 +2119,8 @@
         </p:nvSpPr>
         <p:spPr>
           <a:xfrm>
-            <a:off x="839788" y="2615609"/>
-            <a:ext cx="5157787" cy="3574054"/>
+            <a:off x="840317" y="2505075"/>
+            <a:ext cx="5158316" cy="3684588"/>
           </a:xfrm>
         </p:spPr>
         <p:txBody>
@@ -2020,52 +2129,48 @@
           <a:p>
             <a:pPr lvl="0"/>
             <a:r>
-              <a:rPr lang="zh-CN" altLang="en-US" dirty="0">
-                <a:sym typeface="+mn-ea"/>
-              </a:rPr>
+              <a:rPr lang="en-US" smtClean="0"/>
               <a:t>Click to edit Master text styles</a:t>
             </a:r>
-            <a:endParaRPr lang="zh-CN" altLang="en-US" dirty="0">
-              <a:sym typeface="+mn-ea"/>
-            </a:endParaRPr>
+            <a:endParaRPr lang="en-US" smtClean="0"/>
           </a:p>
           <a:p>
             <a:pPr lvl="1"/>
             <a:r>
-              <a:rPr lang="zh-CN" altLang="en-US" dirty="0"/>
+              <a:rPr lang="en-US" smtClean="0"/>
               <a:t>Second level</a:t>
             </a:r>
-            <a:endParaRPr lang="zh-CN" altLang="en-US" dirty="0"/>
+            <a:endParaRPr lang="en-US" smtClean="0"/>
           </a:p>
           <a:p>
             <a:pPr lvl="2"/>
             <a:r>
-              <a:rPr lang="zh-CN" altLang="en-US" dirty="0"/>
+              <a:rPr lang="en-US" smtClean="0"/>
               <a:t>Third level</a:t>
             </a:r>
-            <a:endParaRPr lang="zh-CN" altLang="en-US" dirty="0"/>
+            <a:endParaRPr lang="en-US" smtClean="0"/>
           </a:p>
           <a:p>
             <a:pPr lvl="3"/>
             <a:r>
-              <a:rPr lang="zh-CN" altLang="en-US" dirty="0"/>
+              <a:rPr lang="en-US" smtClean="0"/>
               <a:t>Fourth level</a:t>
             </a:r>
-            <a:endParaRPr lang="zh-CN" altLang="en-US" dirty="0"/>
+            <a:endParaRPr lang="en-US" smtClean="0"/>
           </a:p>
           <a:p>
             <a:pPr lvl="4"/>
             <a:r>
-              <a:rPr lang="zh-CN" altLang="en-US" dirty="0"/>
+              <a:rPr lang="en-US" smtClean="0"/>
               <a:t>Fifth level</a:t>
             </a:r>
-            <a:endParaRPr lang="zh-CN" altLang="en-US" dirty="0"/>
-          </a:p>
-        </p:txBody>
-      </p:sp>
-      <p:sp>
-        <p:nvSpPr>
-          <p:cNvPr id="5" name="文本占位符 4"/>
+            <a:endParaRPr lang="en-US"/>
+          </a:p>
+        </p:txBody>
+      </p:sp>
+      <p:sp>
+        <p:nvSpPr>
+          <p:cNvPr id="5" name="Text Placeholder 4"/>
           <p:cNvSpPr>
             <a:spLocks noGrp="1"/>
           </p:cNvSpPr>
@@ -2075,8 +2180,8 @@
         </p:nvSpPr>
         <p:spPr>
           <a:xfrm>
-            <a:off x="6172200" y="1744961"/>
-            <a:ext cx="5183188" cy="823912"/>
+            <a:off x="6172200" y="1681163"/>
+            <a:ext cx="5183717" cy="823912"/>
           </a:xfrm>
         </p:spPr>
         <p:txBody>
@@ -2122,20 +2227,16 @@
           <a:p>
             <a:pPr lvl="0"/>
             <a:r>
-              <a:rPr lang="zh-CN" altLang="en-US" dirty="0">
-                <a:sym typeface="+mn-ea"/>
-              </a:rPr>
+              <a:rPr lang="en-US" smtClean="0"/>
               <a:t>Click to edit Master text styles</a:t>
             </a:r>
-            <a:endParaRPr lang="zh-CN" altLang="en-US" dirty="0">
-              <a:sym typeface="+mn-ea"/>
-            </a:endParaRPr>
-          </a:p>
-        </p:txBody>
-      </p:sp>
-      <p:sp>
-        <p:nvSpPr>
-          <p:cNvPr id="6" name="内容占位符 5"/>
+            <a:endParaRPr lang="en-US" smtClean="0"/>
+          </a:p>
+        </p:txBody>
+      </p:sp>
+      <p:sp>
+        <p:nvSpPr>
+          <p:cNvPr id="6" name="Content Placeholder 5"/>
           <p:cNvSpPr>
             <a:spLocks noGrp="1"/>
           </p:cNvSpPr>
@@ -2145,8 +2246,8 @@
         </p:nvSpPr>
         <p:spPr>
           <a:xfrm>
-            <a:off x="6172200" y="2615609"/>
-            <a:ext cx="5183188" cy="3574054"/>
+            <a:off x="6172200" y="2505075"/>
+            <a:ext cx="5183717" cy="3684588"/>
           </a:xfrm>
         </p:spPr>
         <p:txBody>
@@ -2155,52 +2256,48 @@
           <a:p>
             <a:pPr lvl="0"/>
             <a:r>
-              <a:rPr lang="zh-CN" altLang="en-US" dirty="0">
-                <a:sym typeface="+mn-ea"/>
-              </a:rPr>
+              <a:rPr lang="en-US" smtClean="0"/>
               <a:t>Click to edit Master text styles</a:t>
             </a:r>
-            <a:endParaRPr lang="zh-CN" altLang="en-US" dirty="0">
-              <a:sym typeface="+mn-ea"/>
-            </a:endParaRPr>
+            <a:endParaRPr lang="en-US" smtClean="0"/>
           </a:p>
           <a:p>
             <a:pPr lvl="1"/>
             <a:r>
-              <a:rPr lang="zh-CN" altLang="en-US" dirty="0"/>
+              <a:rPr lang="en-US" smtClean="0"/>
               <a:t>Second level</a:t>
             </a:r>
-            <a:endParaRPr lang="zh-CN" altLang="en-US" dirty="0"/>
+            <a:endParaRPr lang="en-US" smtClean="0"/>
           </a:p>
           <a:p>
             <a:pPr lvl="2"/>
             <a:r>
-              <a:rPr lang="zh-CN" altLang="en-US" dirty="0"/>
+              <a:rPr lang="en-US" smtClean="0"/>
               <a:t>Third level</a:t>
             </a:r>
-            <a:endParaRPr lang="zh-CN" altLang="en-US" dirty="0"/>
+            <a:endParaRPr lang="en-US" smtClean="0"/>
           </a:p>
           <a:p>
             <a:pPr lvl="3"/>
             <a:r>
-              <a:rPr lang="zh-CN" altLang="en-US" dirty="0"/>
+              <a:rPr lang="en-US" smtClean="0"/>
               <a:t>Fourth level</a:t>
             </a:r>
-            <a:endParaRPr lang="zh-CN" altLang="en-US" dirty="0"/>
+            <a:endParaRPr lang="en-US" smtClean="0"/>
           </a:p>
           <a:p>
             <a:pPr lvl="4"/>
             <a:r>
-              <a:rPr lang="zh-CN" altLang="en-US" dirty="0"/>
+              <a:rPr lang="en-US" smtClean="0"/>
               <a:t>Fifth level</a:t>
             </a:r>
-            <a:endParaRPr lang="zh-CN" altLang="en-US" dirty="0"/>
-          </a:p>
-        </p:txBody>
-      </p:sp>
-      <p:sp>
-        <p:nvSpPr>
-          <p:cNvPr id="7" name="日期占位符 6"/>
+            <a:endParaRPr lang="en-US"/>
+          </a:p>
+        </p:txBody>
+      </p:sp>
+      <p:sp>
+        <p:nvSpPr>
+          <p:cNvPr id="7" name="Date Placeholder 6"/>
           <p:cNvSpPr>
             <a:spLocks noGrp="1"/>
           </p:cNvSpPr>
@@ -2211,7 +2308,6 @@
         <p:spPr/>
         <p:txBody>
           <a:bodyPr/>
-          <a:lstStyle/>
           <a:p>
             <a:fld id="{760FBDFE-C587-4B4C-A407-44438C67B59E}" type="datetimeFigureOut">
               <a:rPr lang="zh-CN" altLang="en-US" smtClean="0"/>
@@ -2222,7 +2318,7 @@
       </p:sp>
       <p:sp>
         <p:nvSpPr>
-          <p:cNvPr id="8" name="页脚占位符 7"/>
+          <p:cNvPr id="8" name="Footer Placeholder 7"/>
           <p:cNvSpPr>
             <a:spLocks noGrp="1"/>
           </p:cNvSpPr>
@@ -2233,7 +2329,6 @@
         <p:spPr/>
         <p:txBody>
           <a:bodyPr/>
-          <a:lstStyle/>
           <a:p>
             <a:endParaRPr lang="zh-CN" altLang="en-US"/>
           </a:p>
@@ -2241,7 +2336,7 @@
       </p:sp>
       <p:sp>
         <p:nvSpPr>
-          <p:cNvPr id="9" name="灯片编号占位符 8"/>
+          <p:cNvPr id="9" name="Slide Number Placeholder 8"/>
           <p:cNvSpPr>
             <a:spLocks noGrp="1"/>
           </p:cNvSpPr>
@@ -2252,7 +2347,6 @@
         <p:spPr/>
         <p:txBody>
           <a:bodyPr/>
-          <a:lstStyle/>
           <a:p>
             <a:fld id="{49AE70B2-8BF9-45C0-BB95-33D1B9D3A854}" type="slidenum">
               <a:rPr lang="zh-CN" altLang="en-US" smtClean="0"/>
@@ -2266,6 +2360,7 @@
   <p:clrMapOvr>
     <a:masterClrMapping/>
   </p:clrMapOvr>
+  <p:hf sldNum="0" hdr="0" ftr="0" dt="0"/>
 </p:sldLayout>
 </file>
 
@@ -2288,60 +2383,40 @@
       </p:grpSpPr>
       <p:sp>
         <p:nvSpPr>
-          <p:cNvPr id="2" name="标题 1"/>
+          <p:cNvPr id="2" name="Title 1"/>
           <p:cNvSpPr>
             <a:spLocks noGrp="1"/>
           </p:cNvSpPr>
           <p:nvPr>
             <p:ph type="title"/>
-          </p:nvPr>
-        </p:nvSpPr>
-        <p:spPr>
-          <a:xfrm>
-            <a:off x="838200" y="2766219"/>
-            <a:ext cx="10515600" cy="1325563"/>
-          </a:xfrm>
-        </p:spPr>
-        <p:txBody>
-          <a:bodyPr>
-            <a:normAutofit/>
-          </a:bodyPr>
-          <a:lstStyle>
-            <a:lvl1pPr algn="ctr">
-              <a:defRPr sz="4800" b="0">
-                <a:effectLst>
-                  <a:outerShdw blurRad="38100" dist="38100" dir="2700000" algn="tl">
-                    <a:srgbClr val="000000">
-                      <a:alpha val="43137"/>
-                    </a:srgbClr>
-                  </a:outerShdw>
-                </a:effectLst>
-              </a:defRPr>
-            </a:lvl1pPr>
-          </a:lstStyle>
-          <a:p>
-            <a:r>
-              <a:rPr lang="zh-CN" altLang="en-US" dirty="0"/>
-              <a:t>Click to edit Master title style</a:t>
-            </a:r>
-            <a:endParaRPr lang="zh-CN" altLang="en-US" dirty="0"/>
-          </a:p>
-        </p:txBody>
-      </p:sp>
-      <p:sp>
-        <p:nvSpPr>
-          <p:cNvPr id="3" name="日期占位符 2"/>
-          <p:cNvSpPr>
-            <a:spLocks noGrp="1"/>
-          </p:cNvSpPr>
-          <p:nvPr>
-            <p:ph type="dt" sz="half" idx="10"/>
           </p:nvPr>
         </p:nvSpPr>
         <p:spPr/>
         <p:txBody>
           <a:bodyPr/>
           <a:lstStyle/>
+          <a:p>
+            <a:r>
+              <a:rPr lang="en-US" smtClean="0"/>
+              <a:t>Click to edit Master title style</a:t>
+            </a:r>
+            <a:endParaRPr lang="en-US"/>
+          </a:p>
+        </p:txBody>
+      </p:sp>
+      <p:sp>
+        <p:nvSpPr>
+          <p:cNvPr id="3" name="Date Placeholder 2"/>
+          <p:cNvSpPr>
+            <a:spLocks noGrp="1"/>
+          </p:cNvSpPr>
+          <p:nvPr>
+            <p:ph type="dt" sz="half" idx="10"/>
+          </p:nvPr>
+        </p:nvSpPr>
+        <p:spPr/>
+        <p:txBody>
+          <a:bodyPr/>
           <a:p>
             <a:fld id="{760FBDFE-C587-4B4C-A407-44438C67B59E}" type="datetimeFigureOut">
               <a:rPr lang="zh-CN" altLang="en-US" smtClean="0"/>
@@ -2352,7 +2427,7 @@
       </p:sp>
       <p:sp>
         <p:nvSpPr>
-          <p:cNvPr id="4" name="页脚占位符 3"/>
+          <p:cNvPr id="4" name="Footer Placeholder 3"/>
           <p:cNvSpPr>
             <a:spLocks noGrp="1"/>
           </p:cNvSpPr>
@@ -2363,7 +2438,6 @@
         <p:spPr/>
         <p:txBody>
           <a:bodyPr/>
-          <a:lstStyle/>
           <a:p>
             <a:endParaRPr lang="zh-CN" altLang="en-US"/>
           </a:p>
@@ -2371,7 +2445,7 @@
       </p:sp>
       <p:sp>
         <p:nvSpPr>
-          <p:cNvPr id="5" name="灯片编号占位符 4"/>
+          <p:cNvPr id="5" name="Slide Number Placeholder 4"/>
           <p:cNvSpPr>
             <a:spLocks noGrp="1"/>
           </p:cNvSpPr>
@@ -2382,7 +2456,6 @@
         <p:spPr/>
         <p:txBody>
           <a:bodyPr/>
-          <a:lstStyle/>
           <a:p>
             <a:fld id="{49AE70B2-8BF9-45C0-BB95-33D1B9D3A854}" type="slidenum">
               <a:rPr lang="zh-CN" altLang="en-US" smtClean="0"/>
@@ -2396,6 +2469,7 @@
   <p:clrMapOvr>
     <a:masterClrMapping/>
   </p:clrMapOvr>
+  <p:hf sldNum="0" hdr="0" ftr="0" dt="0"/>
 </p:sldLayout>
 </file>
 
@@ -2418,7 +2492,7 @@
       </p:grpSpPr>
       <p:sp>
         <p:nvSpPr>
-          <p:cNvPr id="2" name="日期占位符 1"/>
+          <p:cNvPr id="2" name="Date Placeholder 1"/>
           <p:cNvSpPr>
             <a:spLocks noGrp="1"/>
           </p:cNvSpPr>
@@ -2429,7 +2503,6 @@
         <p:spPr/>
         <p:txBody>
           <a:bodyPr/>
-          <a:lstStyle/>
           <a:p>
             <a:fld id="{760FBDFE-C587-4B4C-A407-44438C67B59E}" type="datetimeFigureOut">
               <a:rPr lang="zh-CN" altLang="en-US" smtClean="0"/>
@@ -2440,7 +2513,7 @@
       </p:sp>
       <p:sp>
         <p:nvSpPr>
-          <p:cNvPr id="3" name="页脚占位符 2"/>
+          <p:cNvPr id="3" name="Footer Placeholder 2"/>
           <p:cNvSpPr>
             <a:spLocks noGrp="1"/>
           </p:cNvSpPr>
@@ -2451,7 +2524,6 @@
         <p:spPr/>
         <p:txBody>
           <a:bodyPr/>
-          <a:lstStyle/>
           <a:p>
             <a:endParaRPr lang="zh-CN" altLang="en-US"/>
           </a:p>
@@ -2459,7 +2531,7 @@
       </p:sp>
       <p:sp>
         <p:nvSpPr>
-          <p:cNvPr id="4" name="灯片编号占位符 3"/>
+          <p:cNvPr id="4" name="Slide Number Placeholder 3"/>
           <p:cNvSpPr>
             <a:spLocks noGrp="1"/>
           </p:cNvSpPr>
@@ -2470,7 +2542,6 @@
         <p:spPr/>
         <p:txBody>
           <a:bodyPr/>
-          <a:lstStyle/>
           <a:p>
             <a:fld id="{49AE70B2-8BF9-45C0-BB95-33D1B9D3A854}" type="slidenum">
               <a:rPr lang="zh-CN" altLang="en-US" smtClean="0"/>
@@ -2484,10 +2555,381 @@
   <p:clrMapOvr>
     <a:masterClrMapping/>
   </p:clrMapOvr>
+  <p:hf sldNum="0" hdr="0" ftr="0" dt="0"/>
 </p:sldLayout>
 </file>
 
 <file path=ppt/slideLayouts/slideLayout8.xml><?xml version="1.0" encoding="utf-8"?>
+<p:sldLayout xmlns:a="http://schemas.openxmlformats.org/drawingml/2006/main" xmlns:r="http://schemas.openxmlformats.org/officeDocument/2006/relationships" xmlns:p="http://schemas.openxmlformats.org/presentationml/2006/main" type="objTx" preserve="1">
+  <p:cSld name="Content with Caption">
+    <p:spTree>
+      <p:nvGrpSpPr>
+        <p:cNvPr id="1" name=""/>
+        <p:cNvGrpSpPr/>
+        <p:nvPr/>
+      </p:nvGrpSpPr>
+      <p:grpSpPr>
+        <a:xfrm>
+          <a:off x="0" y="0"/>
+          <a:ext cx="0" cy="0"/>
+          <a:chOff x="0" y="0"/>
+          <a:chExt cx="0" cy="0"/>
+        </a:xfrm>
+      </p:grpSpPr>
+      <p:sp>
+        <p:nvSpPr>
+          <p:cNvPr id="2" name="Title 1"/>
+          <p:cNvSpPr>
+            <a:spLocks noGrp="1"/>
+          </p:cNvSpPr>
+          <p:nvPr>
+            <p:ph type="title"/>
+          </p:nvPr>
+        </p:nvSpPr>
+        <p:spPr>
+          <a:xfrm>
+            <a:off x="840317" y="457200"/>
+            <a:ext cx="3932767" cy="1600200"/>
+          </a:xfrm>
+        </p:spPr>
+        <p:txBody>
+          <a:bodyPr anchor="b"/>
+          <a:lstStyle>
+            <a:lvl1pPr>
+              <a:defRPr sz="3200"/>
+            </a:lvl1pPr>
+          </a:lstStyle>
+          <a:p>
+            <a:r>
+              <a:rPr lang="en-US" smtClean="0"/>
+              <a:t>Click to edit Master title style</a:t>
+            </a:r>
+            <a:endParaRPr lang="en-US"/>
+          </a:p>
+        </p:txBody>
+      </p:sp>
+      <p:sp>
+        <p:nvSpPr>
+          <p:cNvPr id="3" name="Content Placeholder 2"/>
+          <p:cNvSpPr>
+            <a:spLocks noGrp="1"/>
+          </p:cNvSpPr>
+          <p:nvPr>
+            <p:ph idx="1"/>
+          </p:nvPr>
+        </p:nvSpPr>
+        <p:spPr>
+          <a:xfrm>
+            <a:off x="5183717" y="987425"/>
+            <a:ext cx="6172200" cy="4873625"/>
+          </a:xfrm>
+        </p:spPr>
+        <p:txBody>
+          <a:bodyPr/>
+          <a:lstStyle>
+            <a:lvl1pPr>
+              <a:defRPr sz="3200"/>
+            </a:lvl1pPr>
+            <a:lvl2pPr>
+              <a:defRPr sz="2800"/>
+            </a:lvl2pPr>
+            <a:lvl3pPr>
+              <a:defRPr sz="2400"/>
+            </a:lvl3pPr>
+            <a:lvl4pPr>
+              <a:defRPr sz="2000"/>
+            </a:lvl4pPr>
+            <a:lvl5pPr>
+              <a:defRPr sz="2000"/>
+            </a:lvl5pPr>
+            <a:lvl6pPr>
+              <a:defRPr sz="2000"/>
+            </a:lvl6pPr>
+            <a:lvl7pPr>
+              <a:defRPr sz="2000"/>
+            </a:lvl7pPr>
+            <a:lvl8pPr>
+              <a:defRPr sz="2000"/>
+            </a:lvl8pPr>
+            <a:lvl9pPr>
+              <a:defRPr sz="2000"/>
+            </a:lvl9pPr>
+          </a:lstStyle>
+          <a:p>
+            <a:pPr lvl="0"/>
+            <a:r>
+              <a:rPr lang="en-US" smtClean="0"/>
+              <a:t>Click to edit Master text styles</a:t>
+            </a:r>
+            <a:endParaRPr lang="en-US" smtClean="0"/>
+          </a:p>
+          <a:p>
+            <a:pPr lvl="1"/>
+            <a:r>
+              <a:rPr lang="en-US" smtClean="0"/>
+              <a:t>Second level</a:t>
+            </a:r>
+            <a:endParaRPr lang="en-US" smtClean="0"/>
+          </a:p>
+          <a:p>
+            <a:pPr lvl="2"/>
+            <a:r>
+              <a:rPr lang="en-US" smtClean="0"/>
+              <a:t>Third level</a:t>
+            </a:r>
+            <a:endParaRPr lang="en-US" smtClean="0"/>
+          </a:p>
+          <a:p>
+            <a:pPr lvl="3"/>
+            <a:r>
+              <a:rPr lang="en-US" smtClean="0"/>
+              <a:t>Fourth level</a:t>
+            </a:r>
+            <a:endParaRPr lang="en-US" smtClean="0"/>
+          </a:p>
+          <a:p>
+            <a:pPr lvl="4"/>
+            <a:r>
+              <a:rPr lang="en-US" smtClean="0"/>
+              <a:t>Fifth level</a:t>
+            </a:r>
+            <a:endParaRPr lang="en-US"/>
+          </a:p>
+        </p:txBody>
+      </p:sp>
+      <p:sp>
+        <p:nvSpPr>
+          <p:cNvPr id="4" name="Text Placeholder 3"/>
+          <p:cNvSpPr>
+            <a:spLocks noGrp="1"/>
+          </p:cNvSpPr>
+          <p:nvPr>
+            <p:ph type="body" sz="half" idx="2"/>
+          </p:nvPr>
+        </p:nvSpPr>
+        <p:spPr>
+          <a:xfrm>
+            <a:off x="840317" y="2057400"/>
+            <a:ext cx="3932767" cy="3811588"/>
+          </a:xfrm>
+        </p:spPr>
+        <p:txBody>
+          <a:bodyPr/>
+          <a:lstStyle>
+            <a:lvl1pPr marL="0" indent="0">
+              <a:buNone/>
+              <a:defRPr sz="1600"/>
+            </a:lvl1pPr>
+            <a:lvl2pPr marL="457200" indent="0">
+              <a:buNone/>
+              <a:defRPr sz="1400"/>
+            </a:lvl2pPr>
+            <a:lvl3pPr marL="914400" indent="0">
+              <a:buNone/>
+              <a:defRPr sz="1200"/>
+            </a:lvl3pPr>
+            <a:lvl4pPr marL="1371600" indent="0">
+              <a:buNone/>
+              <a:defRPr sz="1000"/>
+            </a:lvl4pPr>
+            <a:lvl5pPr marL="1828800" indent="0">
+              <a:buNone/>
+              <a:defRPr sz="1000"/>
+            </a:lvl5pPr>
+            <a:lvl6pPr marL="2286000" indent="0">
+              <a:buNone/>
+              <a:defRPr sz="1000"/>
+            </a:lvl6pPr>
+            <a:lvl7pPr marL="2743200" indent="0">
+              <a:buNone/>
+              <a:defRPr sz="1000"/>
+            </a:lvl7pPr>
+            <a:lvl8pPr marL="3200400" indent="0">
+              <a:buNone/>
+              <a:defRPr sz="1000"/>
+            </a:lvl8pPr>
+            <a:lvl9pPr marL="3657600" indent="0">
+              <a:buNone/>
+              <a:defRPr sz="1000"/>
+            </a:lvl9pPr>
+          </a:lstStyle>
+          <a:p>
+            <a:pPr lvl="0"/>
+            <a:r>
+              <a:rPr lang="en-US" smtClean="0"/>
+              <a:t>Click to edit Master text styles</a:t>
+            </a:r>
+            <a:endParaRPr lang="en-US" smtClean="0"/>
+          </a:p>
+        </p:txBody>
+      </p:sp>
+      <p:sp>
+        <p:nvSpPr>
+          <p:cNvPr id="5" name="Date Placeholder 4"/>
+          <p:cNvSpPr>
+            <a:spLocks noGrp="1"/>
+          </p:cNvSpPr>
+          <p:nvPr>
+            <p:ph type="dt" sz="half" idx="10"/>
+          </p:nvPr>
+        </p:nvSpPr>
+        <p:spPr/>
+        <p:txBody>
+          <a:bodyPr/>
+          <a:p>
+            <a:pPr marL="0" marR="0" lvl="0" indent="0" algn="l" defTabSz="914400" rtl="0" eaLnBrk="1" fontAlgn="base" latinLnBrk="0" hangingPunct="1">
+              <a:lnSpc>
+                <a:spcPct val="100000"/>
+              </a:lnSpc>
+              <a:spcBef>
+                <a:spcPct val="0"/>
+              </a:spcBef>
+              <a:spcAft>
+                <a:spcPct val="0"/>
+              </a:spcAft>
+              <a:buClrTx/>
+              <a:buSzTx/>
+              <a:buFontTx/>
+              <a:buNone/>
+              <a:defRPr/>
+            </a:pPr>
+            <a:endParaRPr kumimoji="0" lang="en-US" altLang="zh-CN" sz="1400" b="0" i="0" u="none" strike="noStrike" kern="1200" cap="none" spc="0" normalizeH="0" baseline="0" noProof="0" smtClean="0">
+              <a:ln>
+                <a:noFill/>
+              </a:ln>
+              <a:solidFill>
+                <a:schemeClr val="tx1"/>
+              </a:solidFill>
+              <a:effectLst/>
+              <a:uLnTx/>
+              <a:uFillTx/>
+              <a:latin typeface="Arial" panose="020B0604020202020204" pitchFamily="34" charset="0"/>
+              <a:ea typeface="SimSun" panose="02010600030101010101" pitchFamily="2" charset="-122"/>
+              <a:cs typeface="+mn-cs"/>
+            </a:endParaRPr>
+          </a:p>
+        </p:txBody>
+      </p:sp>
+      <p:sp>
+        <p:nvSpPr>
+          <p:cNvPr id="6" name="Footer Placeholder 5"/>
+          <p:cNvSpPr>
+            <a:spLocks noGrp="1"/>
+          </p:cNvSpPr>
+          <p:nvPr>
+            <p:ph type="ftr" sz="quarter" idx="11"/>
+          </p:nvPr>
+        </p:nvSpPr>
+        <p:spPr/>
+        <p:txBody>
+          <a:bodyPr/>
+          <a:p>
+            <a:pPr marL="0" marR="0" lvl="0" indent="0" algn="ctr" defTabSz="914400" rtl="0" eaLnBrk="1" fontAlgn="base" latinLnBrk="0" hangingPunct="1">
+              <a:lnSpc>
+                <a:spcPct val="100000"/>
+              </a:lnSpc>
+              <a:spcBef>
+                <a:spcPct val="0"/>
+              </a:spcBef>
+              <a:spcAft>
+                <a:spcPct val="0"/>
+              </a:spcAft>
+              <a:buClrTx/>
+              <a:buSzTx/>
+              <a:buFontTx/>
+              <a:buNone/>
+              <a:defRPr/>
+            </a:pPr>
+            <a:endParaRPr kumimoji="0" lang="en-US" altLang="zh-CN" sz="1400" b="0" i="0" u="none" strike="noStrike" kern="1200" cap="none" spc="0" normalizeH="0" baseline="0" noProof="0" smtClean="0">
+              <a:ln>
+                <a:noFill/>
+              </a:ln>
+              <a:solidFill>
+                <a:schemeClr val="tx1"/>
+              </a:solidFill>
+              <a:effectLst/>
+              <a:uLnTx/>
+              <a:uFillTx/>
+              <a:latin typeface="Arial" panose="020B0604020202020204" pitchFamily="34" charset="0"/>
+              <a:ea typeface="SimSun" panose="02010600030101010101" pitchFamily="2" charset="-122"/>
+              <a:cs typeface="+mn-cs"/>
+            </a:endParaRPr>
+          </a:p>
+        </p:txBody>
+      </p:sp>
+      <p:sp>
+        <p:nvSpPr>
+          <p:cNvPr id="7" name="Slide Number Placeholder 6"/>
+          <p:cNvSpPr>
+            <a:spLocks noGrp="1"/>
+          </p:cNvSpPr>
+          <p:nvPr>
+            <p:ph type="sldNum" sz="quarter" idx="12"/>
+          </p:nvPr>
+        </p:nvSpPr>
+        <p:spPr/>
+        <p:txBody>
+          <a:bodyPr/>
+          <a:p>
+            <a:pPr marL="0" marR="0" lvl="0" indent="0" algn="r" defTabSz="914400" rtl="0" eaLnBrk="1" fontAlgn="base" latinLnBrk="0" hangingPunct="1">
+              <a:lnSpc>
+                <a:spcPct val="100000"/>
+              </a:lnSpc>
+              <a:spcBef>
+                <a:spcPct val="0"/>
+              </a:spcBef>
+              <a:spcAft>
+                <a:spcPct val="0"/>
+              </a:spcAft>
+              <a:buClrTx/>
+              <a:buSzTx/>
+              <a:buFontTx/>
+              <a:buNone/>
+              <a:defRPr/>
+            </a:pPr>
+            <a:fld id="{078FD23A-2F78-4156-BB62-C393E2F1F45C}" type="slidenum">
+              <a:rPr kumimoji="0" lang="en-US" altLang="zh-CN" sz="1400" b="0" i="0" u="none" strike="noStrike" kern="1200" cap="none" spc="0" normalizeH="0" baseline="0" noProof="0" smtClean="0">
+                <a:ln>
+                  <a:noFill/>
+                </a:ln>
+                <a:solidFill>
+                  <a:schemeClr val="tx1"/>
+                </a:solidFill>
+                <a:effectLst/>
+                <a:uLnTx/>
+                <a:uFillTx/>
+                <a:latin typeface="Arial" panose="020B0604020202020204" pitchFamily="34" charset="0"/>
+                <a:ea typeface="SimSun" panose="02010600030101010101" pitchFamily="2" charset="-122"/>
+                <a:cs typeface="+mn-cs"/>
+              </a:rPr>
+            </a:fld>
+            <a:endParaRPr kumimoji="0" lang="en-US" altLang="zh-CN" sz="1400" b="0" i="0" u="none" strike="noStrike" kern="1200" cap="none" spc="0" normalizeH="0" baseline="0" noProof="0" smtClean="0">
+              <a:ln>
+                <a:noFill/>
+              </a:ln>
+              <a:solidFill>
+                <a:schemeClr val="tx1"/>
+              </a:solidFill>
+              <a:effectLst/>
+              <a:uLnTx/>
+              <a:uFillTx/>
+              <a:latin typeface="Arial" panose="020B0604020202020204" pitchFamily="34" charset="0"/>
+              <a:ea typeface="SimSun" panose="02010600030101010101" pitchFamily="2" charset="-122"/>
+              <a:cs typeface="+mn-cs"/>
+            </a:endParaRPr>
+          </a:p>
+        </p:txBody>
+      </p:sp>
+    </p:spTree>
+  </p:cSld>
+  <p:clrMapOvr>
+    <a:masterClrMapping/>
+  </p:clrMapOvr>
+  <p:hf sldNum="0" hdr="0" ftr="0" dt="0"/>
+</p:sldLayout>
+</file>
+
+<file path=ppt/slideLayouts/slideLayout9.xml><?xml version="1.0" encoding="utf-8"?>
 <p:sldLayout xmlns:a="http://schemas.openxmlformats.org/drawingml/2006/main" xmlns:r="http://schemas.openxmlformats.org/officeDocument/2006/relationships" xmlns:p="http://schemas.openxmlformats.org/presentationml/2006/main" type="picTx" preserve="1">
   <p:cSld name="Picture with Caption">
     <p:spTree>
@@ -2506,7 +2948,7 @@
       </p:grpSpPr>
       <p:sp>
         <p:nvSpPr>
-          <p:cNvPr id="2" name="标题 1"/>
+          <p:cNvPr id="2" name="Title 1"/>
           <p:cNvSpPr>
             <a:spLocks noGrp="1"/>
           </p:cNvSpPr>
@@ -2516,45 +2958,31 @@
         </p:nvSpPr>
         <p:spPr>
           <a:xfrm>
-            <a:off x="646747" y="127000"/>
-            <a:ext cx="4165200" cy="1600200"/>
+            <a:off x="840317" y="457200"/>
+            <a:ext cx="3932767" cy="1600200"/>
           </a:xfrm>
         </p:spPr>
         <p:txBody>
-          <a:bodyPr anchor="ctr" anchorCtr="0">
-            <a:normAutofit/>
-          </a:bodyPr>
+          <a:bodyPr anchor="b"/>
           <a:lstStyle>
             <a:lvl1pPr>
-              <a:defRPr sz="2400" b="1">
-                <a:effectLst>
-                  <a:outerShdw blurRad="38100" dist="38100" dir="2700000" algn="tl">
-                    <a:srgbClr val="000000">
-                      <a:alpha val="43137"/>
-                    </a:srgbClr>
-                  </a:outerShdw>
-                </a:effectLst>
-              </a:defRPr>
+              <a:defRPr sz="3200"/>
             </a:lvl1pPr>
           </a:lstStyle>
           <a:p>
             <a:r>
-              <a:rPr lang="zh-CN" altLang="en-US" dirty="0">
-                <a:sym typeface="+mn-ea"/>
-              </a:rPr>
+              <a:rPr lang="en-US" smtClean="0"/>
               <a:t>Click to edit Master title style</a:t>
             </a:r>
-            <a:endParaRPr lang="zh-CN" altLang="en-US" dirty="0">
-              <a:sym typeface="+mn-ea"/>
-            </a:endParaRPr>
-          </a:p>
-        </p:txBody>
-      </p:sp>
-      <p:sp>
-        <p:nvSpPr>
-          <p:cNvPr id="3" name="图片占位符 2"/>
-          <p:cNvSpPr>
-            <a:spLocks noGrp="1" noChangeAspect="1"/>
+            <a:endParaRPr lang="en-US"/>
+          </a:p>
+        </p:txBody>
+      </p:sp>
+      <p:sp>
+        <p:nvSpPr>
+          <p:cNvPr id="3" name="Picture Placeholder 2"/>
+          <p:cNvSpPr>
+            <a:spLocks noGrp="1"/>
           </p:cNvSpPr>
           <p:nvPr>
             <p:ph type="pic" idx="1"/>
@@ -2562,8 +2990,98 @@
         </p:nvSpPr>
         <p:spPr>
           <a:xfrm>
-            <a:off x="5184000" y="766354"/>
-            <a:ext cx="5817375" cy="5094446"/>
+            <a:off x="5183717" y="987425"/>
+            <a:ext cx="6172200" cy="4873625"/>
+          </a:xfrm>
+        </p:spPr>
+        <p:txBody>
+          <a:bodyPr vert="horz" wrap="square" lIns="91440" tIns="45720" rIns="91440" bIns="45720" numCol="1" anchor="t" anchorCtr="0" compatLnSpc="1"/>
+          <a:lstStyle>
+            <a:lvl1pPr marL="0" indent="0">
+              <a:buNone/>
+              <a:defRPr sz="3200"/>
+            </a:lvl1pPr>
+            <a:lvl2pPr marL="457200" indent="0">
+              <a:buNone/>
+              <a:defRPr sz="2800"/>
+            </a:lvl2pPr>
+            <a:lvl3pPr marL="914400" indent="0">
+              <a:buNone/>
+              <a:defRPr sz="2400"/>
+            </a:lvl3pPr>
+            <a:lvl4pPr marL="1371600" indent="0">
+              <a:buNone/>
+              <a:defRPr sz="2000"/>
+            </a:lvl4pPr>
+            <a:lvl5pPr marL="1828800" indent="0">
+              <a:buNone/>
+              <a:defRPr sz="2000"/>
+            </a:lvl5pPr>
+            <a:lvl6pPr marL="2286000" indent="0">
+              <a:buNone/>
+              <a:defRPr sz="2000"/>
+            </a:lvl6pPr>
+            <a:lvl7pPr marL="2743200" indent="0">
+              <a:buNone/>
+              <a:defRPr sz="2000"/>
+            </a:lvl7pPr>
+            <a:lvl8pPr marL="3200400" indent="0">
+              <a:buNone/>
+              <a:defRPr sz="2000"/>
+            </a:lvl8pPr>
+            <a:lvl9pPr marL="3657600" indent="0">
+              <a:buNone/>
+              <a:defRPr sz="2000"/>
+            </a:lvl9pPr>
+          </a:lstStyle>
+          <a:p>
+            <a:pPr marL="0" marR="0" lvl="0" indent="0" algn="l" defTabSz="914400" rtl="0" eaLnBrk="1" fontAlgn="base" latinLnBrk="0" hangingPunct="1">
+              <a:lnSpc>
+                <a:spcPct val="100000"/>
+              </a:lnSpc>
+              <a:spcBef>
+                <a:spcPct val="20000"/>
+              </a:spcBef>
+              <a:spcAft>
+                <a:spcPct val="0"/>
+              </a:spcAft>
+              <a:buClrTx/>
+              <a:buSzTx/>
+              <a:buFontTx/>
+              <a:buNone/>
+              <a:defRPr/>
+            </a:pPr>
+            <a:endParaRPr kumimoji="0" lang="en-US" sz="3200" b="0" i="0" u="none" strike="noStrike" kern="1200" cap="none" spc="0" normalizeH="0" baseline="0" noProof="0" smtClean="0">
+              <a:ln>
+                <a:noFill/>
+              </a:ln>
+              <a:solidFill>
+                <a:schemeClr val="tx1"/>
+              </a:solidFill>
+              <a:effectLst/>
+              <a:uLnTx/>
+              <a:uFillTx/>
+              <a:latin typeface="+mn-lt"/>
+              <a:ea typeface="+mn-ea"/>
+              <a:cs typeface="+mn-cs"/>
+            </a:endParaRPr>
+          </a:p>
+        </p:txBody>
+      </p:sp>
+      <p:sp>
+        <p:nvSpPr>
+          <p:cNvPr id="4" name="Text Placeholder 3"/>
+          <p:cNvSpPr>
+            <a:spLocks noGrp="1"/>
+          </p:cNvSpPr>
+          <p:nvPr>
+            <p:ph type="body" sz="half" idx="2"/>
+          </p:nvPr>
+        </p:nvSpPr>
+        <p:spPr>
+          <a:xfrm>
+            <a:off x="840317" y="2057400"/>
+            <a:ext cx="3932767" cy="3811588"/>
           </a:xfrm>
         </p:spPr>
         <p:txBody>
@@ -2571,72 +3089,6 @@
           <a:lstStyle>
             <a:lvl1pPr marL="0" indent="0">
               <a:buNone/>
-              <a:defRPr sz="3200"/>
-            </a:lvl1pPr>
-            <a:lvl2pPr marL="457200" indent="0">
-              <a:buNone/>
-              <a:defRPr sz="2800"/>
-            </a:lvl2pPr>
-            <a:lvl3pPr marL="914400" indent="0">
-              <a:buNone/>
-              <a:defRPr sz="2400"/>
-            </a:lvl3pPr>
-            <a:lvl4pPr marL="1371600" indent="0">
-              <a:buNone/>
-              <a:defRPr sz="2000"/>
-            </a:lvl4pPr>
-            <a:lvl5pPr marL="1828800" indent="0">
-              <a:buNone/>
-              <a:defRPr sz="2000"/>
-            </a:lvl5pPr>
-            <a:lvl6pPr marL="2286000" indent="0">
-              <a:buNone/>
-              <a:defRPr sz="2000"/>
-            </a:lvl6pPr>
-            <a:lvl7pPr marL="2743200" indent="0">
-              <a:buNone/>
-              <a:defRPr sz="2000"/>
-            </a:lvl7pPr>
-            <a:lvl8pPr marL="3200400" indent="0">
-              <a:buNone/>
-              <a:defRPr sz="2000"/>
-            </a:lvl8pPr>
-            <a:lvl9pPr marL="3657600" indent="0">
-              <a:buNone/>
-              <a:defRPr sz="2000"/>
-            </a:lvl9pPr>
-          </a:lstStyle>
-          <a:p>
-            <a:endParaRPr lang="zh-CN" altLang="en-US" dirty="0"/>
-          </a:p>
-        </p:txBody>
-      </p:sp>
-      <p:sp>
-        <p:nvSpPr>
-          <p:cNvPr id="4" name="文本占位符 3"/>
-          <p:cNvSpPr>
-            <a:spLocks noGrp="1"/>
-          </p:cNvSpPr>
-          <p:nvPr>
-            <p:ph type="body" sz="half" idx="2"/>
-          </p:nvPr>
-        </p:nvSpPr>
-        <p:spPr>
-          <a:xfrm>
-            <a:off x="651827" y="2057400"/>
-            <a:ext cx="4165200" cy="3811588"/>
-          </a:xfrm>
-        </p:spPr>
-        <p:txBody>
-          <a:bodyPr>
-            <a:normAutofit/>
-          </a:bodyPr>
-          <a:lstStyle>
-            <a:lvl1pPr marL="0" indent="0">
-              <a:lnSpc>
-                <a:spcPct val="150000"/>
-              </a:lnSpc>
-              <a:buNone/>
               <a:defRPr sz="1600"/>
             </a:lvl1pPr>
             <a:lvl2pPr marL="457200" indent="0">
@@ -2675,16 +3127,16 @@
           <a:p>
             <a:pPr lvl="0"/>
             <a:r>
-              <a:rPr lang="zh-CN" altLang="en-US" dirty="0"/>
+              <a:rPr lang="en-US" smtClean="0"/>
               <a:t>Click to edit Master text styles</a:t>
             </a:r>
-            <a:endParaRPr lang="zh-CN" altLang="en-US" dirty="0"/>
-          </a:p>
-        </p:txBody>
-      </p:sp>
-      <p:sp>
-        <p:nvSpPr>
-          <p:cNvPr id="5" name="日期占位符 4"/>
+            <a:endParaRPr lang="en-US" smtClean="0"/>
+          </a:p>
+        </p:txBody>
+      </p:sp>
+      <p:sp>
+        <p:nvSpPr>
+          <p:cNvPr id="5" name="Date Placeholder 4"/>
           <p:cNvSpPr>
             <a:spLocks noGrp="1"/>
           </p:cNvSpPr>
@@ -2695,7 +3147,6 @@
         <p:spPr/>
         <p:txBody>
           <a:bodyPr/>
-          <a:lstStyle/>
           <a:p>
             <a:fld id="{9EFD9D74-47D9-4702-A33C-335B63B48DBF}" type="datetimeFigureOut">
               <a:rPr lang="zh-CN" altLang="en-US" smtClean="0"/>
@@ -2706,7 +3157,7 @@
       </p:sp>
       <p:sp>
         <p:nvSpPr>
-          <p:cNvPr id="6" name="页脚占位符 5"/>
+          <p:cNvPr id="6" name="Footer Placeholder 5"/>
           <p:cNvSpPr>
             <a:spLocks noGrp="1"/>
           </p:cNvSpPr>
@@ -2717,7 +3168,6 @@
         <p:spPr/>
         <p:txBody>
           <a:bodyPr/>
-          <a:lstStyle/>
           <a:p>
             <a:endParaRPr lang="zh-CN" altLang="en-US" dirty="0"/>
           </a:p>
@@ -2725,7 +3175,7 @@
       </p:sp>
       <p:sp>
         <p:nvSpPr>
-          <p:cNvPr id="7" name="灯片编号占位符 6"/>
+          <p:cNvPr id="7" name="Slide Number Placeholder 6"/>
           <p:cNvSpPr>
             <a:spLocks noGrp="1"/>
           </p:cNvSpPr>
@@ -2736,7 +3186,6 @@
         <p:spPr/>
         <p:txBody>
           <a:bodyPr/>
-          <a:lstStyle/>
           <a:p>
             <a:fld id="{FABC47A4-756D-490B-A52F-7D9E2C9FC05F}" type="slidenum">
               <a:rPr lang="zh-CN" altLang="en-US" smtClean="0"/>
@@ -2780,193 +3229,7 @@
   <p:clrMapOvr>
     <a:masterClrMapping/>
   </p:clrMapOvr>
-</p:sldLayout>
-</file>
-
-<file path=ppt/slideLayouts/slideLayout9.xml><?xml version="1.0" encoding="utf-8"?>
-<p:sldLayout xmlns:a="http://schemas.openxmlformats.org/drawingml/2006/main" xmlns:r="http://schemas.openxmlformats.org/officeDocument/2006/relationships" xmlns:p="http://schemas.openxmlformats.org/presentationml/2006/main" type="vertTitleAndTx" preserve="1">
-  <p:cSld name="Vertical Title and Text">
-    <p:spTree>
-      <p:nvGrpSpPr>
-        <p:cNvPr id="1" name=""/>
-        <p:cNvGrpSpPr/>
-        <p:nvPr/>
-      </p:nvGrpSpPr>
-      <p:grpSpPr>
-        <a:xfrm>
-          <a:off x="0" y="0"/>
-          <a:ext cx="0" cy="0"/>
-          <a:chOff x="0" y="0"/>
-          <a:chExt cx="0" cy="0"/>
-        </a:xfrm>
-      </p:grpSpPr>
-      <p:sp>
-        <p:nvSpPr>
-          <p:cNvPr id="2" name="竖排标题 1"/>
-          <p:cNvSpPr>
-            <a:spLocks noGrp="1"/>
-          </p:cNvSpPr>
-          <p:nvPr>
-            <p:ph type="title" orient="vert"/>
-          </p:nvPr>
-        </p:nvSpPr>
-        <p:spPr>
-          <a:xfrm>
-            <a:off x="9824484" y="365125"/>
-            <a:ext cx="1529316" cy="5811838"/>
-          </a:xfrm>
-        </p:spPr>
-        <p:txBody>
-          <a:bodyPr vert="eaVert">
-            <a:normAutofit/>
-          </a:bodyPr>
-          <a:lstStyle>
-            <a:lvl1pPr>
-              <a:defRPr sz="3600"/>
-            </a:lvl1pPr>
-          </a:lstStyle>
-          <a:p>
-            <a:r>
-              <a:rPr lang="zh-CN" altLang="en-US"/>
-              <a:t>Click to edit Master title style</a:t>
-            </a:r>
-            <a:endParaRPr lang="zh-CN" altLang="en-US"/>
-          </a:p>
-        </p:txBody>
-      </p:sp>
-      <p:sp>
-        <p:nvSpPr>
-          <p:cNvPr id="3" name="竖排文字占位符 2"/>
-          <p:cNvSpPr>
-            <a:spLocks noGrp="1"/>
-          </p:cNvSpPr>
-          <p:nvPr>
-            <p:ph type="body" orient="vert" idx="1"/>
-          </p:nvPr>
-        </p:nvSpPr>
-        <p:spPr>
-          <a:xfrm>
-            <a:off x="838200" y="365125"/>
-            <a:ext cx="8879958" cy="5811838"/>
-          </a:xfrm>
-        </p:spPr>
-        <p:txBody>
-          <a:bodyPr vert="eaVert"/>
-          <a:lstStyle/>
-          <a:p>
-            <a:pPr lvl="0"/>
-            <a:r>
-              <a:rPr lang="zh-CN" altLang="en-US" dirty="0">
-                <a:sym typeface="+mn-ea"/>
-              </a:rPr>
-              <a:t>Click to edit Master text styles</a:t>
-            </a:r>
-            <a:endParaRPr lang="zh-CN" altLang="en-US" dirty="0">
-              <a:sym typeface="+mn-ea"/>
-            </a:endParaRPr>
-          </a:p>
-          <a:p>
-            <a:pPr lvl="1"/>
-            <a:r>
-              <a:rPr lang="zh-CN" altLang="en-US" dirty="0"/>
-              <a:t>Second level</a:t>
-            </a:r>
-            <a:endParaRPr lang="zh-CN" altLang="en-US" dirty="0"/>
-          </a:p>
-          <a:p>
-            <a:pPr lvl="2"/>
-            <a:r>
-              <a:rPr lang="zh-CN" altLang="en-US" dirty="0"/>
-              <a:t>Third level</a:t>
-            </a:r>
-            <a:endParaRPr lang="zh-CN" altLang="en-US" dirty="0"/>
-          </a:p>
-          <a:p>
-            <a:pPr lvl="3"/>
-            <a:r>
-              <a:rPr lang="zh-CN" altLang="en-US" dirty="0"/>
-              <a:t>Fourth level</a:t>
-            </a:r>
-            <a:endParaRPr lang="zh-CN" altLang="en-US" dirty="0"/>
-          </a:p>
-          <a:p>
-            <a:pPr lvl="4"/>
-            <a:r>
-              <a:rPr lang="zh-CN" altLang="en-US" dirty="0"/>
-              <a:t>Fifth level</a:t>
-            </a:r>
-            <a:endParaRPr lang="zh-CN" altLang="en-US" dirty="0"/>
-          </a:p>
-        </p:txBody>
-      </p:sp>
-      <p:sp>
-        <p:nvSpPr>
-          <p:cNvPr id="4" name="日期占位符 3"/>
-          <p:cNvSpPr>
-            <a:spLocks noGrp="1"/>
-          </p:cNvSpPr>
-          <p:nvPr>
-            <p:ph type="dt" sz="half" idx="10"/>
-          </p:nvPr>
-        </p:nvSpPr>
-        <p:spPr/>
-        <p:txBody>
-          <a:bodyPr/>
-          <a:lstStyle/>
-          <a:p>
-            <a:fld id="{760FBDFE-C587-4B4C-A407-44438C67B59E}" type="datetimeFigureOut">
-              <a:rPr lang="zh-CN" altLang="en-US" smtClean="0"/>
-            </a:fld>
-            <a:endParaRPr lang="zh-CN" altLang="en-US"/>
-          </a:p>
-        </p:txBody>
-      </p:sp>
-      <p:sp>
-        <p:nvSpPr>
-          <p:cNvPr id="5" name="页脚占位符 4"/>
-          <p:cNvSpPr>
-            <a:spLocks noGrp="1"/>
-          </p:cNvSpPr>
-          <p:nvPr>
-            <p:ph type="ftr" sz="quarter" idx="11"/>
-          </p:nvPr>
-        </p:nvSpPr>
-        <p:spPr/>
-        <p:txBody>
-          <a:bodyPr/>
-          <a:lstStyle/>
-          <a:p>
-            <a:endParaRPr lang="zh-CN" altLang="en-US"/>
-          </a:p>
-        </p:txBody>
-      </p:sp>
-      <p:sp>
-        <p:nvSpPr>
-          <p:cNvPr id="6" name="灯片编号占位符 5"/>
-          <p:cNvSpPr>
-            <a:spLocks noGrp="1"/>
-          </p:cNvSpPr>
-          <p:nvPr>
-            <p:ph type="sldNum" sz="quarter" idx="12"/>
-          </p:nvPr>
-        </p:nvSpPr>
-        <p:spPr/>
-        <p:txBody>
-          <a:bodyPr/>
-          <a:lstStyle/>
-          <a:p>
-            <a:fld id="{49AE70B2-8BF9-45C0-BB95-33D1B9D3A854}" type="slidenum">
-              <a:rPr lang="zh-CN" altLang="en-US" smtClean="0"/>
-            </a:fld>
-            <a:endParaRPr lang="zh-CN" altLang="en-US"/>
-          </a:p>
-        </p:txBody>
-      </p:sp>
-    </p:spTree>
-  </p:cSld>
-  <p:clrMapOvr>
-    <a:masterClrMapping/>
-  </p:clrMapOvr>
+  <p:hf sldNum="0" hdr="0" ftr="0" dt="0"/>
 </p:sldLayout>
 </file>
 
@@ -2987,149 +3250,194 @@
         <p:cNvGrpSpPr/>
         <p:nvPr/>
       </p:nvGrpSpPr>
-      <p:grpSpPr>
-        <a:xfrm>
-          <a:off x="0" y="0"/>
-          <a:ext cx="0" cy="0"/>
-          <a:chOff x="0" y="0"/>
-          <a:chExt cx="0" cy="0"/>
-        </a:xfrm>
-      </p:grpSpPr>
-      <p:sp>
-        <p:nvSpPr>
-          <p:cNvPr id="2" name="标题占位符 1"/>
-          <p:cNvSpPr>
-            <a:spLocks noGrp="1"/>
-          </p:cNvSpPr>
-          <p:nvPr>
-            <p:ph type="title"/>
-          </p:nvPr>
-        </p:nvSpPr>
+      <p:grpSpPr/>
+      <p:pic>
+        <p:nvPicPr>
+          <p:cNvPr id="1026" name="Picture 8"/>
+          <p:cNvPicPr>
+            <a:picLocks noChangeAspect="1"/>
+          </p:cNvPicPr>
+          <p:nvPr/>
+        </p:nvPicPr>
+        <p:blipFill>
+          <a:blip r:embed="rId12"/>
+          <a:stretch>
+            <a:fillRect/>
+          </a:stretch>
+        </p:blipFill>
         <p:spPr>
           <a:xfrm>
-            <a:off x="838200" y="365125"/>
-            <a:ext cx="10515600" cy="1325563"/>
+            <a:off x="0" y="0"/>
+            <a:ext cx="12192000" cy="6858000"/>
           </a:xfrm>
           <a:prstGeom prst="rect">
             <a:avLst/>
           </a:prstGeom>
+          <a:noFill/>
+          <a:ln w="9525">
+            <a:noFill/>
+          </a:ln>
         </p:spPr>
-        <p:txBody>
-          <a:bodyPr vert="horz" lIns="91440" tIns="45720" rIns="91440" bIns="45720" rtlCol="0" anchor="ctr">
-            <a:normAutofit/>
-          </a:bodyPr>
-          <a:lstStyle/>
-          <a:p>
-            <a:r>
-              <a:rPr lang="zh-CN" altLang="en-US" dirty="0"/>
-              <a:t>Click to edit Master title style</a:t>
-            </a:r>
-            <a:endParaRPr lang="zh-CN" altLang="en-US" dirty="0"/>
-          </a:p>
-        </p:txBody>
-      </p:sp>
-      <p:sp>
-        <p:nvSpPr>
-          <p:cNvPr id="3" name="文本占位符 2"/>
-          <p:cNvSpPr>
-            <a:spLocks noGrp="1"/>
-          </p:cNvSpPr>
-          <p:nvPr>
-            <p:ph type="body" idx="1"/>
+      </p:pic>
+      <p:sp>
+        <p:nvSpPr>
+          <p:cNvPr id="1027" name="Rectangle 3"/>
+          <p:cNvSpPr>
+            <a:spLocks noGrp="1"/>
+          </p:cNvSpPr>
+          <p:nvPr>
+            <p:ph type="title"/>
           </p:nvPr>
         </p:nvSpPr>
         <p:spPr>
           <a:xfrm>
-            <a:off x="838200" y="1825625"/>
-            <a:ext cx="10515600" cy="4351338"/>
+            <a:off x="609600" y="190500"/>
+            <a:ext cx="10972800" cy="582613"/>
           </a:xfrm>
           <a:prstGeom prst="rect">
             <a:avLst/>
           </a:prstGeom>
+          <a:noFill/>
+          <a:ln w="9525">
+            <a:noFill/>
+          </a:ln>
         </p:spPr>
         <p:txBody>
-          <a:bodyPr vert="horz" lIns="91440" tIns="45720" rIns="91440" bIns="45720" rtlCol="0">
-            <a:normAutofit/>
-          </a:bodyPr>
-          <a:lstStyle/>
+          <a:bodyPr anchor="ctr" anchorCtr="0"/>
           <a:p>
             <a:pPr lvl="0"/>
             <a:r>
-              <a:rPr lang="zh-CN" altLang="en-US" dirty="0">
-                <a:sym typeface="+mn-ea"/>
-              </a:rPr>
-              <a:t>Click to edit Master text styles</a:t>
-            </a:r>
-            <a:endParaRPr lang="zh-CN" altLang="en-US" dirty="0">
-              <a:sym typeface="+mn-ea"/>
-            </a:endParaRPr>
-          </a:p>
-          <a:p>
-            <a:pPr lvl="1"/>
-            <a:r>
-              <a:rPr lang="zh-CN" altLang="en-US" dirty="0"/>
-              <a:t>Second level</a:t>
-            </a:r>
-            <a:endParaRPr lang="zh-CN" altLang="en-US" dirty="0"/>
-          </a:p>
-          <a:p>
-            <a:pPr lvl="2"/>
-            <a:r>
-              <a:rPr lang="zh-CN" altLang="en-US" dirty="0"/>
-              <a:t>Third level</a:t>
-            </a:r>
-            <a:endParaRPr lang="zh-CN" altLang="en-US" dirty="0"/>
-          </a:p>
-          <a:p>
-            <a:pPr lvl="3"/>
-            <a:r>
-              <a:rPr lang="zh-CN" altLang="en-US" dirty="0"/>
-              <a:t>Fourth level</a:t>
-            </a:r>
-            <a:endParaRPr lang="zh-CN" altLang="en-US" dirty="0"/>
-          </a:p>
-          <a:p>
-            <a:pPr lvl="4"/>
-            <a:r>
-              <a:rPr lang="zh-CN" altLang="en-US" dirty="0"/>
-              <a:t>Fifth level</a:t>
-            </a:r>
-            <a:endParaRPr lang="zh-CN" altLang="en-US" dirty="0"/>
-          </a:p>
-        </p:txBody>
-      </p:sp>
-      <p:sp>
-        <p:nvSpPr>
-          <p:cNvPr id="4" name="日期占位符 3"/>
-          <p:cNvSpPr>
-            <a:spLocks noGrp="1"/>
-          </p:cNvSpPr>
-          <p:nvPr>
-            <p:ph type="dt" sz="half" idx="2"/>
+              <a:rPr lang="en-US" altLang="zh-CN" dirty="0"/>
+              <a:t>Click to edit Master title style</a:t>
+            </a:r>
+            <a:endParaRPr lang="en-US" altLang="zh-CN" dirty="0"/>
+          </a:p>
+        </p:txBody>
+      </p:sp>
+      <p:sp>
+        <p:nvSpPr>
+          <p:cNvPr id="1028" name="Rectangle 4"/>
+          <p:cNvSpPr>
+            <a:spLocks noGrp="1"/>
+          </p:cNvSpPr>
+          <p:nvPr>
+            <p:ph type="body" idx="1"/>
           </p:nvPr>
         </p:nvSpPr>
         <p:spPr>
           <a:xfrm>
-            <a:off x="838200" y="6356350"/>
-            <a:ext cx="2743200" cy="365125"/>
+            <a:off x="609600" y="1174750"/>
+            <a:ext cx="10972800" cy="4953000"/>
           </a:xfrm>
           <a:prstGeom prst="rect">
             <a:avLst/>
           </a:prstGeom>
+          <a:noFill/>
+          <a:ln w="9525">
+            <a:noFill/>
+          </a:ln>
         </p:spPr>
         <p:txBody>
-          <a:bodyPr vert="horz" lIns="91440" tIns="45720" rIns="91440" bIns="45720" rtlCol="0" anchor="ctr">
-            <a:normAutofit/>
-          </a:bodyPr>
+          <a:bodyPr/>
+          <a:p>
+            <a:pPr lvl="0"/>
+            <a:r>
+              <a:rPr lang="en-US" altLang="zh-CN" dirty="0"/>
+              <a:t>Click to edit Master text styles</a:t>
+            </a:r>
+            <a:endParaRPr lang="en-US" altLang="zh-CN" dirty="0"/>
+          </a:p>
+          <a:p>
+            <a:pPr lvl="1"/>
+            <a:r>
+              <a:rPr lang="en-US" altLang="zh-CN" dirty="0"/>
+              <a:t>Second level</a:t>
+            </a:r>
+            <a:endParaRPr lang="en-US" altLang="zh-CN" dirty="0"/>
+          </a:p>
+          <a:p>
+            <a:pPr lvl="2"/>
+            <a:r>
+              <a:rPr lang="en-US" altLang="zh-CN" dirty="0"/>
+              <a:t>Third level</a:t>
+            </a:r>
+            <a:endParaRPr lang="en-US" altLang="zh-CN" dirty="0"/>
+          </a:p>
+          <a:p>
+            <a:pPr lvl="3"/>
+            <a:r>
+              <a:rPr lang="en-US" altLang="zh-CN" dirty="0"/>
+              <a:t>Fourth level</a:t>
+            </a:r>
+            <a:endParaRPr lang="en-US" altLang="zh-CN" dirty="0"/>
+          </a:p>
+          <a:p>
+            <a:pPr lvl="4"/>
+            <a:r>
+              <a:rPr lang="en-US" altLang="zh-CN" dirty="0"/>
+              <a:t>Fifth level</a:t>
+            </a:r>
+            <a:endParaRPr lang="en-US" altLang="zh-CN" dirty="0"/>
+          </a:p>
+        </p:txBody>
+      </p:sp>
+      <p:sp>
+        <p:nvSpPr>
+          <p:cNvPr id="1029" name="Rectangle 5"/>
+          <p:cNvSpPr>
+            <a:spLocks noGrp="1" noChangeArrowheads="1"/>
+          </p:cNvSpPr>
+          <p:nvPr>
+            <p:ph type="dt" sz="half" idx="2"/>
+          </p:nvPr>
+        </p:nvSpPr>
+        <p:spPr bwMode="auto">
+          <a:xfrm>
+            <a:off x="609600" y="6245225"/>
+            <a:ext cx="2844800" cy="476250"/>
+          </a:xfrm>
+          <a:prstGeom prst="rect">
+            <a:avLst/>
+          </a:prstGeom>
+          <a:noFill/>
+          <a:ln>
+            <a:noFill/>
+          </a:ln>
+          <a:effectLst/>
+          <a:extLst>
+            <a:ext uri="{909E8E84-426E-40DD-AFC4-6F175D3DCCD1}">
+              <a14:hiddenFill xmlns:a14="http://schemas.microsoft.com/office/drawing/2010/main">
+                <a:solidFill>
+                  <a:schemeClr val="accent1"/>
+                </a:solidFill>
+              </a14:hiddenFill>
+            </a:ext>
+            <a:ext uri="{91240B29-F687-4F45-9708-019B960494DF}">
+              <a14:hiddenLine xmlns:a14="http://schemas.microsoft.com/office/drawing/2010/main" w="9525">
+                <a:solidFill>
+                  <a:srgbClr val="000000"/>
+                </a:solidFill>
+                <a:miter lim="800000"/>
+                <a:headEnd/>
+                <a:tailEnd/>
+              </a14:hiddenLine>
+            </a:ext>
+            <a:ext uri="{AF507438-7753-43E0-B8FC-AC1667EBCBE1}">
+              <a14:hiddenEffects xmlns:a14="http://schemas.microsoft.com/office/drawing/2010/main">
+                <a:effectLst>
+                  <a:outerShdw dist="35921" dir="2700000" algn="ctr" rotWithShape="0">
+                    <a:schemeClr val="bg2"/>
+                  </a:outerShdw>
+                </a:effectLst>
+              </a14:hiddenEffects>
+            </a:ext>
+          </a:extLst>
+        </p:spPr>
+        <p:txBody>
+          <a:bodyPr vert="horz" wrap="square" lIns="91440" tIns="45720" rIns="91440" bIns="45720" numCol="1" anchor="t" anchorCtr="0" compatLnSpc="1"/>
           <a:lstStyle>
-            <a:lvl1pPr algn="l">
-              <a:defRPr sz="1200">
-                <a:solidFill>
-                  <a:schemeClr val="tx1">
-                    <a:tint val="75000"/>
-                  </a:schemeClr>
-                </a:solidFill>
-              </a:defRPr>
+            <a:lvl1pPr>
+              <a:defRPr sz="1400"/>
             </a:lvl1pPr>
           </a:lstStyle>
           <a:p>
@@ -3142,36 +3450,61 @@
       </p:sp>
       <p:sp>
         <p:nvSpPr>
-          <p:cNvPr id="5" name="页脚占位符 4"/>
-          <p:cNvSpPr>
-            <a:spLocks noGrp="1"/>
+          <p:cNvPr id="1030" name="Rectangle 6"/>
+          <p:cNvSpPr>
+            <a:spLocks noGrp="1" noChangeArrowheads="1"/>
           </p:cNvSpPr>
           <p:nvPr>
             <p:ph type="ftr" sz="quarter" idx="3"/>
           </p:nvPr>
         </p:nvSpPr>
-        <p:spPr>
+        <p:spPr bwMode="auto">
           <a:xfrm>
-            <a:off x="4038600" y="6356350"/>
-            <a:ext cx="4114800" cy="365125"/>
+            <a:off x="4165600" y="6245225"/>
+            <a:ext cx="3860800" cy="476250"/>
           </a:xfrm>
           <a:prstGeom prst="rect">
             <a:avLst/>
           </a:prstGeom>
+          <a:noFill/>
+          <a:ln>
+            <a:noFill/>
+          </a:ln>
+          <a:effectLst/>
+          <a:extLst>
+            <a:ext uri="{909E8E84-426E-40DD-AFC4-6F175D3DCCD1}">
+              <a14:hiddenFill xmlns:a14="http://schemas.microsoft.com/office/drawing/2010/main">
+                <a:solidFill>
+                  <a:schemeClr val="accent1"/>
+                </a:solidFill>
+              </a14:hiddenFill>
+            </a:ext>
+            <a:ext uri="{91240B29-F687-4F45-9708-019B960494DF}">
+              <a14:hiddenLine xmlns:a14="http://schemas.microsoft.com/office/drawing/2010/main" w="9525">
+                <a:solidFill>
+                  <a:srgbClr val="000000"/>
+                </a:solidFill>
+                <a:miter lim="800000"/>
+                <a:headEnd/>
+                <a:tailEnd/>
+              </a14:hiddenLine>
+            </a:ext>
+            <a:ext uri="{AF507438-7753-43E0-B8FC-AC1667EBCBE1}">
+              <a14:hiddenEffects xmlns:a14="http://schemas.microsoft.com/office/drawing/2010/main">
+                <a:effectLst>
+                  <a:outerShdw dist="35921" dir="2700000" algn="ctr" rotWithShape="0">
+                    <a:schemeClr val="bg2"/>
+                  </a:outerShdw>
+                </a:effectLst>
+              </a14:hiddenEffects>
+            </a:ext>
+          </a:extLst>
         </p:spPr>
         <p:txBody>
-          <a:bodyPr vert="horz" lIns="91440" tIns="45720" rIns="91440" bIns="45720" rtlCol="0" anchor="ctr">
-            <a:normAutofit/>
-          </a:bodyPr>
+          <a:bodyPr vert="horz" wrap="square" lIns="91440" tIns="45720" rIns="91440" bIns="45720" numCol="1" anchor="t" anchorCtr="0" compatLnSpc="1"/>
           <a:lstStyle>
             <a:lvl1pPr algn="ctr">
-              <a:defRPr sz="1200">
-                <a:solidFill>
-                  <a:schemeClr val="tx1">
-                    <a:tint val="75000"/>
-                  </a:schemeClr>
-                </a:solidFill>
-              </a:defRPr>
+              <a:defRPr sz="1400"/>
             </a:lvl1pPr>
           </a:lstStyle>
           <a:p>
@@ -3181,36 +3514,61 @@
       </p:sp>
       <p:sp>
         <p:nvSpPr>
-          <p:cNvPr id="6" name="灯片编号占位符 5"/>
-          <p:cNvSpPr>
-            <a:spLocks noGrp="1"/>
+          <p:cNvPr id="1031" name="Rectangle 7"/>
+          <p:cNvSpPr>
+            <a:spLocks noGrp="1" noChangeArrowheads="1"/>
           </p:cNvSpPr>
           <p:nvPr>
             <p:ph type="sldNum" sz="quarter" idx="4"/>
           </p:nvPr>
         </p:nvSpPr>
-        <p:spPr>
+        <p:spPr bwMode="auto">
           <a:xfrm>
-            <a:off x="8610600" y="6356350"/>
-            <a:ext cx="2743200" cy="365125"/>
+            <a:off x="8737600" y="6245225"/>
+            <a:ext cx="2844800" cy="476250"/>
           </a:xfrm>
           <a:prstGeom prst="rect">
             <a:avLst/>
           </a:prstGeom>
+          <a:noFill/>
+          <a:ln>
+            <a:noFill/>
+          </a:ln>
+          <a:effectLst/>
+          <a:extLst>
+            <a:ext uri="{909E8E84-426E-40DD-AFC4-6F175D3DCCD1}">
+              <a14:hiddenFill xmlns:a14="http://schemas.microsoft.com/office/drawing/2010/main">
+                <a:solidFill>
+                  <a:schemeClr val="accent1"/>
+                </a:solidFill>
+              </a14:hiddenFill>
+            </a:ext>
+            <a:ext uri="{91240B29-F687-4F45-9708-019B960494DF}">
+              <a14:hiddenLine xmlns:a14="http://schemas.microsoft.com/office/drawing/2010/main" w="9525">
+                <a:solidFill>
+                  <a:srgbClr val="000000"/>
+                </a:solidFill>
+                <a:miter lim="800000"/>
+                <a:headEnd/>
+                <a:tailEnd/>
+              </a14:hiddenLine>
+            </a:ext>
+            <a:ext uri="{AF507438-7753-43E0-B8FC-AC1667EBCBE1}">
+              <a14:hiddenEffects xmlns:a14="http://schemas.microsoft.com/office/drawing/2010/main">
+                <a:effectLst>
+                  <a:outerShdw dist="35921" dir="2700000" algn="ctr" rotWithShape="0">
+                    <a:schemeClr val="bg2"/>
+                  </a:outerShdw>
+                </a:effectLst>
+              </a14:hiddenEffects>
+            </a:ext>
+          </a:extLst>
         </p:spPr>
         <p:txBody>
-          <a:bodyPr vert="horz" lIns="91440" tIns="45720" rIns="91440" bIns="45720" rtlCol="0" anchor="ctr">
-            <a:normAutofit/>
-          </a:bodyPr>
+          <a:bodyPr vert="horz" wrap="square" lIns="91440" tIns="45720" rIns="91440" bIns="45720" numCol="1" anchor="t" anchorCtr="0" compatLnSpc="1"/>
           <a:lstStyle>
             <a:lvl1pPr algn="r">
-              <a:defRPr sz="1200">
-                <a:solidFill>
-                  <a:schemeClr val="tx1">
-                    <a:tint val="75000"/>
-                  </a:schemeClr>
-                </a:solidFill>
-              </a:defRPr>
+              <a:defRPr sz="1400"/>
             </a:lvl1pPr>
           </a:lstStyle>
           <a:p>
@@ -3235,36 +3593,190 @@
     <p:sldLayoutId id="2147483656" r:id="rId8"/>
     <p:sldLayoutId id="2147483657" r:id="rId9"/>
     <p:sldLayoutId id="2147483658" r:id="rId10"/>
+    <p:sldLayoutId id="2147483659" r:id="rId11"/>
   </p:sldLayoutIdLst>
+  <p:hf sldNum="0" hdr="0" ftr="0" dt="0"/>
   <p:txStyles>
     <p:titleStyle>
-      <a:lvl1pPr algn="l" defTabSz="914400" rtl="0" eaLnBrk="1" latinLnBrk="0" hangingPunct="1">
-        <a:lnSpc>
-          <a:spcPct val="90000"/>
-        </a:lnSpc>
+      <a:lvl1pPr algn="r" rtl="0" fontAlgn="base">
         <a:spcBef>
           <a:spcPct val="0"/>
         </a:spcBef>
-        <a:buNone/>
-        <a:defRPr sz="4000" kern="1200">
+        <a:spcAft>
+          <a:spcPct val="0"/>
+        </a:spcAft>
+        <a:defRPr sz="3600" kern="1200">
           <a:solidFill>
-            <a:schemeClr val="tx1"/>
+            <a:schemeClr val="bg1"/>
           </a:solidFill>
           <a:latin typeface="+mj-lt"/>
           <a:ea typeface="+mj-ea"/>
           <a:cs typeface="+mj-cs"/>
         </a:defRPr>
       </a:lvl1pPr>
+      <a:lvl2pPr algn="r" rtl="0" fontAlgn="base">
+        <a:spcBef>
+          <a:spcPct val="0"/>
+        </a:spcBef>
+        <a:spcAft>
+          <a:spcPct val="0"/>
+        </a:spcAft>
+        <a:defRPr sz="3600">
+          <a:solidFill>
+            <a:schemeClr val="bg1"/>
+          </a:solidFill>
+          <a:latin typeface="Arial" panose="020B0604020202020204" pitchFamily="34" charset="0"/>
+          <a:ea typeface="SimSun" panose="02010600030101010101" pitchFamily="2" charset="-122"/>
+        </a:defRPr>
+      </a:lvl2pPr>
+      <a:lvl3pPr algn="r" rtl="0" fontAlgn="base">
+        <a:spcBef>
+          <a:spcPct val="0"/>
+        </a:spcBef>
+        <a:spcAft>
+          <a:spcPct val="0"/>
+        </a:spcAft>
+        <a:defRPr sz="3600">
+          <a:solidFill>
+            <a:schemeClr val="bg1"/>
+          </a:solidFill>
+          <a:latin typeface="Arial" panose="020B0604020202020204" pitchFamily="34" charset="0"/>
+          <a:ea typeface="SimSun" panose="02010600030101010101" pitchFamily="2" charset="-122"/>
+        </a:defRPr>
+      </a:lvl3pPr>
+      <a:lvl4pPr algn="r" rtl="0" fontAlgn="base">
+        <a:spcBef>
+          <a:spcPct val="0"/>
+        </a:spcBef>
+        <a:spcAft>
+          <a:spcPct val="0"/>
+        </a:spcAft>
+        <a:defRPr sz="3600">
+          <a:solidFill>
+            <a:schemeClr val="bg1"/>
+          </a:solidFill>
+          <a:latin typeface="Arial" panose="020B0604020202020204" pitchFamily="34" charset="0"/>
+          <a:ea typeface="SimSun" panose="02010600030101010101" pitchFamily="2" charset="-122"/>
+        </a:defRPr>
+      </a:lvl4pPr>
+      <a:lvl5pPr algn="r" rtl="0" fontAlgn="base">
+        <a:spcBef>
+          <a:spcPct val="0"/>
+        </a:spcBef>
+        <a:spcAft>
+          <a:spcPct val="0"/>
+        </a:spcAft>
+        <a:defRPr sz="3600">
+          <a:solidFill>
+            <a:schemeClr val="bg1"/>
+          </a:solidFill>
+          <a:latin typeface="Arial" panose="020B0604020202020204" pitchFamily="34" charset="0"/>
+          <a:ea typeface="SimSun" panose="02010600030101010101" pitchFamily="2" charset="-122"/>
+        </a:defRPr>
+      </a:lvl5pPr>
+      <a:lvl6pPr marL="457200" algn="r" rtl="0" fontAlgn="base">
+        <a:spcBef>
+          <a:spcPct val="0"/>
+        </a:spcBef>
+        <a:spcAft>
+          <a:spcPct val="0"/>
+        </a:spcAft>
+        <a:defRPr sz="3600">
+          <a:solidFill>
+            <a:schemeClr val="bg1"/>
+          </a:solidFill>
+          <a:latin typeface="Arial" panose="020B0604020202020204" pitchFamily="34" charset="0"/>
+          <a:ea typeface="SimSun" panose="02010600030101010101" pitchFamily="2" charset="-122"/>
+        </a:defRPr>
+      </a:lvl6pPr>
+      <a:lvl7pPr marL="914400" algn="r" rtl="0" fontAlgn="base">
+        <a:spcBef>
+          <a:spcPct val="0"/>
+        </a:spcBef>
+        <a:spcAft>
+          <a:spcPct val="0"/>
+        </a:spcAft>
+        <a:defRPr sz="3600">
+          <a:solidFill>
+            <a:schemeClr val="bg1"/>
+          </a:solidFill>
+          <a:latin typeface="Arial" panose="020B0604020202020204" pitchFamily="34" charset="0"/>
+          <a:ea typeface="SimSun" panose="02010600030101010101" pitchFamily="2" charset="-122"/>
+        </a:defRPr>
+      </a:lvl7pPr>
+      <a:lvl8pPr marL="1371600" algn="r" rtl="0" fontAlgn="base">
+        <a:spcBef>
+          <a:spcPct val="0"/>
+        </a:spcBef>
+        <a:spcAft>
+          <a:spcPct val="0"/>
+        </a:spcAft>
+        <a:defRPr sz="3600">
+          <a:solidFill>
+            <a:schemeClr val="bg1"/>
+          </a:solidFill>
+          <a:latin typeface="Arial" panose="020B0604020202020204" pitchFamily="34" charset="0"/>
+          <a:ea typeface="SimSun" panose="02010600030101010101" pitchFamily="2" charset="-122"/>
+        </a:defRPr>
+      </a:lvl8pPr>
+      <a:lvl9pPr marL="1828800" algn="r" rtl="0" fontAlgn="base">
+        <a:spcBef>
+          <a:spcPct val="0"/>
+        </a:spcBef>
+        <a:spcAft>
+          <a:spcPct val="0"/>
+        </a:spcAft>
+        <a:defRPr sz="3600">
+          <a:solidFill>
+            <a:schemeClr val="bg1"/>
+          </a:solidFill>
+          <a:latin typeface="Arial" panose="020B0604020202020204" pitchFamily="34" charset="0"/>
+          <a:ea typeface="SimSun" panose="02010600030101010101" pitchFamily="2" charset="-122"/>
+        </a:defRPr>
+      </a:lvl9pPr>
     </p:titleStyle>
     <p:bodyStyle>
-      <a:lvl1pPr marL="228600" indent="-228600" algn="l" defTabSz="914400" rtl="0" eaLnBrk="1" latinLnBrk="0" hangingPunct="1">
-        <a:lnSpc>
-          <a:spcPct val="90000"/>
-        </a:lnSpc>
+      <a:lvl1pPr marL="342900" indent="-342900" algn="l" rtl="0" fontAlgn="base">
         <a:spcBef>
-          <a:spcPts val="1000"/>
+          <a:spcPct val="20000"/>
         </a:spcBef>
-        <a:buFont typeface="Arial" panose="020B0604020202020204" pitchFamily="34" charset="0"/>
+        <a:spcAft>
+          <a:spcPct val="0"/>
+        </a:spcAft>
+        <a:buChar char="•"/>
+        <a:defRPr sz="3200" kern="1200">
+          <a:solidFill>
+            <a:schemeClr val="tx1"/>
+          </a:solidFill>
+          <a:latin typeface="+mn-lt"/>
+          <a:ea typeface="+mn-ea"/>
+          <a:cs typeface="+mn-cs"/>
+        </a:defRPr>
+      </a:lvl1pPr>
+      <a:lvl2pPr marL="742950" indent="-285750" algn="l" rtl="0" fontAlgn="base">
+        <a:spcBef>
+          <a:spcPct val="20000"/>
+        </a:spcBef>
+        <a:spcAft>
+          <a:spcPct val="0"/>
+        </a:spcAft>
+        <a:buChar char="–"/>
+        <a:defRPr sz="2800" kern="1200">
+          <a:solidFill>
+            <a:schemeClr val="tx1"/>
+          </a:solidFill>
+          <a:latin typeface="+mn-lt"/>
+          <a:ea typeface="+mn-ea"/>
+          <a:cs typeface="+mn-cs"/>
+        </a:defRPr>
+      </a:lvl2pPr>
+      <a:lvl3pPr marL="1143000" indent="-228600" algn="l" rtl="0" fontAlgn="base">
+        <a:spcBef>
+          <a:spcPct val="20000"/>
+        </a:spcBef>
+        <a:spcAft>
+          <a:spcPct val="0"/>
+        </a:spcAft>
         <a:buChar char="•"/>
         <a:defRPr sz="2400" kern="1200">
           <a:solidFill>
@@ -3274,16 +3786,15 @@
           <a:ea typeface="+mn-ea"/>
           <a:cs typeface="+mn-cs"/>
         </a:defRPr>
-      </a:lvl1pPr>
-      <a:lvl2pPr marL="685800" indent="-228600" algn="l" defTabSz="914400" rtl="0" eaLnBrk="1" latinLnBrk="0" hangingPunct="1">
-        <a:lnSpc>
-          <a:spcPct val="90000"/>
-        </a:lnSpc>
+      </a:lvl3pPr>
+      <a:lvl4pPr marL="1600200" indent="-228600" algn="l" rtl="0" fontAlgn="base">
         <a:spcBef>
-          <a:spcPts val="500"/>
+          <a:spcPct val="20000"/>
         </a:spcBef>
-        <a:buFont typeface="Arial" panose="020B0604020202020204" pitchFamily="34" charset="0"/>
-        <a:buChar char="•"/>
+        <a:spcAft>
+          <a:spcPct val="0"/>
+        </a:spcAft>
+        <a:buChar char="–"/>
         <a:defRPr sz="2000" kern="1200">
           <a:solidFill>
             <a:schemeClr val="tx1"/>
@@ -3292,53 +3803,16 @@
           <a:ea typeface="+mn-ea"/>
           <a:cs typeface="+mn-cs"/>
         </a:defRPr>
-      </a:lvl2pPr>
-      <a:lvl3pPr marL="1143000" indent="-228600" algn="l" defTabSz="914400" rtl="0" eaLnBrk="1" latinLnBrk="0" hangingPunct="1">
-        <a:lnSpc>
-          <a:spcPct val="90000"/>
-        </a:lnSpc>
+      </a:lvl4pPr>
+      <a:lvl5pPr marL="2057400" indent="-228600" algn="l" rtl="0" fontAlgn="base">
         <a:spcBef>
-          <a:spcPts val="500"/>
+          <a:spcPct val="20000"/>
         </a:spcBef>
-        <a:buFont typeface="Arial" panose="020B0604020202020204" pitchFamily="34" charset="0"/>
-        <a:buChar char="•"/>
-        <a:defRPr sz="1800" kern="1200">
-          <a:solidFill>
-            <a:schemeClr val="tx1"/>
-          </a:solidFill>
-          <a:latin typeface="+mn-lt"/>
-          <a:ea typeface="+mn-ea"/>
-          <a:cs typeface="+mn-cs"/>
-        </a:defRPr>
-      </a:lvl3pPr>
-      <a:lvl4pPr marL="1600200" indent="-228600" algn="l" defTabSz="914400" rtl="0" eaLnBrk="1" latinLnBrk="0" hangingPunct="1">
-        <a:lnSpc>
-          <a:spcPct val="90000"/>
-        </a:lnSpc>
-        <a:spcBef>
-          <a:spcPts val="500"/>
-        </a:spcBef>
-        <a:buFont typeface="Arial" panose="020B0604020202020204" pitchFamily="34" charset="0"/>
-        <a:buChar char="•"/>
-        <a:defRPr sz="1800" kern="1200">
-          <a:solidFill>
-            <a:schemeClr val="tx1"/>
-          </a:solidFill>
-          <a:latin typeface="+mn-lt"/>
-          <a:ea typeface="+mn-ea"/>
-          <a:cs typeface="+mn-cs"/>
-        </a:defRPr>
-      </a:lvl4pPr>
-      <a:lvl5pPr marL="2057400" indent="-228600" algn="l" defTabSz="914400" rtl="0" eaLnBrk="1" latinLnBrk="0" hangingPunct="1">
-        <a:lnSpc>
-          <a:spcPct val="90000"/>
-        </a:lnSpc>
-        <a:spcBef>
-          <a:spcPts val="500"/>
-        </a:spcBef>
-        <a:buFont typeface="Arial" panose="020B0604020202020204" pitchFamily="34" charset="0"/>
-        <a:buChar char="•"/>
-        <a:defRPr sz="1800" kern="1200">
+        <a:spcAft>
+          <a:spcPct val="0"/>
+        </a:spcAft>
+        <a:buChar char="»"/>
+        <a:defRPr sz="2000" kern="1200">
           <a:solidFill>
             <a:schemeClr val="tx1"/>
           </a:solidFill>
@@ -3422,7 +3896,7 @@
     </p:bodyStyle>
     <p:otherStyle>
       <a:defPPr>
-        <a:defRPr lang="zh-CN"/>
+        <a:defRPr lang="en-US"/>
       </a:defPPr>
       <a:lvl1pPr marL="0" algn="l" defTabSz="914400" rtl="0" eaLnBrk="1" latinLnBrk="0" hangingPunct="1">
         <a:defRPr sz="1800" kern="1200">
@@ -3531,37 +4005,2373 @@
       <p:grpSpPr/>
       <p:sp>
         <p:nvSpPr>
+          <p:cNvPr id="12" name="Title 11"/>
+          <p:cNvSpPr/>
+          <p:nvPr>
+            <p:ph type="ctrTitle"/>
+          </p:nvPr>
+        </p:nvSpPr>
+        <p:spPr/>
+        <p:txBody>
+          <a:bodyPr/>
+          <a:p>
+            <a:r>
+              <a:rPr lang="ru-RU" altLang="en-US"/>
+              <a:t>Тема тема тема тема тема тема тема </a:t>
+            </a:r>
+            <a:endParaRPr lang="ru-RU" altLang="en-US"/>
+          </a:p>
+        </p:txBody>
+      </p:sp>
+    </p:spTree>
+  </p:cSld>
+  <p:clrMapOvr>
+    <a:masterClrMapping/>
+  </p:clrMapOvr>
+</p:sld>
+</file>
+
+<file path=ppt/slides/slide10.xml><?xml version="1.0" encoding="utf-8"?>
+<p:sld xmlns:a="http://schemas.openxmlformats.org/drawingml/2006/main" xmlns:r="http://schemas.openxmlformats.org/officeDocument/2006/relationships" xmlns:p="http://schemas.openxmlformats.org/presentationml/2006/main">
+  <p:cSld>
+    <p:spTree>
+      <p:nvGrpSpPr>
+        <p:cNvPr id="1" name=""/>
+        <p:cNvGrpSpPr/>
+        <p:nvPr/>
+      </p:nvGrpSpPr>
+      <p:grpSpPr/>
+      <p:sp>
+        <p:nvSpPr>
+          <p:cNvPr id="6" name="Title 5"/>
+          <p:cNvSpPr>
+            <a:spLocks noGrp="1"/>
+          </p:cNvSpPr>
+          <p:nvPr>
+            <p:ph type="title"/>
+          </p:nvPr>
+        </p:nvSpPr>
+        <p:spPr/>
+        <p:txBody>
+          <a:bodyPr/>
+          <a:p>
+            <a:r>
+              <a:rPr lang="ru-RU" altLang="en-US" b="1"/>
+              <a:t>Программирование в </a:t>
+            </a:r>
+            <a:r>
+              <a:rPr lang="en-US" altLang="ru-RU" b="1"/>
+              <a:t>16-bit </a:t>
+            </a:r>
+            <a:r>
+              <a:rPr lang="ru-RU" altLang="en-US" b="1"/>
+              <a:t>реальном режиме</a:t>
+            </a:r>
+            <a:endParaRPr lang="ru-RU" altLang="en-US" b="1"/>
+          </a:p>
+        </p:txBody>
+      </p:sp>
+      <p:pic>
+        <p:nvPicPr>
+          <p:cNvPr id="7" name="Content Placeholder 6"/>
+          <p:cNvPicPr>
+            <a:picLocks noChangeAspect="1"/>
+          </p:cNvPicPr>
+          <p:nvPr>
+            <p:ph idx="1"/>
+          </p:nvPr>
+        </p:nvPicPr>
+        <p:blipFill>
+          <a:blip r:embed="rId1"/>
+          <a:stretch>
+            <a:fillRect/>
+          </a:stretch>
+        </p:blipFill>
+        <p:spPr>
+          <a:xfrm>
+            <a:off x="1173480" y="1530985"/>
+            <a:ext cx="9845040" cy="4528820"/>
+          </a:xfrm>
+          <a:prstGeom prst="rect">
+            <a:avLst/>
+          </a:prstGeom>
+        </p:spPr>
+      </p:pic>
+    </p:spTree>
+  </p:cSld>
+  <p:clrMapOvr>
+    <a:masterClrMapping/>
+  </p:clrMapOvr>
+</p:sld>
+</file>
+
+<file path=ppt/slides/slide11.xml><?xml version="1.0" encoding="utf-8"?>
+<p:sld xmlns:a="http://schemas.openxmlformats.org/drawingml/2006/main" xmlns:r="http://schemas.openxmlformats.org/officeDocument/2006/relationships" xmlns:p="http://schemas.openxmlformats.org/presentationml/2006/main">
+  <p:cSld>
+    <p:spTree>
+      <p:nvGrpSpPr>
+        <p:cNvPr id="1" name=""/>
+        <p:cNvGrpSpPr/>
+        <p:nvPr/>
+      </p:nvGrpSpPr>
+      <p:grpSpPr/>
+      <p:sp>
+        <p:nvSpPr>
           <p:cNvPr id="2" name="Title 1"/>
           <p:cNvSpPr>
             <a:spLocks noGrp="1"/>
           </p:cNvSpPr>
           <p:nvPr>
-            <p:ph type="ctrTitle"/>
+            <p:ph type="title"/>
           </p:nvPr>
         </p:nvSpPr>
         <p:spPr/>
         <p:txBody>
           <a:bodyPr/>
           <a:p>
+            <a:r>
+              <a:rPr lang="ru-RU" altLang="en-US" b="1"/>
+              <a:t>Программирование в 16-</a:t>
+            </a:r>
+            <a:r>
+              <a:rPr lang="en-US" altLang="ru-RU" b="1"/>
+              <a:t>bit </a:t>
+            </a:r>
+            <a:r>
+              <a:rPr lang="ru-RU" altLang="en-US" b="1"/>
+              <a:t>реальном режиме</a:t>
+            </a:r>
+            <a:endParaRPr lang="ru-RU" altLang="en-US" b="1"/>
+          </a:p>
+        </p:txBody>
+      </p:sp>
+      <p:pic>
+        <p:nvPicPr>
+          <p:cNvPr id="7" name="Picture 2"/>
+          <p:cNvPicPr>
+            <a:picLocks noChangeAspect="1"/>
+          </p:cNvPicPr>
+          <p:nvPr>
+            <p:ph idx="1"/>
+          </p:nvPr>
+        </p:nvPicPr>
+        <p:blipFill>
+          <a:blip r:embed="rId1"/>
+          <a:stretch>
+            <a:fillRect/>
+          </a:stretch>
+        </p:blipFill>
+        <p:spPr>
+          <a:xfrm>
+            <a:off x="2529840" y="2921000"/>
+            <a:ext cx="7672705" cy="2628900"/>
+          </a:xfrm>
+          <a:prstGeom prst="rect">
+            <a:avLst/>
+          </a:prstGeom>
+          <a:noFill/>
+          <a:ln>
+            <a:noFill/>
+          </a:ln>
+        </p:spPr>
+      </p:pic>
+      <p:pic>
+        <p:nvPicPr>
+          <p:cNvPr id="8" name="Picture 7"/>
+          <p:cNvPicPr>
+            <a:picLocks noChangeAspect="1"/>
+          </p:cNvPicPr>
+          <p:nvPr/>
+        </p:nvPicPr>
+        <p:blipFill>
+          <a:blip r:embed="rId2"/>
+          <a:stretch>
+            <a:fillRect/>
+          </a:stretch>
+        </p:blipFill>
+        <p:spPr>
+          <a:xfrm>
+            <a:off x="2529840" y="1461135"/>
+            <a:ext cx="4889500" cy="521970"/>
+          </a:xfrm>
+          <a:prstGeom prst="rect">
+            <a:avLst/>
+          </a:prstGeom>
+        </p:spPr>
+      </p:pic>
+    </p:spTree>
+  </p:cSld>
+  <p:clrMapOvr>
+    <a:masterClrMapping/>
+  </p:clrMapOvr>
+</p:sld>
+</file>
+
+<file path=ppt/slides/slide12.xml><?xml version="1.0" encoding="utf-8"?>
+<p:sld xmlns:a="http://schemas.openxmlformats.org/drawingml/2006/main" xmlns:r="http://schemas.openxmlformats.org/officeDocument/2006/relationships" xmlns:p="http://schemas.openxmlformats.org/presentationml/2006/main">
+  <p:cSld>
+    <p:spTree>
+      <p:nvGrpSpPr>
+        <p:cNvPr id="1" name=""/>
+        <p:cNvGrpSpPr/>
+        <p:nvPr/>
+      </p:nvGrpSpPr>
+      <p:grpSpPr/>
+      <p:sp>
+        <p:nvSpPr>
+          <p:cNvPr id="2" name="Title 1"/>
+          <p:cNvSpPr>
+            <a:spLocks noGrp="1"/>
+          </p:cNvSpPr>
+          <p:nvPr>
+            <p:ph type="title"/>
+          </p:nvPr>
+        </p:nvSpPr>
+        <p:spPr/>
+        <p:txBody>
+          <a:bodyPr/>
+          <a:p>
+            <a:r>
+              <a:rPr lang="ru-RU" altLang="en-US" b="1"/>
+              <a:t>Переход в </a:t>
+            </a:r>
+            <a:r>
+              <a:rPr lang="en-US" altLang="ru-RU" b="1"/>
+              <a:t>32-bit </a:t>
+            </a:r>
+            <a:r>
+              <a:rPr lang="ru-RU" altLang="en-US" b="1"/>
+              <a:t>режим</a:t>
+            </a:r>
+            <a:endParaRPr lang="ru-RU" altLang="en-US" b="1"/>
+          </a:p>
+        </p:txBody>
+      </p:sp>
+      <p:sp>
+        <p:nvSpPr>
+          <p:cNvPr id="3" name="Content Placeholder 2"/>
+          <p:cNvSpPr>
+            <a:spLocks noGrp="1"/>
+          </p:cNvSpPr>
+          <p:nvPr>
+            <p:ph idx="1"/>
+          </p:nvPr>
+        </p:nvSpPr>
+        <p:spPr/>
+        <p:txBody>
+          <a:bodyPr/>
+          <a:p>
+            <a:r>
+              <a:rPr lang="ru-RU" altLang="en-US"/>
+              <a:t>Расширенные регистры: </a:t>
+            </a:r>
+            <a:r>
+              <a:rPr lang="en-US" altLang="ru-RU"/>
+              <a:t>ax --&gt; eax, bx --&gt; ebx</a:t>
+            </a:r>
+            <a:endParaRPr lang="en-US" altLang="ru-RU"/>
+          </a:p>
+          <a:p>
+            <a:endParaRPr lang="en-US" altLang="ru-RU"/>
+          </a:p>
+          <a:p>
+            <a:r>
+              <a:rPr lang="ru-RU" altLang="en-US"/>
+              <a:t>Дополнительные регистры сегмента: </a:t>
+            </a:r>
+            <a:r>
+              <a:rPr lang="en-US" altLang="ru-RU"/>
+              <a:t>fs, gs</a:t>
+            </a:r>
+            <a:endParaRPr lang="en-US" altLang="ru-RU"/>
+          </a:p>
+          <a:p>
+            <a:pPr marL="0" indent="0">
+              <a:buNone/>
+            </a:pPr>
+            <a:endParaRPr lang="en-US" altLang="ru-RU"/>
+          </a:p>
+          <a:p>
+            <a:r>
+              <a:rPr lang="ru-RU" altLang="en-US"/>
+              <a:t>Адресация через таблицу глобальных дескрипторов</a:t>
+            </a:r>
+            <a:endParaRPr lang="ru-RU" altLang="en-US"/>
+          </a:p>
+          <a:p>
+            <a:endParaRPr lang="ru-RU" altLang="en-US"/>
+          </a:p>
+          <a:p>
+            <a:r>
+              <a:rPr lang="ru-RU" altLang="en-US"/>
+              <a:t>Размер адресов 4 байта</a:t>
+            </a:r>
+            <a:endParaRPr lang="ru-RU" altLang="en-US"/>
+          </a:p>
+          <a:p>
+            <a:endParaRPr lang="ru-RU" altLang="en-US"/>
+          </a:p>
+        </p:txBody>
+      </p:sp>
+    </p:spTree>
+  </p:cSld>
+  <p:clrMapOvr>
+    <a:masterClrMapping/>
+  </p:clrMapOvr>
+</p:sld>
+</file>
+
+<file path=ppt/slides/slide13.xml><?xml version="1.0" encoding="utf-8"?>
+<p:sld xmlns:a="http://schemas.openxmlformats.org/drawingml/2006/main" xmlns:r="http://schemas.openxmlformats.org/officeDocument/2006/relationships" xmlns:p="http://schemas.openxmlformats.org/presentationml/2006/main">
+  <p:cSld>
+    <p:spTree>
+      <p:nvGrpSpPr>
+        <p:cNvPr id="1" name=""/>
+        <p:cNvGrpSpPr/>
+        <p:nvPr/>
+      </p:nvGrpSpPr>
+      <p:grpSpPr/>
+      <p:sp>
+        <p:nvSpPr>
+          <p:cNvPr id="2" name="Title 1"/>
+          <p:cNvSpPr>
+            <a:spLocks noGrp="1"/>
+          </p:cNvSpPr>
+          <p:nvPr>
+            <p:ph type="title"/>
+          </p:nvPr>
+        </p:nvSpPr>
+        <p:spPr/>
+        <p:txBody>
+          <a:bodyPr/>
+          <a:p>
+            <a:r>
+              <a:rPr lang="ru-RU" altLang="en-US" b="1"/>
+              <a:t>Адресация ячеек памяти</a:t>
+            </a:r>
+            <a:endParaRPr lang="ru-RU" altLang="en-US" b="1"/>
+          </a:p>
+        </p:txBody>
+      </p:sp>
+      <p:sp>
+        <p:nvSpPr>
+          <p:cNvPr id="3" name="Content Placeholder 2"/>
+          <p:cNvSpPr>
+            <a:spLocks noGrp="1"/>
+          </p:cNvSpPr>
+          <p:nvPr>
+            <p:ph idx="1"/>
+          </p:nvPr>
+        </p:nvSpPr>
+        <p:spPr/>
+        <p:txBody>
+          <a:bodyPr/>
+          <a:p>
+            <a:r>
+              <a:rPr lang="ru-RU" altLang="en-US"/>
+              <a:t>Адресация в 16-</a:t>
+            </a:r>
+            <a:r>
+              <a:rPr lang="en-US" altLang="ru-RU"/>
+              <a:t>bit </a:t>
+            </a:r>
+            <a:r>
+              <a:rPr lang="ru-RU" altLang="en-US"/>
+              <a:t>реальном режиме проходит по формуле</a:t>
+            </a:r>
+            <a:endParaRPr lang="ru-RU" altLang="en-US"/>
+          </a:p>
+          <a:p>
+            <a:pPr marL="0" indent="0">
+              <a:buNone/>
+            </a:pPr>
+            <a:r>
+              <a:rPr lang="ru-RU" altLang="en-US"/>
+              <a:t>		Address = 16 x seg + offset</a:t>
+            </a:r>
+            <a:endParaRPr lang="ru-RU" altLang="en-US"/>
+          </a:p>
+          <a:p>
+            <a:pPr marL="0" indent="0">
+              <a:buNone/>
+            </a:pPr>
+            <a:endParaRPr lang="ru-RU" altLang="en-US"/>
+          </a:p>
+          <a:p>
+            <a:r>
+              <a:rPr lang="ru-RU" altLang="en-US"/>
+              <a:t>При адресации в 32-</a:t>
+            </a:r>
+            <a:r>
+              <a:rPr lang="en-US" altLang="ru-RU"/>
+              <a:t>bit </a:t>
+            </a:r>
+            <a:r>
+              <a:rPr lang="ru-RU" altLang="en-US"/>
+              <a:t>защищенном режиме используется </a:t>
+            </a:r>
+            <a:r>
+              <a:rPr lang="ru-RU" altLang="en-US" b="1"/>
+              <a:t>таблица глобальных дескрипторов</a:t>
+            </a:r>
+            <a:r>
+              <a:rPr lang="ru-RU" altLang="en-US"/>
+              <a:t>  </a:t>
+            </a:r>
+            <a:r>
+              <a:rPr lang="en-US" altLang="ru-RU"/>
+              <a:t>GDT</a:t>
+            </a:r>
+            <a:endParaRPr lang="en-US" altLang="ru-RU"/>
+          </a:p>
+        </p:txBody>
+      </p:sp>
+    </p:spTree>
+  </p:cSld>
+  <p:clrMapOvr>
+    <a:masterClrMapping/>
+  </p:clrMapOvr>
+</p:sld>
+</file>
+
+<file path=ppt/slides/slide14.xml><?xml version="1.0" encoding="utf-8"?>
+<p:sld xmlns:a="http://schemas.openxmlformats.org/drawingml/2006/main" xmlns:r="http://schemas.openxmlformats.org/officeDocument/2006/relationships" xmlns:p="http://schemas.openxmlformats.org/presentationml/2006/main">
+  <p:cSld>
+    <p:spTree>
+      <p:nvGrpSpPr>
+        <p:cNvPr id="1" name=""/>
+        <p:cNvGrpSpPr/>
+        <p:nvPr/>
+      </p:nvGrpSpPr>
+      <p:grpSpPr/>
+      <p:sp>
+        <p:nvSpPr>
+          <p:cNvPr id="6" name="Title 5"/>
+          <p:cNvSpPr/>
+          <p:nvPr>
+            <p:ph type="title"/>
+          </p:nvPr>
+        </p:nvSpPr>
+        <p:spPr/>
+        <p:txBody>
+          <a:bodyPr/>
+          <a:p>
+            <a:r>
+              <a:rPr lang="ru-RU" altLang="en-US"/>
+              <a:t>Таблица глобальных дескрипторов</a:t>
+            </a:r>
+            <a:endParaRPr lang="ru-RU" altLang="en-US"/>
+          </a:p>
+        </p:txBody>
+      </p:sp>
+      <p:pic>
+        <p:nvPicPr>
+          <p:cNvPr id="15" name="Picture 7"/>
+          <p:cNvPicPr>
+            <a:picLocks noChangeAspect="1"/>
+          </p:cNvPicPr>
+          <p:nvPr>
+            <p:ph idx="1"/>
+          </p:nvPr>
+        </p:nvPicPr>
+        <p:blipFill>
+          <a:blip r:embed="rId1"/>
+          <a:stretch>
+            <a:fillRect/>
+          </a:stretch>
+        </p:blipFill>
+        <p:spPr>
+          <a:xfrm>
+            <a:off x="992505" y="1098550"/>
+            <a:ext cx="9478645" cy="2454910"/>
+          </a:xfrm>
+          <a:prstGeom prst="rect">
+            <a:avLst/>
+          </a:prstGeom>
+          <a:noFill/>
+          <a:ln>
+            <a:noFill/>
+          </a:ln>
+        </p:spPr>
+      </p:pic>
+      <p:pic>
+        <p:nvPicPr>
+          <p:cNvPr id="7" name="Picture 6"/>
+          <p:cNvPicPr>
+            <a:picLocks noChangeAspect="1"/>
+          </p:cNvPicPr>
+          <p:nvPr/>
+        </p:nvPicPr>
+        <p:blipFill>
+          <a:blip r:embed="rId2"/>
+          <a:stretch>
+            <a:fillRect/>
+          </a:stretch>
+        </p:blipFill>
+        <p:spPr>
+          <a:xfrm>
+            <a:off x="1840865" y="3827145"/>
+            <a:ext cx="6683375" cy="2372360"/>
+          </a:xfrm>
+          <a:prstGeom prst="rect">
+            <a:avLst/>
+          </a:prstGeom>
+        </p:spPr>
+      </p:pic>
+    </p:spTree>
+  </p:cSld>
+  <p:clrMapOvr>
+    <a:masterClrMapping/>
+  </p:clrMapOvr>
+</p:sld>
+</file>
+
+<file path=ppt/slides/slide15.xml><?xml version="1.0" encoding="utf-8"?>
+<p:sld xmlns:a="http://schemas.openxmlformats.org/drawingml/2006/main" xmlns:r="http://schemas.openxmlformats.org/officeDocument/2006/relationships" xmlns:p="http://schemas.openxmlformats.org/presentationml/2006/main">
+  <p:cSld>
+    <p:spTree>
+      <p:nvGrpSpPr>
+        <p:cNvPr id="1" name=""/>
+        <p:cNvGrpSpPr/>
+        <p:nvPr/>
+      </p:nvGrpSpPr>
+      <p:grpSpPr/>
+      <p:sp>
+        <p:nvSpPr>
+          <p:cNvPr id="2" name="Title 1"/>
+          <p:cNvSpPr>
+            <a:spLocks noGrp="1"/>
+          </p:cNvSpPr>
+          <p:nvPr>
+            <p:ph type="title"/>
+          </p:nvPr>
+        </p:nvSpPr>
+        <p:spPr>
+          <a:xfrm>
+            <a:off x="715645" y="421005"/>
+            <a:ext cx="10972800" cy="582613"/>
+          </a:xfrm>
+        </p:spPr>
+        <p:txBody>
+          <a:bodyPr/>
+          <a:p>
+            <a:r>
+              <a:rPr lang="ru-RU" altLang="en-US" b="1">
+                <a:sym typeface="+mn-ea"/>
+              </a:rPr>
+              <a:t>Переход в </a:t>
+            </a:r>
+            <a:r>
+              <a:rPr lang="en-US" altLang="ru-RU" b="1">
+                <a:sym typeface="+mn-ea"/>
+              </a:rPr>
+              <a:t>32-bit </a:t>
+            </a:r>
+            <a:r>
+              <a:rPr lang="ru-RU" altLang="en-US" b="1">
+                <a:sym typeface="+mn-ea"/>
+              </a:rPr>
+              <a:t>режим</a:t>
+            </a:r>
+            <a:br>
+              <a:rPr lang="ru-RU" altLang="en-US" b="1"/>
+            </a:br>
             <a:endParaRPr lang="en-US"/>
           </a:p>
         </p:txBody>
       </p:sp>
       <p:sp>
         <p:nvSpPr>
-          <p:cNvPr id="3" name="Subtitle 2"/>
-          <p:cNvSpPr>
-            <a:spLocks noGrp="1"/>
-          </p:cNvSpPr>
-          <p:nvPr>
-            <p:ph type="subTitle" idx="1"/>
+          <p:cNvPr id="3" name="Content Placeholder 2"/>
+          <p:cNvSpPr>
+            <a:spLocks noGrp="1"/>
+          </p:cNvSpPr>
+          <p:nvPr>
+            <p:ph idx="1"/>
+          </p:nvPr>
+        </p:nvSpPr>
+        <p:spPr>
+          <a:xfrm>
+            <a:off x="609600" y="1174750"/>
+            <a:ext cx="10972800" cy="4953000"/>
+          </a:xfrm>
+        </p:spPr>
+        <p:txBody>
+          <a:bodyPr/>
+          <a:p>
+            <a:pPr marL="0" indent="0">
+              <a:buNone/>
+            </a:pPr>
+            <a:r>
+              <a:rPr lang="ru-RU" altLang="en-US"/>
+              <a:t>Этапы:</a:t>
+            </a:r>
+            <a:endParaRPr lang="ru-RU" altLang="en-US"/>
+          </a:p>
+          <a:p>
+            <a:r>
+              <a:rPr lang="ru-RU" altLang="en-US"/>
+              <a:t>Загрузка </a:t>
+            </a:r>
+            <a:r>
+              <a:rPr lang="" altLang="ru-RU"/>
+              <a:t>GDT: lgdt[gdt_descriptor]</a:t>
+            </a:r>
+            <a:endParaRPr lang="" altLang="ru-RU"/>
+          </a:p>
+          <a:p>
+            <a:r>
+              <a:rPr lang="ru-RU" altLang=""/>
+              <a:t>Переключение первого бита регистра </a:t>
+            </a:r>
+            <a:r>
+              <a:rPr lang="" altLang="ru-RU"/>
+              <a:t>cr0:</a:t>
+            </a:r>
+            <a:endParaRPr lang="" altLang="ru-RU"/>
+          </a:p>
+          <a:p>
+            <a:pPr marL="457200" lvl="1" indent="0">
+              <a:buNone/>
+            </a:pPr>
+            <a:r>
+              <a:rPr lang="" altLang="ru-RU"/>
+              <a:t>                               </a:t>
+            </a:r>
+            <a:r>
+              <a:rPr lang="" altLang="ru-RU" sz="2800">
+                <a:latin typeface="Ubuntu" panose="020B0604030602030204" charset="0"/>
+                <a:cs typeface="Ubuntu" panose="020B0604030602030204" charset="0"/>
+              </a:rPr>
+              <a:t> mov eax, cr0</a:t>
+            </a:r>
+            <a:endParaRPr lang="" altLang="ru-RU" sz="2800">
+              <a:latin typeface="Ubuntu" panose="020B0604030602030204" charset="0"/>
+              <a:cs typeface="Ubuntu" panose="020B0604030602030204" charset="0"/>
+            </a:endParaRPr>
+          </a:p>
+          <a:p>
+            <a:pPr marL="0" indent="0">
+              <a:buNone/>
+            </a:pPr>
+            <a:r>
+              <a:rPr lang="" altLang="ru-RU" sz="2800">
+                <a:latin typeface="Ubuntu" panose="020B0604030602030204" charset="0"/>
+                <a:cs typeface="Ubuntu" panose="020B0604030602030204" charset="0"/>
+              </a:rPr>
+              <a:t>                                            mov eax, 0x1</a:t>
+            </a:r>
+            <a:endParaRPr lang="" altLang="ru-RU" sz="2800">
+              <a:latin typeface="Ubuntu" panose="020B0604030602030204" charset="0"/>
+              <a:cs typeface="Ubuntu" panose="020B0604030602030204" charset="0"/>
+            </a:endParaRPr>
+          </a:p>
+          <a:p>
+            <a:pPr marL="0" indent="0">
+              <a:buNone/>
+            </a:pPr>
+            <a:r>
+              <a:rPr lang="" altLang="ru-RU" sz="2800">
+                <a:latin typeface="Ubuntu" panose="020B0604030602030204" charset="0"/>
+                <a:cs typeface="Ubuntu" panose="020B0604030602030204" charset="0"/>
+              </a:rPr>
+              <a:t>                                            mov cr0, eax</a:t>
+            </a:r>
+            <a:endParaRPr lang="" altLang="ru-RU" sz="2800">
+              <a:latin typeface="Ubuntu" panose="020B0604030602030204" charset="0"/>
+              <a:cs typeface="Ubuntu" panose="020B0604030602030204" charset="0"/>
+            </a:endParaRPr>
+          </a:p>
+          <a:p>
+            <a:r>
+              <a:rPr lang="ru-RU" altLang="" sz="2800">
+                <a:cs typeface="+mn-lt"/>
+              </a:rPr>
+              <a:t>Дальний прыжок: </a:t>
+            </a:r>
+            <a:endParaRPr lang="ru-RU" altLang="" sz="2800">
+              <a:cs typeface="+mn-lt"/>
+            </a:endParaRPr>
+          </a:p>
+          <a:p>
+            <a:pPr marL="0" indent="0">
+              <a:buNone/>
+            </a:pPr>
+            <a:r>
+              <a:rPr lang="ru-RU" altLang="" sz="2800">
+                <a:cs typeface="+mn-lt"/>
+              </a:rPr>
+              <a:t>                             jmp CODE_SEG:init_pm</a:t>
+            </a:r>
+            <a:endParaRPr lang="ru-RU" altLang="" sz="2800">
+              <a:cs typeface="+mn-lt"/>
+            </a:endParaRPr>
+          </a:p>
+          <a:p>
+            <a:pPr marL="0" indent="0">
+              <a:buNone/>
+            </a:pPr>
+            <a:r>
+              <a:rPr lang="ru-RU" altLang="" sz="2800">
+                <a:cs typeface="+mn-lt"/>
+              </a:rPr>
+              <a:t>                             [bits 32]</a:t>
+            </a:r>
+            <a:endParaRPr lang="ru-RU" altLang="" sz="2800">
+              <a:cs typeface="+mn-lt"/>
+            </a:endParaRPr>
+          </a:p>
+          <a:p>
+            <a:pPr marL="0" indent="0">
+              <a:buNone/>
+            </a:pPr>
+            <a:r>
+              <a:rPr lang="ru-RU" altLang="" sz="2800">
+                <a:cs typeface="+mn-lt"/>
+              </a:rPr>
+              <a:t>                             init_pm:</a:t>
+            </a:r>
+            <a:endParaRPr lang="ru-RU" altLang="" sz="2800">
+              <a:cs typeface="+mn-lt"/>
+            </a:endParaRPr>
+          </a:p>
+        </p:txBody>
+      </p:sp>
+    </p:spTree>
+  </p:cSld>
+  <p:clrMapOvr>
+    <a:masterClrMapping/>
+  </p:clrMapOvr>
+  <p:transition/>
+</p:sld>
+</file>
+
+<file path=ppt/slides/slide16.xml><?xml version="1.0" encoding="utf-8"?>
+<p:sld xmlns:a="http://schemas.openxmlformats.org/drawingml/2006/main" xmlns:r="http://schemas.openxmlformats.org/officeDocument/2006/relationships" xmlns:p="http://schemas.openxmlformats.org/presentationml/2006/main">
+  <p:cSld>
+    <p:spTree>
+      <p:nvGrpSpPr>
+        <p:cNvPr id="1" name=""/>
+        <p:cNvGrpSpPr/>
+        <p:nvPr/>
+      </p:nvGrpSpPr>
+      <p:grpSpPr/>
+      <p:sp>
+        <p:nvSpPr>
+          <p:cNvPr id="2" name="Title 1"/>
+          <p:cNvSpPr>
+            <a:spLocks noGrp="1"/>
+          </p:cNvSpPr>
+          <p:nvPr>
+            <p:ph type="title"/>
           </p:nvPr>
         </p:nvSpPr>
         <p:spPr/>
         <p:txBody>
           <a:bodyPr/>
           <a:p>
+            <a:br>
+              <a:rPr lang="ru-RU" altLang="en-US" b="1">
+                <a:sym typeface="+mn-ea"/>
+              </a:rPr>
+            </a:br>
+            <a:r>
+              <a:rPr lang="ru-RU" altLang="en-US" b="1">
+                <a:sym typeface="+mn-ea"/>
+              </a:rPr>
+              <a:t>Переход в </a:t>
+            </a:r>
+            <a:r>
+              <a:rPr lang="en-US" altLang="ru-RU" b="1">
+                <a:sym typeface="+mn-ea"/>
+              </a:rPr>
+              <a:t>32-bit </a:t>
+            </a:r>
+            <a:r>
+              <a:rPr lang="ru-RU" altLang="en-US" b="1">
+                <a:sym typeface="+mn-ea"/>
+              </a:rPr>
+              <a:t>режим</a:t>
+            </a:r>
+            <a:br>
+              <a:rPr lang="ru-RU" altLang="en-US" b="1">
+                <a:sym typeface="+mn-ea"/>
+              </a:rPr>
+            </a:br>
             <a:endParaRPr lang="en-US"/>
+          </a:p>
+        </p:txBody>
+      </p:sp>
+      <p:pic>
+        <p:nvPicPr>
+          <p:cNvPr id="6" name="Content Placeholder 5"/>
+          <p:cNvPicPr>
+            <a:picLocks noChangeAspect="1"/>
+          </p:cNvPicPr>
+          <p:nvPr>
+            <p:ph idx="1"/>
+          </p:nvPr>
+        </p:nvPicPr>
+        <p:blipFill>
+          <a:blip r:embed="rId1"/>
+          <a:stretch>
+            <a:fillRect/>
+          </a:stretch>
+        </p:blipFill>
+        <p:spPr>
+          <a:xfrm>
+            <a:off x="1570990" y="1174750"/>
+            <a:ext cx="9048750" cy="4953000"/>
+          </a:xfrm>
+          <a:prstGeom prst="rect">
+            <a:avLst/>
+          </a:prstGeom>
+        </p:spPr>
+      </p:pic>
+    </p:spTree>
+  </p:cSld>
+  <p:clrMapOvr>
+    <a:masterClrMapping/>
+  </p:clrMapOvr>
+</p:sld>
+</file>
+
+<file path=ppt/slides/slide2.xml><?xml version="1.0" encoding="utf-8"?>
+<p:sld xmlns:a="http://schemas.openxmlformats.org/drawingml/2006/main" xmlns:r="http://schemas.openxmlformats.org/officeDocument/2006/relationships" xmlns:p="http://schemas.openxmlformats.org/presentationml/2006/main">
+  <p:cSld>
+    <p:spTree>
+      <p:nvGrpSpPr>
+        <p:cNvPr id="1" name=""/>
+        <p:cNvGrpSpPr/>
+        <p:nvPr/>
+      </p:nvGrpSpPr>
+      <p:grpSpPr/>
+      <p:sp>
+        <p:nvSpPr>
+          <p:cNvPr id="4" name="Title 1"/>
+          <p:cNvSpPr>
+            <a:spLocks noGrp="1"/>
+          </p:cNvSpPr>
+          <p:nvPr/>
+        </p:nvSpPr>
+        <p:spPr>
+          <a:xfrm>
+            <a:off x="1848485" y="76835"/>
+            <a:ext cx="9144000" cy="1976120"/>
+          </a:xfrm>
+          <a:prstGeom prst="rect">
+            <a:avLst/>
+          </a:prstGeom>
+          <a:noFill/>
+          <a:ln w="9525">
+            <a:noFill/>
+          </a:ln>
+        </p:spPr>
+        <p:txBody>
+          <a:bodyPr anchor="ctr" anchorCtr="0">
+            <a:normAutofit/>
+            <a:scene3d>
+              <a:camera prst="orthographicFront"/>
+              <a:lightRig rig="threePt" dir="t"/>
+            </a:scene3d>
+          </a:bodyPr>
+          <a:lstStyle>
+            <a:lvl1pPr algn="r" rtl="0" fontAlgn="base">
+              <a:spcBef>
+                <a:spcPct val="0"/>
+              </a:spcBef>
+              <a:spcAft>
+                <a:spcPct val="0"/>
+              </a:spcAft>
+              <a:defRPr sz="3600" kern="1200">
+                <a:solidFill>
+                  <a:schemeClr val="bg1"/>
+                </a:solidFill>
+                <a:latin typeface="+mj-lt"/>
+                <a:ea typeface="+mj-ea"/>
+                <a:cs typeface="+mj-cs"/>
+              </a:defRPr>
+            </a:lvl1pPr>
+            <a:lvl2pPr algn="r" rtl="0" fontAlgn="base">
+              <a:spcBef>
+                <a:spcPct val="0"/>
+              </a:spcBef>
+              <a:spcAft>
+                <a:spcPct val="0"/>
+              </a:spcAft>
+              <a:defRPr sz="3600">
+                <a:solidFill>
+                  <a:schemeClr val="bg1"/>
+                </a:solidFill>
+                <a:latin typeface="Arial" panose="020B0604020202020204" pitchFamily="34" charset="0"/>
+                <a:ea typeface="SimSun" panose="02010600030101010101" pitchFamily="2" charset="-122"/>
+              </a:defRPr>
+            </a:lvl2pPr>
+            <a:lvl3pPr algn="r" rtl="0" fontAlgn="base">
+              <a:spcBef>
+                <a:spcPct val="0"/>
+              </a:spcBef>
+              <a:spcAft>
+                <a:spcPct val="0"/>
+              </a:spcAft>
+              <a:defRPr sz="3600">
+                <a:solidFill>
+                  <a:schemeClr val="bg1"/>
+                </a:solidFill>
+                <a:latin typeface="Arial" panose="020B0604020202020204" pitchFamily="34" charset="0"/>
+                <a:ea typeface="SimSun" panose="02010600030101010101" pitchFamily="2" charset="-122"/>
+              </a:defRPr>
+            </a:lvl3pPr>
+            <a:lvl4pPr algn="r" rtl="0" fontAlgn="base">
+              <a:spcBef>
+                <a:spcPct val="0"/>
+              </a:spcBef>
+              <a:spcAft>
+                <a:spcPct val="0"/>
+              </a:spcAft>
+              <a:defRPr sz="3600">
+                <a:solidFill>
+                  <a:schemeClr val="bg1"/>
+                </a:solidFill>
+                <a:latin typeface="Arial" panose="020B0604020202020204" pitchFamily="34" charset="0"/>
+                <a:ea typeface="SimSun" panose="02010600030101010101" pitchFamily="2" charset="-122"/>
+              </a:defRPr>
+            </a:lvl4pPr>
+            <a:lvl5pPr algn="r" rtl="0" fontAlgn="base">
+              <a:spcBef>
+                <a:spcPct val="0"/>
+              </a:spcBef>
+              <a:spcAft>
+                <a:spcPct val="0"/>
+              </a:spcAft>
+              <a:defRPr sz="3600">
+                <a:solidFill>
+                  <a:schemeClr val="bg1"/>
+                </a:solidFill>
+                <a:latin typeface="Arial" panose="020B0604020202020204" pitchFamily="34" charset="0"/>
+                <a:ea typeface="SimSun" panose="02010600030101010101" pitchFamily="2" charset="-122"/>
+              </a:defRPr>
+            </a:lvl5pPr>
+            <a:lvl6pPr marL="457200" algn="r" rtl="0" fontAlgn="base">
+              <a:spcBef>
+                <a:spcPct val="0"/>
+              </a:spcBef>
+              <a:spcAft>
+                <a:spcPct val="0"/>
+              </a:spcAft>
+              <a:defRPr sz="3600">
+                <a:solidFill>
+                  <a:schemeClr val="bg1"/>
+                </a:solidFill>
+                <a:latin typeface="Arial" panose="020B0604020202020204" pitchFamily="34" charset="0"/>
+                <a:ea typeface="SimSun" panose="02010600030101010101" pitchFamily="2" charset="-122"/>
+              </a:defRPr>
+            </a:lvl6pPr>
+            <a:lvl7pPr marL="914400" algn="r" rtl="0" fontAlgn="base">
+              <a:spcBef>
+                <a:spcPct val="0"/>
+              </a:spcBef>
+              <a:spcAft>
+                <a:spcPct val="0"/>
+              </a:spcAft>
+              <a:defRPr sz="3600">
+                <a:solidFill>
+                  <a:schemeClr val="bg1"/>
+                </a:solidFill>
+                <a:latin typeface="Arial" panose="020B0604020202020204" pitchFamily="34" charset="0"/>
+                <a:ea typeface="SimSun" panose="02010600030101010101" pitchFamily="2" charset="-122"/>
+              </a:defRPr>
+            </a:lvl7pPr>
+            <a:lvl8pPr marL="1371600" algn="r" rtl="0" fontAlgn="base">
+              <a:spcBef>
+                <a:spcPct val="0"/>
+              </a:spcBef>
+              <a:spcAft>
+                <a:spcPct val="0"/>
+              </a:spcAft>
+              <a:defRPr sz="3600">
+                <a:solidFill>
+                  <a:schemeClr val="bg1"/>
+                </a:solidFill>
+                <a:latin typeface="Arial" panose="020B0604020202020204" pitchFamily="34" charset="0"/>
+                <a:ea typeface="SimSun" panose="02010600030101010101" pitchFamily="2" charset="-122"/>
+              </a:defRPr>
+            </a:lvl8pPr>
+            <a:lvl9pPr marL="1828800" algn="r" rtl="0" fontAlgn="base">
+              <a:spcBef>
+                <a:spcPct val="0"/>
+              </a:spcBef>
+              <a:spcAft>
+                <a:spcPct val="0"/>
+              </a:spcAft>
+              <a:defRPr sz="3600">
+                <a:solidFill>
+                  <a:schemeClr val="bg1"/>
+                </a:solidFill>
+                <a:latin typeface="Arial" panose="020B0604020202020204" pitchFamily="34" charset="0"/>
+                <a:ea typeface="SimSun" panose="02010600030101010101" pitchFamily="2" charset="-122"/>
+              </a:defRPr>
+            </a:lvl9pPr>
+          </a:lstStyle>
+          <a:p>
+            <a:pPr algn="ctr"/>
+            <a:r>
+              <a:rPr lang="ru-RU" altLang="en-US" b="1">
+                <a:solidFill>
+                  <a:schemeClr val="tx1"/>
+                </a:solidFill>
+                <a:effectLst>
+                  <a:outerShdw blurRad="38100" dist="19050" dir="2700000" algn="tl" rotWithShape="0">
+                    <a:schemeClr val="dk1">
+                      <a:alpha val="40000"/>
+                    </a:schemeClr>
+                  </a:outerShdw>
+                </a:effectLst>
+              </a:rPr>
+              <a:t>Использованные инструменты при разработке</a:t>
+            </a:r>
+            <a:br>
+              <a:rPr lang="ru-RU" altLang="en-US">
+                <a:solidFill>
+                  <a:schemeClr val="tx1"/>
+                </a:solidFill>
+                <a:effectLst>
+                  <a:outerShdw blurRad="38100" dist="19050" dir="2700000" algn="tl" rotWithShape="0">
+                    <a:schemeClr val="dk1">
+                      <a:alpha val="40000"/>
+                    </a:schemeClr>
+                  </a:outerShdw>
+                </a:effectLst>
+              </a:rPr>
+            </a:br>
+            <a:endParaRPr lang="ru-RU" altLang="en-US">
+              <a:solidFill>
+                <a:schemeClr val="tx1"/>
+              </a:solidFill>
+              <a:effectLst>
+                <a:outerShdw blurRad="38100" dist="19050" dir="2700000" algn="tl" rotWithShape="0">
+                  <a:schemeClr val="dk1">
+                    <a:alpha val="40000"/>
+                  </a:schemeClr>
+                </a:outerShdw>
+              </a:effectLst>
+            </a:endParaRPr>
+          </a:p>
+        </p:txBody>
+      </p:sp>
+      <p:pic>
+        <p:nvPicPr>
+          <p:cNvPr id="5" name="Picture 4" descr="1200px-Logo-ubuntu_cof-orange-hex.svg"/>
+          <p:cNvPicPr>
+            <a:picLocks noChangeAspect="1"/>
+          </p:cNvPicPr>
+          <p:nvPr/>
+        </p:nvPicPr>
+        <p:blipFill>
+          <a:blip r:embed="rId1"/>
+          <a:stretch>
+            <a:fillRect/>
+          </a:stretch>
+        </p:blipFill>
+        <p:spPr>
+          <a:xfrm>
+            <a:off x="359410" y="2052955"/>
+            <a:ext cx="1549400" cy="1549400"/>
+          </a:xfrm>
+          <a:prstGeom prst="rect">
+            <a:avLst/>
+          </a:prstGeom>
+        </p:spPr>
+      </p:pic>
+      <p:pic>
+        <p:nvPicPr>
+          <p:cNvPr id="6" name="Picture 5" descr="1200px-Netwide_Assembler.svg"/>
+          <p:cNvPicPr>
+            <a:picLocks noChangeAspect="1"/>
+          </p:cNvPicPr>
+          <p:nvPr/>
+        </p:nvPicPr>
+        <p:blipFill>
+          <a:blip r:embed="rId2"/>
+          <a:stretch>
+            <a:fillRect/>
+          </a:stretch>
+        </p:blipFill>
+        <p:spPr>
+          <a:xfrm>
+            <a:off x="7244715" y="1914525"/>
+            <a:ext cx="2872105" cy="1687830"/>
+          </a:xfrm>
+          <a:prstGeom prst="rect">
+            <a:avLst/>
+          </a:prstGeom>
+        </p:spPr>
+      </p:pic>
+      <p:pic>
+        <p:nvPicPr>
+          <p:cNvPr id="7" name="Picture 6" descr="Qemu-logo"/>
+          <p:cNvPicPr>
+            <a:picLocks noChangeAspect="1"/>
+          </p:cNvPicPr>
+          <p:nvPr/>
+        </p:nvPicPr>
+        <p:blipFill>
+          <a:blip r:embed="rId3"/>
+          <a:stretch>
+            <a:fillRect/>
+          </a:stretch>
+        </p:blipFill>
+        <p:spPr>
+          <a:xfrm>
+            <a:off x="2691130" y="2052955"/>
+            <a:ext cx="3554095" cy="1130935"/>
+          </a:xfrm>
+          <a:prstGeom prst="rect">
+            <a:avLst/>
+          </a:prstGeom>
+        </p:spPr>
+      </p:pic>
+      <p:sp>
+        <p:nvSpPr>
+          <p:cNvPr id="9" name="Text Box 8"/>
+          <p:cNvSpPr txBox="1"/>
+          <p:nvPr/>
+        </p:nvSpPr>
+        <p:spPr>
+          <a:xfrm>
+            <a:off x="899795" y="4076700"/>
+            <a:ext cx="1981835" cy="2030095"/>
+          </a:xfrm>
+          <a:prstGeom prst="rect">
+            <a:avLst/>
+          </a:prstGeom>
+          <a:noFill/>
+        </p:spPr>
+        <p:txBody>
+          <a:bodyPr wrap="none" rtlCol="0">
+            <a:spAutoFit/>
+          </a:bodyPr>
+          <a:p>
+            <a:r>
+              <a:rPr lang="en-US" altLang="en-US"/>
+              <a:t>ubuntu 20.04 LTS</a:t>
+            </a:r>
+            <a:endParaRPr lang="en-US" altLang="en-US"/>
+          </a:p>
+          <a:p>
+            <a:r>
+              <a:rPr lang="en-US" altLang="en-US"/>
+              <a:t>NASM</a:t>
+            </a:r>
+            <a:endParaRPr lang="en-US" altLang="en-US"/>
+          </a:p>
+          <a:p>
+            <a:r>
+              <a:rPr lang="en-US" altLang="en-US"/>
+              <a:t>QEMU</a:t>
+            </a:r>
+            <a:endParaRPr lang="en-US" altLang="en-US"/>
+          </a:p>
+          <a:p>
+            <a:r>
+              <a:rPr lang="en-US" altLang="en-US"/>
+              <a:t>GNU Makefile</a:t>
+            </a:r>
+            <a:endParaRPr lang="en-US" altLang="en-US"/>
+          </a:p>
+          <a:p>
+            <a:r>
+              <a:rPr lang="en-US" altLang="en-US"/>
+              <a:t>C</a:t>
+            </a:r>
+            <a:endParaRPr lang="en-US" altLang="en-US"/>
+          </a:p>
+          <a:p>
+            <a:r>
+              <a:rPr lang="en-US" altLang="en-US"/>
+              <a:t>GCC</a:t>
+            </a:r>
+            <a:endParaRPr lang="en-US" altLang="en-US"/>
+          </a:p>
+          <a:p>
+            <a:r>
+              <a:rPr lang="en-US" altLang="en-US"/>
+              <a:t>GDB</a:t>
+            </a:r>
+            <a:endParaRPr lang="en-US" altLang="en-US"/>
+          </a:p>
+        </p:txBody>
+      </p:sp>
+      <p:pic>
+        <p:nvPicPr>
+          <p:cNvPr id="10" name="Picture 9" descr="download (1)"/>
+          <p:cNvPicPr>
+            <a:picLocks noChangeAspect="1"/>
+          </p:cNvPicPr>
+          <p:nvPr/>
+        </p:nvPicPr>
+        <p:blipFill>
+          <a:blip r:embed="rId4"/>
+          <a:stretch>
+            <a:fillRect/>
+          </a:stretch>
+        </p:blipFill>
+        <p:spPr>
+          <a:xfrm>
+            <a:off x="4485640" y="3943350"/>
+            <a:ext cx="1927225" cy="2163445"/>
+          </a:xfrm>
+          <a:prstGeom prst="rect">
+            <a:avLst/>
+          </a:prstGeom>
+        </p:spPr>
+      </p:pic>
+      <p:pic>
+        <p:nvPicPr>
+          <p:cNvPr id="11" name="Picture 10" descr="GNU_Compiler_Collection_logo.svg"/>
+          <p:cNvPicPr>
+            <a:picLocks noChangeAspect="1"/>
+          </p:cNvPicPr>
+          <p:nvPr/>
+        </p:nvPicPr>
+        <p:blipFill>
+          <a:blip r:embed="rId5"/>
+          <a:stretch>
+            <a:fillRect/>
+          </a:stretch>
+        </p:blipFill>
+        <p:spPr>
+          <a:xfrm>
+            <a:off x="10341610" y="2228850"/>
+            <a:ext cx="1219200" cy="1438910"/>
+          </a:xfrm>
+          <a:prstGeom prst="rect">
+            <a:avLst/>
+          </a:prstGeom>
+        </p:spPr>
+      </p:pic>
+      <p:pic>
+        <p:nvPicPr>
+          <p:cNvPr id="8" name="Picture 7" descr="GDB_Archer_Fish_by_Andreas_Arnez.svg"/>
+          <p:cNvPicPr>
+            <a:picLocks noChangeAspect="1"/>
+          </p:cNvPicPr>
+          <p:nvPr/>
+        </p:nvPicPr>
+        <p:blipFill>
+          <a:blip r:embed="rId6"/>
+          <a:stretch>
+            <a:fillRect/>
+          </a:stretch>
+        </p:blipFill>
+        <p:spPr>
+          <a:xfrm>
+            <a:off x="7401560" y="3762375"/>
+            <a:ext cx="3396615" cy="2123440"/>
+          </a:xfrm>
+          <a:prstGeom prst="rect">
+            <a:avLst/>
+          </a:prstGeom>
+        </p:spPr>
+      </p:pic>
+    </p:spTree>
+  </p:cSld>
+  <p:clrMapOvr>
+    <a:masterClrMapping/>
+  </p:clrMapOvr>
+</p:sld>
+</file>
+
+<file path=ppt/slides/slide3.xml><?xml version="1.0" encoding="utf-8"?>
+<p:sld xmlns:a="http://schemas.openxmlformats.org/drawingml/2006/main" xmlns:r="http://schemas.openxmlformats.org/officeDocument/2006/relationships" xmlns:p="http://schemas.openxmlformats.org/presentationml/2006/main">
+  <p:cSld>
+    <p:spTree>
+      <p:nvGrpSpPr>
+        <p:cNvPr id="1" name=""/>
+        <p:cNvGrpSpPr/>
+        <p:nvPr/>
+      </p:nvGrpSpPr>
+      <p:grpSpPr/>
+      <p:sp>
+        <p:nvSpPr>
+          <p:cNvPr id="2" name="Title 1"/>
+          <p:cNvSpPr>
+            <a:spLocks noGrp="1"/>
+          </p:cNvSpPr>
+          <p:nvPr>
+            <p:ph type="title"/>
+          </p:nvPr>
+        </p:nvSpPr>
+        <p:spPr/>
+        <p:txBody>
+          <a:bodyPr/>
+          <a:p>
+            <a:r>
+              <a:rPr lang="ru-RU" altLang="en-US" b="1"/>
+              <a:t>Этапы запуска операционных систем</a:t>
+            </a:r>
+            <a:endParaRPr lang="ru-RU" altLang="en-US" b="1"/>
+          </a:p>
+        </p:txBody>
+      </p:sp>
+      <p:sp>
+        <p:nvSpPr>
+          <p:cNvPr id="3" name="Content Placeholder 2"/>
+          <p:cNvSpPr>
+            <a:spLocks noGrp="1"/>
+          </p:cNvSpPr>
+          <p:nvPr>
+            <p:ph idx="1"/>
+          </p:nvPr>
+        </p:nvSpPr>
+        <p:spPr>
+          <a:xfrm>
+            <a:off x="609600" y="952500"/>
+            <a:ext cx="10972800" cy="4953000"/>
+          </a:xfrm>
+        </p:spPr>
+        <p:txBody>
+          <a:bodyPr/>
+          <a:p>
+            <a:r>
+              <a:rPr lang="ru-RU" altLang="en-US"/>
+              <a:t>Процедура начального тестирования оборудования </a:t>
+            </a:r>
+            <a:r>
+              <a:rPr lang="en-US" altLang="ru-RU"/>
+              <a:t>POST (Power On Self Test)</a:t>
+            </a:r>
+            <a:endParaRPr lang="en-US" altLang="ru-RU"/>
+          </a:p>
+          <a:p>
+            <a:pPr marL="0" indent="0">
+              <a:buNone/>
+            </a:pPr>
+            <a:r>
+              <a:rPr lang="ru-RU" altLang="en-US"/>
+              <a:t>16-</a:t>
+            </a:r>
+            <a:r>
+              <a:rPr lang="en-US" altLang="ru-RU"/>
+              <a:t>bit </a:t>
+            </a:r>
+            <a:r>
+              <a:rPr lang="ru-RU" altLang="en-US"/>
+              <a:t>режим</a:t>
+            </a:r>
+            <a:endParaRPr lang="en-US" altLang="ru-RU"/>
+          </a:p>
+          <a:p>
+            <a:r>
+              <a:rPr lang="ru-RU" altLang="en-US"/>
+              <a:t>Запуск системы </a:t>
+            </a:r>
+            <a:r>
+              <a:rPr lang="en-US" altLang="ru-RU"/>
+              <a:t>BIOS </a:t>
+            </a:r>
+            <a:r>
+              <a:rPr lang="ru-RU" altLang="en-US"/>
+              <a:t>(</a:t>
+            </a:r>
+            <a:r>
+              <a:rPr lang="en-US" altLang="ru-RU"/>
+              <a:t>UEFI</a:t>
+            </a:r>
+            <a:r>
+              <a:rPr lang="ru-RU" altLang="en-US"/>
+              <a:t>)</a:t>
+            </a:r>
+            <a:endParaRPr lang="en-US" altLang="ru-RU"/>
+          </a:p>
+          <a:p>
+            <a:r>
+              <a:rPr lang="ru-RU" altLang="en-US"/>
+              <a:t>Поиск и обнаружение загрузочных дисков</a:t>
+            </a:r>
+            <a:endParaRPr lang="ru-RU" altLang="en-US"/>
+          </a:p>
+          <a:p>
+            <a:r>
+              <a:rPr lang="ru-RU" altLang="en-US"/>
+              <a:t>Загрузка и запуск загрузочного сектора</a:t>
+            </a:r>
+            <a:endParaRPr lang="ru-RU" altLang="en-US"/>
+          </a:p>
+          <a:p>
+            <a:r>
+              <a:rPr lang="ru-RU" altLang="en-US"/>
+              <a:t>Переключение на 32-</a:t>
+            </a:r>
+            <a:r>
+              <a:rPr lang="en-US" altLang="ru-RU"/>
+              <a:t>bit </a:t>
+            </a:r>
+            <a:r>
+              <a:rPr lang="ru-RU" altLang="en-US"/>
+              <a:t>режим</a:t>
+            </a:r>
+            <a:endParaRPr lang="ru-RU" altLang="en-US"/>
+          </a:p>
+          <a:p>
+            <a:pPr marL="0" indent="0">
+              <a:buNone/>
+            </a:pPr>
+            <a:r>
+              <a:rPr lang="ru-RU" altLang="en-US"/>
+              <a:t>32-</a:t>
+            </a:r>
+            <a:r>
+              <a:rPr lang="en-US" altLang="ru-RU"/>
+              <a:t>bit pe</a:t>
+            </a:r>
+            <a:r>
+              <a:rPr lang="ru-RU" altLang="en-US"/>
+              <a:t>жим</a:t>
+            </a:r>
+            <a:endParaRPr lang="ru-RU" altLang="en-US"/>
+          </a:p>
+          <a:p>
+            <a:r>
+              <a:rPr lang="ru-RU" altLang="en-US"/>
+              <a:t>Загрузка и запуск ядра</a:t>
+            </a:r>
+            <a:endParaRPr lang="ru-RU" altLang="en-US"/>
+          </a:p>
+          <a:p>
+            <a:pPr marL="0" indent="0">
+              <a:buNone/>
+            </a:pPr>
+            <a:endParaRPr lang="en-US" altLang="ru-RU"/>
+          </a:p>
+        </p:txBody>
+      </p:sp>
+    </p:spTree>
+  </p:cSld>
+  <p:clrMapOvr>
+    <a:masterClrMapping/>
+  </p:clrMapOvr>
+</p:sld>
+</file>
+
+<file path=ppt/slides/slide4.xml><?xml version="1.0" encoding="utf-8"?>
+<p:sld xmlns:a="http://schemas.openxmlformats.org/drawingml/2006/main" xmlns:r="http://schemas.openxmlformats.org/officeDocument/2006/relationships" xmlns:p="http://schemas.openxmlformats.org/presentationml/2006/main">
+  <p:cSld>
+    <p:spTree>
+      <p:nvGrpSpPr>
+        <p:cNvPr id="1" name=""/>
+        <p:cNvGrpSpPr/>
+        <p:nvPr/>
+      </p:nvGrpSpPr>
+      <p:grpSpPr/>
+      <p:sp>
+        <p:nvSpPr>
+          <p:cNvPr id="2" name="Title 1"/>
+          <p:cNvSpPr>
+            <a:spLocks noGrp="1"/>
+          </p:cNvSpPr>
+          <p:nvPr>
+            <p:ph type="title"/>
+          </p:nvPr>
+        </p:nvSpPr>
+        <p:spPr/>
+        <p:txBody>
+          <a:bodyPr/>
+          <a:p>
+            <a:pPr algn="ctr"/>
+            <a:r>
+              <a:rPr lang="en-US" altLang="ru-RU" b="1"/>
+              <a:t>BIOS </a:t>
+            </a:r>
+            <a:r>
+              <a:rPr lang="ru-RU" altLang="en-US" b="1"/>
+              <a:t>и </a:t>
+            </a:r>
+            <a:r>
+              <a:rPr lang="en-US" altLang="ru-RU" b="1"/>
+              <a:t>UEFI</a:t>
+            </a:r>
+            <a:endParaRPr lang="en-US" altLang="ru-RU" b="1"/>
+          </a:p>
+        </p:txBody>
+      </p:sp>
+      <p:sp>
+        <p:nvSpPr>
+          <p:cNvPr id="3" name="Content Placeholder 2"/>
+          <p:cNvSpPr>
+            <a:spLocks noGrp="1"/>
+          </p:cNvSpPr>
+          <p:nvPr>
+            <p:ph idx="1"/>
+          </p:nvPr>
+        </p:nvSpPr>
+        <p:spPr/>
+        <p:txBody>
+          <a:bodyPr/>
+          <a:p>
+            <a:r>
+              <a:rPr lang="ru-RU" altLang="en-US"/>
+              <a:t>Это программа встроенная в материнскую плату</a:t>
+            </a:r>
+            <a:endParaRPr lang="ru-RU" altLang="en-US"/>
+          </a:p>
+          <a:p>
+            <a:pPr marL="0" indent="0">
+              <a:buNone/>
+            </a:pPr>
+            <a:r>
+              <a:rPr lang="en-US" altLang="ru-RU"/>
+              <a:t>BIOS - Base input/output system</a:t>
+            </a:r>
+            <a:endParaRPr lang="en-US" altLang="ru-RU"/>
+          </a:p>
+          <a:p>
+            <a:pPr marL="0" indent="0">
+              <a:buNone/>
+            </a:pPr>
+            <a:r>
+              <a:rPr lang="en-US" altLang="ru-RU"/>
+              <a:t>UEFI - Unified extensible firmware system</a:t>
+            </a:r>
+            <a:endParaRPr lang="en-US" altLang="ru-RU"/>
+          </a:p>
+          <a:p>
+            <a:pPr marL="0" indent="0">
+              <a:buNone/>
+            </a:pPr>
+            <a:endParaRPr lang="en-US" altLang="ru-RU"/>
+          </a:p>
+          <a:p>
+            <a:pPr marL="0" indent="0" algn="just">
+              <a:buNone/>
+            </a:pPr>
+            <a:r>
+              <a:rPr lang="ru-RU" altLang="en-US"/>
+              <a:t>Задачи: обнаружение и проверка всех подключенных устройств; предоставление операционной системе базового набора функций для работы с аппаратурой; запуск загрузчика операционной системы</a:t>
+            </a:r>
+            <a:endParaRPr lang="en-US" altLang="ru-RU"/>
+          </a:p>
+          <a:p>
+            <a:pPr marL="0" indent="0" algn="just">
+              <a:buNone/>
+            </a:pPr>
+            <a:endParaRPr lang="en-US" altLang="ru-RU"/>
+          </a:p>
+        </p:txBody>
+      </p:sp>
+    </p:spTree>
+  </p:cSld>
+  <p:clrMapOvr>
+    <a:masterClrMapping/>
+  </p:clrMapOvr>
+</p:sld>
+</file>
+
+<file path=ppt/slides/slide5.xml><?xml version="1.0" encoding="utf-8"?>
+<p:sld xmlns:a="http://schemas.openxmlformats.org/drawingml/2006/main" xmlns:r="http://schemas.openxmlformats.org/officeDocument/2006/relationships" xmlns:p="http://schemas.openxmlformats.org/presentationml/2006/main">
+  <p:cSld>
+    <p:spTree>
+      <p:nvGrpSpPr>
+        <p:cNvPr id="1" name=""/>
+        <p:cNvGrpSpPr/>
+        <p:nvPr/>
+      </p:nvGrpSpPr>
+      <p:grpSpPr/>
+      <p:sp>
+        <p:nvSpPr>
+          <p:cNvPr id="2" name="Title 1"/>
+          <p:cNvSpPr>
+            <a:spLocks noGrp="1"/>
+          </p:cNvSpPr>
+          <p:nvPr>
+            <p:ph type="title"/>
+          </p:nvPr>
+        </p:nvSpPr>
+        <p:spPr/>
+        <p:txBody>
+          <a:bodyPr/>
+          <a:p>
+            <a:r>
+              <a:rPr lang="ru-RU" altLang="en-US" b="1"/>
+              <a:t>Загрузка операционной системы</a:t>
+            </a:r>
+            <a:endParaRPr lang="ru-RU" altLang="en-US" b="1"/>
+          </a:p>
+        </p:txBody>
+      </p:sp>
+      <p:pic>
+        <p:nvPicPr>
+          <p:cNvPr id="10" name="Picture 4"/>
+          <p:cNvPicPr>
+            <a:picLocks noChangeAspect="1"/>
+          </p:cNvPicPr>
+          <p:nvPr>
+            <p:ph idx="1"/>
+          </p:nvPr>
+        </p:nvPicPr>
+        <p:blipFill>
+          <a:blip r:embed="rId1"/>
+          <a:stretch>
+            <a:fillRect/>
+          </a:stretch>
+        </p:blipFill>
+        <p:spPr>
+          <a:xfrm>
+            <a:off x="8772525" y="1499870"/>
+            <a:ext cx="2809875" cy="3190875"/>
+          </a:xfrm>
+          <a:prstGeom prst="rect">
+            <a:avLst/>
+          </a:prstGeom>
+          <a:noFill/>
+          <a:ln>
+            <a:noFill/>
+          </a:ln>
+        </p:spPr>
+      </p:pic>
+      <p:sp>
+        <p:nvSpPr>
+          <p:cNvPr id="11" name="Content Placeholder 2"/>
+          <p:cNvSpPr>
+            <a:spLocks noGrp="1"/>
+          </p:cNvSpPr>
+          <p:nvPr/>
+        </p:nvSpPr>
+        <p:spPr>
+          <a:xfrm>
+            <a:off x="609600" y="952500"/>
+            <a:ext cx="10972800" cy="4953000"/>
+          </a:xfrm>
+          <a:prstGeom prst="rect">
+            <a:avLst/>
+          </a:prstGeom>
+          <a:noFill/>
+          <a:ln w="9525">
+            <a:noFill/>
+          </a:ln>
+        </p:spPr>
+        <p:txBody>
+          <a:bodyPr/>
+          <a:lstStyle>
+            <a:lvl1pPr marL="342900" indent="-342900" algn="l" rtl="0" fontAlgn="base">
+              <a:spcBef>
+                <a:spcPct val="20000"/>
+              </a:spcBef>
+              <a:spcAft>
+                <a:spcPct val="0"/>
+              </a:spcAft>
+              <a:buChar char="•"/>
+              <a:defRPr sz="3200" kern="1200">
+                <a:solidFill>
+                  <a:schemeClr val="tx1"/>
+                </a:solidFill>
+                <a:latin typeface="+mn-lt"/>
+                <a:ea typeface="+mn-ea"/>
+                <a:cs typeface="+mn-cs"/>
+              </a:defRPr>
+            </a:lvl1pPr>
+            <a:lvl2pPr marL="742950" indent="-285750" algn="l" rtl="0" fontAlgn="base">
+              <a:spcBef>
+                <a:spcPct val="20000"/>
+              </a:spcBef>
+              <a:spcAft>
+                <a:spcPct val="0"/>
+              </a:spcAft>
+              <a:buChar char="–"/>
+              <a:defRPr sz="2800" kern="1200">
+                <a:solidFill>
+                  <a:schemeClr val="tx1"/>
+                </a:solidFill>
+                <a:latin typeface="+mn-lt"/>
+                <a:ea typeface="+mn-ea"/>
+                <a:cs typeface="+mn-cs"/>
+              </a:defRPr>
+            </a:lvl2pPr>
+            <a:lvl3pPr marL="1143000" indent="-228600" algn="l" rtl="0" fontAlgn="base">
+              <a:spcBef>
+                <a:spcPct val="20000"/>
+              </a:spcBef>
+              <a:spcAft>
+                <a:spcPct val="0"/>
+              </a:spcAft>
+              <a:buChar char="•"/>
+              <a:defRPr sz="2400" kern="1200">
+                <a:solidFill>
+                  <a:schemeClr val="tx1"/>
+                </a:solidFill>
+                <a:latin typeface="+mn-lt"/>
+                <a:ea typeface="+mn-ea"/>
+                <a:cs typeface="+mn-cs"/>
+              </a:defRPr>
+            </a:lvl3pPr>
+            <a:lvl4pPr marL="1600200" indent="-228600" algn="l" rtl="0" fontAlgn="base">
+              <a:spcBef>
+                <a:spcPct val="20000"/>
+              </a:spcBef>
+              <a:spcAft>
+                <a:spcPct val="0"/>
+              </a:spcAft>
+              <a:buChar char="–"/>
+              <a:defRPr sz="2000" kern="1200">
+                <a:solidFill>
+                  <a:schemeClr val="tx1"/>
+                </a:solidFill>
+                <a:latin typeface="+mn-lt"/>
+                <a:ea typeface="+mn-ea"/>
+                <a:cs typeface="+mn-cs"/>
+              </a:defRPr>
+            </a:lvl4pPr>
+            <a:lvl5pPr marL="2057400" indent="-228600" algn="l" rtl="0" fontAlgn="base">
+              <a:spcBef>
+                <a:spcPct val="20000"/>
+              </a:spcBef>
+              <a:spcAft>
+                <a:spcPct val="0"/>
+              </a:spcAft>
+              <a:buChar char="»"/>
+              <a:defRPr sz="2000" kern="1200">
+                <a:solidFill>
+                  <a:schemeClr val="tx1"/>
+                </a:solidFill>
+                <a:latin typeface="+mn-lt"/>
+                <a:ea typeface="+mn-ea"/>
+                <a:cs typeface="+mn-cs"/>
+              </a:defRPr>
+            </a:lvl5pPr>
+            <a:lvl6pPr marL="2514600" indent="-228600" algn="l" defTabSz="914400" rtl="0" eaLnBrk="1" latinLnBrk="0" hangingPunct="1">
+              <a:lnSpc>
+                <a:spcPct val="90000"/>
+              </a:lnSpc>
+              <a:spcBef>
+                <a:spcPts val="500"/>
+              </a:spcBef>
+              <a:buFont typeface="Arial" panose="020B0604020202020204" pitchFamily="34" charset="0"/>
+              <a:buChar char="•"/>
+              <a:defRPr sz="1800" kern="1200">
+                <a:solidFill>
+                  <a:schemeClr val="tx1"/>
+                </a:solidFill>
+                <a:latin typeface="+mn-lt"/>
+                <a:ea typeface="+mn-ea"/>
+                <a:cs typeface="+mn-cs"/>
+              </a:defRPr>
+            </a:lvl6pPr>
+            <a:lvl7pPr marL="2971800" indent="-228600" algn="l" defTabSz="914400" rtl="0" eaLnBrk="1" latinLnBrk="0" hangingPunct="1">
+              <a:lnSpc>
+                <a:spcPct val="90000"/>
+              </a:lnSpc>
+              <a:spcBef>
+                <a:spcPts val="500"/>
+              </a:spcBef>
+              <a:buFont typeface="Arial" panose="020B0604020202020204" pitchFamily="34" charset="0"/>
+              <a:buChar char="•"/>
+              <a:defRPr sz="1800" kern="1200">
+                <a:solidFill>
+                  <a:schemeClr val="tx1"/>
+                </a:solidFill>
+                <a:latin typeface="+mn-lt"/>
+                <a:ea typeface="+mn-ea"/>
+                <a:cs typeface="+mn-cs"/>
+              </a:defRPr>
+            </a:lvl7pPr>
+            <a:lvl8pPr marL="3429000" indent="-228600" algn="l" defTabSz="914400" rtl="0" eaLnBrk="1" latinLnBrk="0" hangingPunct="1">
+              <a:lnSpc>
+                <a:spcPct val="90000"/>
+              </a:lnSpc>
+              <a:spcBef>
+                <a:spcPts val="500"/>
+              </a:spcBef>
+              <a:buFont typeface="Arial" panose="020B0604020202020204" pitchFamily="34" charset="0"/>
+              <a:buChar char="•"/>
+              <a:defRPr sz="1800" kern="1200">
+                <a:solidFill>
+                  <a:schemeClr val="tx1"/>
+                </a:solidFill>
+                <a:latin typeface="+mn-lt"/>
+                <a:ea typeface="+mn-ea"/>
+                <a:cs typeface="+mn-cs"/>
+              </a:defRPr>
+            </a:lvl8pPr>
+            <a:lvl9pPr marL="3886200" indent="-228600" algn="l" defTabSz="914400" rtl="0" eaLnBrk="1" latinLnBrk="0" hangingPunct="1">
+              <a:lnSpc>
+                <a:spcPct val="90000"/>
+              </a:lnSpc>
+              <a:spcBef>
+                <a:spcPts val="500"/>
+              </a:spcBef>
+              <a:buFont typeface="Arial" panose="020B0604020202020204" pitchFamily="34" charset="0"/>
+              <a:buChar char="•"/>
+              <a:defRPr sz="1800" kern="1200">
+                <a:solidFill>
+                  <a:schemeClr val="tx1"/>
+                </a:solidFill>
+                <a:latin typeface="+mn-lt"/>
+                <a:ea typeface="+mn-ea"/>
+                <a:cs typeface="+mn-cs"/>
+              </a:defRPr>
+            </a:lvl9pPr>
+          </a:lstStyle>
+          <a:p>
+            <a:r>
+              <a:rPr lang="ru-RU" altLang="en-US"/>
+              <a:t>Порядок поиска загрузочных дисков </a:t>
+            </a:r>
+            <a:endParaRPr lang="ru-RU" altLang="en-US"/>
+          </a:p>
+          <a:p>
+            <a:pPr marL="0" indent="0">
+              <a:buNone/>
+            </a:pPr>
+            <a:r>
+              <a:rPr lang="ru-RU" altLang="en-US"/>
+              <a:t>можно задать в </a:t>
+            </a:r>
+            <a:r>
+              <a:rPr lang="en-US" altLang="ru-RU"/>
+              <a:t>BIOS &gt; SETUP</a:t>
+            </a:r>
+            <a:endParaRPr lang="ru-RU" altLang="en-US"/>
+          </a:p>
+          <a:p>
+            <a:r>
+              <a:rPr lang="ru-RU" altLang="en-US"/>
+              <a:t>Запускает первый найденный </a:t>
+            </a:r>
+            <a:endParaRPr lang="ru-RU" altLang="en-US"/>
+          </a:p>
+          <a:p>
+            <a:pPr marL="0" indent="0">
+              <a:buNone/>
+            </a:pPr>
+            <a:r>
+              <a:rPr lang="ru-RU" altLang="en-US"/>
+              <a:t>загрузочный диск</a:t>
+            </a:r>
+            <a:endParaRPr lang="ru-RU" altLang="en-US"/>
+          </a:p>
+          <a:p>
+            <a:endParaRPr lang="ru-RU" altLang="en-US"/>
+          </a:p>
+        </p:txBody>
+      </p:sp>
+    </p:spTree>
+  </p:cSld>
+  <p:clrMapOvr>
+    <a:masterClrMapping/>
+  </p:clrMapOvr>
+</p:sld>
+</file>
+
+<file path=ppt/slides/slide6.xml><?xml version="1.0" encoding="utf-8"?>
+<p:sld xmlns:a="http://schemas.openxmlformats.org/drawingml/2006/main" xmlns:r="http://schemas.openxmlformats.org/officeDocument/2006/relationships" xmlns:p="http://schemas.openxmlformats.org/presentationml/2006/main">
+  <p:cSld>
+    <p:spTree>
+      <p:nvGrpSpPr>
+        <p:cNvPr id="1" name=""/>
+        <p:cNvGrpSpPr/>
+        <p:nvPr/>
+      </p:nvGrpSpPr>
+      <p:grpSpPr/>
+      <p:sp>
+        <p:nvSpPr>
+          <p:cNvPr id="2" name="Title 1"/>
+          <p:cNvSpPr>
+            <a:spLocks noGrp="1"/>
+          </p:cNvSpPr>
+          <p:nvPr>
+            <p:ph type="title"/>
+          </p:nvPr>
+        </p:nvSpPr>
+        <p:spPr/>
+        <p:txBody>
+          <a:bodyPr/>
+          <a:p>
+            <a:r>
+              <a:rPr lang="ru-RU" altLang="en-US" b="1"/>
+              <a:t>Загрузочный сектор</a:t>
+            </a:r>
+            <a:endParaRPr lang="ru-RU" altLang="en-US" b="1"/>
+          </a:p>
+        </p:txBody>
+      </p:sp>
+      <p:sp>
+        <p:nvSpPr>
+          <p:cNvPr id="3" name="Content Placeholder 2"/>
+          <p:cNvSpPr>
+            <a:spLocks noGrp="1"/>
+          </p:cNvSpPr>
+          <p:nvPr>
+            <p:ph idx="1"/>
+          </p:nvPr>
+        </p:nvSpPr>
+        <p:spPr/>
+        <p:txBody>
+          <a:bodyPr/>
+          <a:p>
+            <a:r>
+              <a:rPr lang="ru-RU" altLang="en-US"/>
+              <a:t>Это первый сектор загрузочного диска, конечное слово которого равно </a:t>
+            </a:r>
+            <a:r>
+              <a:rPr lang="en-US" altLang="ru-RU"/>
+              <a:t>0xAA55.</a:t>
+            </a:r>
+            <a:endParaRPr lang="en-US" altLang="ru-RU"/>
+          </a:p>
+          <a:p>
+            <a:r>
+              <a:rPr lang="ru-RU" altLang="en-US"/>
+              <a:t>Размер загрузочного сектора равен 512 байт.</a:t>
+            </a:r>
+            <a:endParaRPr lang="ru-RU" altLang="en-US"/>
+          </a:p>
+        </p:txBody>
+      </p:sp>
+      <p:pic>
+        <p:nvPicPr>
+          <p:cNvPr id="8" name="Picture 8" descr="boot_sector"/>
+          <p:cNvPicPr>
+            <a:picLocks noChangeAspect="1"/>
+          </p:cNvPicPr>
+          <p:nvPr/>
+        </p:nvPicPr>
+        <p:blipFill>
+          <a:blip r:embed="rId1"/>
+          <a:stretch>
+            <a:fillRect/>
+          </a:stretch>
+        </p:blipFill>
+        <p:spPr>
+          <a:xfrm>
+            <a:off x="360045" y="3827780"/>
+            <a:ext cx="11472545" cy="2299970"/>
+          </a:xfrm>
+          <a:prstGeom prst="rect">
+            <a:avLst/>
+          </a:prstGeom>
+          <a:noFill/>
+          <a:ln w="9525">
+            <a:noFill/>
+          </a:ln>
+        </p:spPr>
+      </p:pic>
+    </p:spTree>
+  </p:cSld>
+  <p:clrMapOvr>
+    <a:masterClrMapping/>
+  </p:clrMapOvr>
+</p:sld>
+</file>
+
+<file path=ppt/slides/slide7.xml><?xml version="1.0" encoding="utf-8"?>
+<p:sld xmlns:a="http://schemas.openxmlformats.org/drawingml/2006/main" xmlns:r="http://schemas.openxmlformats.org/officeDocument/2006/relationships" xmlns:p="http://schemas.openxmlformats.org/presentationml/2006/main">
+  <p:cSld>
+    <p:spTree>
+      <p:nvGrpSpPr>
+        <p:cNvPr id="1" name=""/>
+        <p:cNvGrpSpPr/>
+        <p:nvPr/>
+      </p:nvGrpSpPr>
+      <p:grpSpPr/>
+      <p:sp>
+        <p:nvSpPr>
+          <p:cNvPr id="2" name="Title 1"/>
+          <p:cNvSpPr>
+            <a:spLocks noGrp="1"/>
+          </p:cNvSpPr>
+          <p:nvPr>
+            <p:ph type="title"/>
+          </p:nvPr>
+        </p:nvSpPr>
+        <p:spPr>
+          <a:xfrm>
+            <a:off x="609600" y="190500"/>
+            <a:ext cx="10972800" cy="582613"/>
+          </a:xfrm>
+        </p:spPr>
+        <p:txBody>
+          <a:bodyPr/>
+          <a:p>
+            <a:r>
+              <a:rPr lang="ru-RU" altLang="en-US" b="1"/>
+              <a:t>Обратная совместимость в ЦП</a:t>
+            </a:r>
+            <a:endParaRPr lang="ru-RU" altLang="en-US" b="1"/>
+          </a:p>
+        </p:txBody>
+      </p:sp>
+      <p:sp>
+        <p:nvSpPr>
+          <p:cNvPr id="3" name="Content Placeholder 2"/>
+          <p:cNvSpPr>
+            <a:spLocks noGrp="1"/>
+          </p:cNvSpPr>
+          <p:nvPr>
+            <p:ph idx="1"/>
+          </p:nvPr>
+        </p:nvSpPr>
+        <p:spPr/>
+        <p:txBody>
+          <a:bodyPr/>
+          <a:p>
+            <a:pPr marL="0" indent="0">
+              <a:buNone/>
+            </a:pPr>
+            <a:r>
+              <a:rPr lang="ru-RU" altLang="en-US"/>
+              <a:t>Программы написанные в 16-</a:t>
+            </a:r>
+            <a:r>
+              <a:rPr lang="en-US" altLang="ru-RU"/>
+              <a:t>bit </a:t>
+            </a:r>
+            <a:r>
+              <a:rPr lang="ru-RU" altLang="en-US"/>
+              <a:t>системах должны работать и в 32</a:t>
+            </a:r>
+            <a:r>
+              <a:rPr lang="en-US" altLang="ru-RU"/>
+              <a:t>/64</a:t>
+            </a:r>
+            <a:r>
+              <a:rPr lang="ru-RU" altLang="en-US"/>
+              <a:t>-</a:t>
+            </a:r>
+            <a:r>
+              <a:rPr lang="en-US" altLang="ru-RU"/>
+              <a:t>bit </a:t>
+            </a:r>
+            <a:r>
+              <a:rPr lang="ru-RU" altLang="en-US"/>
+              <a:t>процессорах</a:t>
+            </a:r>
+            <a:endParaRPr lang="ru-RU" altLang="en-US"/>
+          </a:p>
+          <a:p>
+            <a:pPr marL="0" indent="0">
+              <a:buNone/>
+            </a:pPr>
+            <a:endParaRPr lang="en-US" altLang="ru-RU"/>
+          </a:p>
+          <a:p>
+            <a:pPr marL="0" indent="0">
+              <a:buNone/>
+            </a:pPr>
+            <a:endParaRPr lang="en-US" altLang="ru-RU"/>
+          </a:p>
+          <a:p>
+            <a:pPr marL="0" indent="0">
+              <a:buNone/>
+            </a:pPr>
+            <a:r>
+              <a:rPr lang="ru-RU" altLang="en-US" b="1"/>
+              <a:t>Решение предложенное </a:t>
+            </a:r>
+            <a:r>
+              <a:rPr lang="en-US" altLang="ru-RU" b="1"/>
+              <a:t>Intel</a:t>
+            </a:r>
+            <a:endParaRPr lang="en-US" altLang="ru-RU"/>
+          </a:p>
+          <a:p>
+            <a:r>
+              <a:rPr lang="ru-RU" altLang="en-US"/>
+              <a:t>Первоначальная загрузка процессора в 16-</a:t>
+            </a:r>
+            <a:r>
+              <a:rPr lang="en-US" altLang="ru-RU"/>
+              <a:t>bit </a:t>
+            </a:r>
+            <a:r>
+              <a:rPr lang="ru-RU" altLang="en-US"/>
+              <a:t>режиме</a:t>
+            </a:r>
+            <a:endParaRPr lang="ru-RU" altLang="en-US"/>
+          </a:p>
+          <a:p>
+            <a:r>
+              <a:rPr lang="ru-RU" altLang="en-US"/>
+              <a:t>Подготовка к 32-</a:t>
+            </a:r>
+            <a:r>
+              <a:rPr lang="en-US" altLang="ru-RU"/>
+              <a:t>bit </a:t>
+            </a:r>
+            <a:r>
+              <a:rPr lang="ru-RU" altLang="en-US"/>
+              <a:t>режиму</a:t>
+            </a:r>
+            <a:endParaRPr lang="ru-RU" altLang="en-US"/>
+          </a:p>
+          <a:p>
+            <a:r>
+              <a:rPr lang="ru-RU" altLang="en-US"/>
+              <a:t>Переход в 32-</a:t>
+            </a:r>
+            <a:r>
+              <a:rPr lang="en-US" altLang="ru-RU"/>
+              <a:t>bit </a:t>
+            </a:r>
+            <a:r>
+              <a:rPr lang="ru-RU" altLang="en-US"/>
+              <a:t>режим</a:t>
+            </a:r>
+            <a:endParaRPr lang="ru-RU" altLang="en-US"/>
+          </a:p>
+        </p:txBody>
+      </p:sp>
+    </p:spTree>
+  </p:cSld>
+  <p:clrMapOvr>
+    <a:masterClrMapping/>
+  </p:clrMapOvr>
+</p:sld>
+</file>
+
+<file path=ppt/slides/slide8.xml><?xml version="1.0" encoding="utf-8"?>
+<p:sld xmlns:a="http://schemas.openxmlformats.org/drawingml/2006/main" xmlns:r="http://schemas.openxmlformats.org/officeDocument/2006/relationships" xmlns:p="http://schemas.openxmlformats.org/presentationml/2006/main">
+  <p:cSld>
+    <p:spTree>
+      <p:nvGrpSpPr>
+        <p:cNvPr id="1" name=""/>
+        <p:cNvGrpSpPr/>
+        <p:nvPr/>
+      </p:nvGrpSpPr>
+      <p:grpSpPr/>
+      <p:sp>
+        <p:nvSpPr>
+          <p:cNvPr id="2" name="Title 1"/>
+          <p:cNvSpPr>
+            <a:spLocks noGrp="1"/>
+          </p:cNvSpPr>
+          <p:nvPr>
+            <p:ph type="title"/>
+          </p:nvPr>
+        </p:nvSpPr>
+        <p:spPr/>
+        <p:txBody>
+          <a:bodyPr/>
+          <a:p>
+            <a:r>
+              <a:rPr lang="ru-RU" b="1"/>
+              <a:t>Режимы ЦП </a:t>
+            </a:r>
+            <a:endParaRPr lang="en-US" altLang="ru-RU" b="1"/>
+          </a:p>
+        </p:txBody>
+      </p:sp>
+      <p:sp>
+        <p:nvSpPr>
+          <p:cNvPr id="3" name="Content Placeholder 2"/>
+          <p:cNvSpPr>
+            <a:spLocks noGrp="1"/>
+          </p:cNvSpPr>
+          <p:nvPr>
+            <p:ph idx="1"/>
+          </p:nvPr>
+        </p:nvSpPr>
+        <p:spPr>
+          <a:xfrm>
+            <a:off x="609600" y="952500"/>
+            <a:ext cx="10972800" cy="5448300"/>
+          </a:xfrm>
+        </p:spPr>
+        <p:txBody>
+          <a:bodyPr/>
+          <a:p>
+            <a:pPr marL="0" indent="0">
+              <a:buNone/>
+            </a:pPr>
+            <a:r>
+              <a:rPr lang="en-US" altLang="ru-RU" b="1"/>
+              <a:t>16-bit </a:t>
+            </a:r>
+            <a:r>
+              <a:rPr lang="ru-RU" altLang="en-US" b="1"/>
+              <a:t>реальный режим</a:t>
+            </a:r>
+            <a:endParaRPr lang="ru-RU" altLang="en-US" b="1"/>
+          </a:p>
+          <a:p>
+            <a:r>
+              <a:rPr lang="ru-RU" altLang="en-US"/>
+              <a:t>Прямой доступ к памяти</a:t>
+            </a:r>
+            <a:endParaRPr lang="ru-RU" altLang="en-US"/>
+          </a:p>
+          <a:p>
+            <a:r>
+              <a:rPr lang="ru-RU" altLang="en-US"/>
+              <a:t>Обработка прерываний </a:t>
+            </a:r>
+            <a:r>
+              <a:rPr lang="en-US" altLang="ru-RU"/>
+              <a:t>BIOS</a:t>
+            </a:r>
+            <a:endParaRPr lang="en-US" altLang="ru-RU"/>
+          </a:p>
+          <a:p>
+            <a:r>
+              <a:rPr lang="ru-RU" altLang="en-US"/>
+              <a:t>Размер адресов 16 </a:t>
+            </a:r>
+            <a:r>
+              <a:rPr lang="en-US" altLang="ru-RU"/>
+              <a:t>bit</a:t>
+            </a:r>
+            <a:r>
+              <a:rPr lang="ru-RU" altLang="en-US"/>
+              <a:t> = 2 байта</a:t>
+            </a:r>
+            <a:endParaRPr lang="ru-RU" altLang="en-US"/>
+          </a:p>
+          <a:p>
+            <a:pPr marL="0" indent="0">
+              <a:buNone/>
+            </a:pPr>
+            <a:endParaRPr lang="ru-RU" altLang="en-US"/>
+          </a:p>
+          <a:p>
+            <a:pPr marL="0" indent="0">
+              <a:buNone/>
+            </a:pPr>
+            <a:r>
+              <a:rPr lang="en-US" altLang="ru-RU" b="1"/>
+              <a:t>32</a:t>
+            </a:r>
+            <a:r>
+              <a:rPr lang="ru-RU" altLang="en-US" b="1"/>
+              <a:t>-</a:t>
+            </a:r>
+            <a:r>
+              <a:rPr lang="en-US" altLang="ru-RU" b="1"/>
+              <a:t>bit </a:t>
+            </a:r>
+            <a:r>
+              <a:rPr lang="ru-RU" altLang="en-US" b="1"/>
+              <a:t>защищенный режим</a:t>
+            </a:r>
+            <a:endParaRPr lang="ru-RU" altLang="en-US" b="1"/>
+          </a:p>
+          <a:p>
+            <a:r>
+              <a:rPr lang="ru-RU" altLang="en-US"/>
+              <a:t>Защищенный доступ к памяти</a:t>
+            </a:r>
+            <a:endParaRPr lang="ru-RU" altLang="en-US" b="1"/>
+          </a:p>
+          <a:p>
+            <a:r>
+              <a:rPr lang="ru-RU" altLang="en-US"/>
+              <a:t>Обработка прерываний ядром</a:t>
+            </a:r>
+            <a:endParaRPr lang="ru-RU" altLang="en-US"/>
+          </a:p>
+          <a:p>
+            <a:r>
+              <a:rPr lang="ru-RU" altLang="en-US"/>
+              <a:t>Размер адресов 32 </a:t>
+            </a:r>
+            <a:r>
+              <a:rPr lang="en-US" altLang="ru-RU"/>
+              <a:t>bit = </a:t>
+            </a:r>
+            <a:r>
+              <a:rPr lang="ru-RU" altLang="en-US"/>
+              <a:t>4 байта</a:t>
+            </a:r>
+            <a:endParaRPr lang="ru-RU" altLang="en-US"/>
+          </a:p>
+          <a:p>
+            <a:endParaRPr lang="ru-RU" altLang="en-US"/>
+          </a:p>
+          <a:p>
+            <a:endParaRPr lang="ru-RU" altLang="en-US"/>
+          </a:p>
+        </p:txBody>
+      </p:sp>
+    </p:spTree>
+  </p:cSld>
+  <p:clrMapOvr>
+    <a:masterClrMapping/>
+  </p:clrMapOvr>
+</p:sld>
+</file>
+
+<file path=ppt/slides/slide9.xml><?xml version="1.0" encoding="utf-8"?>
+<p:sld xmlns:a="http://schemas.openxmlformats.org/drawingml/2006/main" xmlns:r="http://schemas.openxmlformats.org/officeDocument/2006/relationships" xmlns:p="http://schemas.openxmlformats.org/presentationml/2006/main">
+  <p:cSld>
+    <p:spTree>
+      <p:nvGrpSpPr>
+        <p:cNvPr id="1" name=""/>
+        <p:cNvGrpSpPr/>
+        <p:nvPr/>
+      </p:nvGrpSpPr>
+      <p:grpSpPr/>
+      <p:sp>
+        <p:nvSpPr>
+          <p:cNvPr id="2" name="Title 1"/>
+          <p:cNvSpPr>
+            <a:spLocks noGrp="1"/>
+          </p:cNvSpPr>
+          <p:nvPr>
+            <p:ph type="title"/>
+          </p:nvPr>
+        </p:nvSpPr>
+        <p:spPr/>
+        <p:txBody>
+          <a:bodyPr/>
+          <a:p>
+            <a:r>
+              <a:rPr lang="ru-RU" altLang="en-US" b="1"/>
+              <a:t>Программирование в </a:t>
+            </a:r>
+            <a:r>
+              <a:rPr lang="en-US" altLang="ru-RU" b="1"/>
+              <a:t>16-bit </a:t>
+            </a:r>
+            <a:r>
+              <a:rPr lang="ru-RU" altLang="en-US" b="1"/>
+              <a:t>реальном режиме</a:t>
+            </a:r>
+            <a:endParaRPr lang="ru-RU" altLang="en-US" b="1"/>
+          </a:p>
+        </p:txBody>
+      </p:sp>
+      <p:sp>
+        <p:nvSpPr>
+          <p:cNvPr id="7" name="Content Placeholder 6"/>
+          <p:cNvSpPr/>
+          <p:nvPr>
+            <p:ph idx="1"/>
+          </p:nvPr>
+        </p:nvSpPr>
+        <p:spPr/>
+        <p:txBody>
+          <a:bodyPr/>
+          <a:p>
+            <a:r>
+              <a:rPr lang="ru-RU" altLang="en-US"/>
+              <a:t>Использование обработчиков прерываний </a:t>
+            </a:r>
+            <a:r>
+              <a:rPr lang="en-US" altLang="ru-RU"/>
+              <a:t>BIOS</a:t>
+            </a:r>
+            <a:endParaRPr lang="en-US" altLang="ru-RU"/>
+          </a:p>
+          <a:p>
+            <a:r>
+              <a:rPr lang="ru-RU" altLang="en-US"/>
+              <a:t>Прямая адресация ячеек памяти</a:t>
+            </a:r>
+            <a:endParaRPr lang="ru-RU" altLang="en-US"/>
+          </a:p>
+          <a:p>
+            <a:endParaRPr lang="en-US" altLang="ru-RU"/>
+          </a:p>
+          <a:p>
+            <a:endParaRPr lang="ru-RU" altLang="en-US"/>
           </a:p>
         </p:txBody>
       </p:sp>
@@ -3574,116 +6384,56 @@
 </file>
 
 <file path=ppt/theme/theme1.xml><?xml version="1.0" encoding="utf-8"?>
-<a:theme xmlns:a="http://schemas.openxmlformats.org/drawingml/2006/main" name="Office Theme">
+<a:theme xmlns:a="http://schemas.openxmlformats.org/drawingml/2006/main" name="Communications and Dialogues">
   <a:themeElements>
-    <a:clrScheme name="Office">
+    <a:clrScheme name="Communications and Dialogues 13">
       <a:dk1>
-        <a:sysClr val="windowText" lastClr="000000"/>
+        <a:srgbClr val="000000"/>
       </a:dk1>
       <a:lt1>
-        <a:sysClr val="window" lastClr="FFFFFF"/>
+        <a:srgbClr val="FFFFFF"/>
       </a:lt1>
       <a:dk2>
-        <a:srgbClr val="44546A"/>
+        <a:srgbClr val="000000"/>
       </a:dk2>
       <a:lt2>
-        <a:srgbClr val="E7E6E6"/>
+        <a:srgbClr val="969696"/>
       </a:lt2>
       <a:accent1>
-        <a:srgbClr val="5B9BD5"/>
+        <a:srgbClr val="0066CC"/>
       </a:accent1>
       <a:accent2>
-        <a:srgbClr val="ED7D31"/>
+        <a:srgbClr val="3399FF"/>
       </a:accent2>
       <a:accent3>
-        <a:srgbClr val="A5A5A5"/>
+        <a:srgbClr val="FFFFFF"/>
       </a:accent3>
       <a:accent4>
-        <a:srgbClr val="FFC000"/>
+        <a:srgbClr val="000000"/>
       </a:accent4>
       <a:accent5>
-        <a:srgbClr val="4472C4"/>
+        <a:srgbClr val="AAB8E2"/>
       </a:accent5>
       <a:accent6>
-        <a:srgbClr val="70AD47"/>
+        <a:srgbClr val="2D8AE7"/>
       </a:accent6>
       <a:hlink>
-        <a:srgbClr val="0563C1"/>
+        <a:srgbClr val="CC3300"/>
       </a:hlink>
       <a:folHlink>
-        <a:srgbClr val="954F72"/>
+        <a:srgbClr val="996600"/>
       </a:folHlink>
     </a:clrScheme>
-    <a:fontScheme name="Arial Black-Arial">
+    <a:fontScheme name="Communications and Dialogues">
       <a:majorFont>
-        <a:latin typeface="Arial Black"/>
-        <a:ea typeface=""/>
+        <a:latin typeface="Arial"/>
+        <a:ea typeface="SimSun"/>
         <a:cs typeface=""/>
-        <a:font script="Jpan" typeface="ＭＳ ゴシック"/>
-        <a:font script="Hang" typeface="굴림"/>
-        <a:font script="Hans" typeface="宋体"/>
-        <a:font script="Hant" typeface="新細明體"/>
-        <a:font script="Arab" typeface="Tahoma"/>
-        <a:font script="Hebr" typeface="Tahoma"/>
-        <a:font script="Thai" typeface="FreesiaUPC"/>
-        <a:font script="Ethi" typeface="Nyala"/>
-        <a:font script="Beng" typeface="Vrinda"/>
-        <a:font script="Gujr" typeface="Shruti"/>
-        <a:font script="Khmr" typeface="DaunPenh"/>
-        <a:font script="Knda" typeface="Tunga"/>
-        <a:font script="Guru" typeface="Raavi"/>
-        <a:font script="Cans" typeface="Euphemia"/>
-        <a:font script="Cher" typeface="Plantagenet Cherokee"/>
-        <a:font script="Yiii" typeface="Microsoft Yi Baiti"/>
-        <a:font script="Tibt" typeface="Microsoft Himalaya"/>
-        <a:font script="Thaa" typeface="MV Boli"/>
-        <a:font script="Deva" typeface="Mangal"/>
-        <a:font script="Telu" typeface="Gautami"/>
-        <a:font script="Taml" typeface="Latha"/>
-        <a:font script="Syrc" typeface="Estrangelo Edessa"/>
-        <a:font script="Orya" typeface="Kalinga"/>
-        <a:font script="Mlym" typeface="Kartika"/>
-        <a:font script="Laoo" typeface="DokChampa"/>
-        <a:font script="Sinh" typeface="Iskoola Pota"/>
-        <a:font script="Mong" typeface="Mongolian Baiti"/>
-        <a:font script="Viet" typeface="Verdana"/>
-        <a:font script="Uigh" typeface="Microsoft Uighur"/>
-        <a:font script="Geor" typeface="Sylfaen"/>
       </a:majorFont>
       <a:minorFont>
         <a:latin typeface="Arial"/>
-        <a:ea typeface=""/>
+        <a:ea typeface="SimSun"/>
         <a:cs typeface=""/>
-        <a:font script="Jpan" typeface="ＭＳ Ｐゴシック"/>
-        <a:font script="Hang" typeface="굴림"/>
-        <a:font script="Hans" typeface="宋体"/>
-        <a:font script="Hant" typeface="新細明體"/>
-        <a:font script="Arab" typeface="Arial"/>
-        <a:font script="Hebr" typeface="Arial"/>
-        <a:font script="Thai" typeface="Cordia New"/>
-        <a:font script="Ethi" typeface="Nyala"/>
-        <a:font script="Beng" typeface="Vrinda"/>
-        <a:font script="Gujr" typeface="Shruti"/>
-        <a:font script="Khmr" typeface="DaunPenh"/>
-        <a:font script="Knda" typeface="Tunga"/>
-        <a:font script="Guru" typeface="Raavi"/>
-        <a:font script="Cans" typeface="Euphemia"/>
-        <a:font script="Cher" typeface="Plantagenet Cherokee"/>
-        <a:font script="Yiii" typeface="Microsoft Yi Baiti"/>
-        <a:font script="Tibt" typeface="Microsoft Himalaya"/>
-        <a:font script="Thaa" typeface="MV Boli"/>
-        <a:font script="Deva" typeface="Mangal"/>
-        <a:font script="Telu" typeface="Gautami"/>
-        <a:font script="Taml" typeface="Latha"/>
-        <a:font script="Syrc" typeface="Estrangelo Edessa"/>
-        <a:font script="Orya" typeface="Kalinga"/>
-        <a:font script="Mlym" typeface="Kartika"/>
-        <a:font script="Laoo" typeface="DokChampa"/>
-        <a:font script="Sinh" typeface="Iskoola Pota"/>
-        <a:font script="Mong" typeface="Mongolian Baiti"/>
-        <a:font script="Viet" typeface="Arial"/>
-        <a:font script="Uigh" typeface="Microsoft Uighur"/>
-        <a:font script="Geor" typeface="Sylfaen"/>
       </a:minorFont>
     </a:fontScheme>
     <a:fmtScheme name="Office">
@@ -3824,6 +6574,673 @@
       </a:bgFillStyleLst>
     </a:fmtScheme>
   </a:themeElements>
+  <a:objectDefaults>
+    <a:spDef>
+      <a:spPr bwMode="auto">
+        <a:xfrm>
+          <a:off x="0" y="0"/>
+          <a:ext cx="1" cy="1"/>
+        </a:xfrm>
+        <a:custGeom>
+          <a:avLst/>
+          <a:gdLst/>
+          <a:ahLst/>
+          <a:cxnLst/>
+          <a:rect l="0" t="0" r="0" b="0"/>
+          <a:pathLst/>
+        </a:custGeom>
+        <a:gradFill rotWithShape="0">
+          <a:gsLst>
+            <a:gs pos="0">
+              <a:schemeClr val="accent1"/>
+            </a:gs>
+            <a:gs pos="100000">
+              <a:schemeClr val="accent2"/>
+            </a:gs>
+          </a:gsLst>
+          <a:lin ang="5400000" scaled="1"/>
+        </a:gradFill>
+        <a:ln w="9525" cap="flat" cmpd="sng" algn="ctr">
+          <a:solidFill>
+            <a:schemeClr val="accent1"/>
+          </a:solidFill>
+          <a:prstDash val="solid"/>
+          <a:round/>
+          <a:headEnd type="none" w="med" len="med"/>
+          <a:tailEnd type="none" w="med" len="med"/>
+        </a:ln>
+      </a:spPr>
+      <a:bodyPr vert="horz" wrap="none" lIns="91440" tIns="45720" rIns="91440" bIns="45720" numCol="1" anchor="ctr" anchorCtr="0" compatLnSpc="1"/>
+      <a:lstStyle>
+        <a:defPPr marL="0" marR="0" indent="0" algn="l" defTabSz="914400" rtl="0" eaLnBrk="1" fontAlgn="base" latinLnBrk="0" hangingPunct="1">
+          <a:lnSpc>
+            <a:spcPct val="100000"/>
+          </a:lnSpc>
+          <a:spcBef>
+            <a:spcPct val="0"/>
+          </a:spcBef>
+          <a:spcAft>
+            <a:spcPct val="0"/>
+          </a:spcAft>
+          <a:buClrTx/>
+          <a:buSzTx/>
+          <a:buFontTx/>
+          <a:buNone/>
+          <a:defRPr kumimoji="0" lang="zh-CN" altLang="en-US" sz="1800" b="0" i="0" u="none" strike="noStrike" cap="none" normalizeH="0" baseline="0" smtClean="0">
+            <a:ln>
+              <a:noFill/>
+            </a:ln>
+            <a:solidFill>
+              <a:schemeClr val="tx1"/>
+            </a:solidFill>
+            <a:effectLst/>
+            <a:latin typeface="Arial" panose="020B0604020202020204" pitchFamily="34" charset="0"/>
+            <a:ea typeface="SimSun" panose="02010600030101010101" pitchFamily="2" charset="-122"/>
+          </a:defRPr>
+        </a:defPPr>
+      </a:lstStyle>
+    </a:spDef>
+    <a:lnDef>
+      <a:spPr bwMode="auto">
+        <a:xfrm>
+          <a:off x="0" y="0"/>
+          <a:ext cx="1" cy="1"/>
+        </a:xfrm>
+        <a:custGeom>
+          <a:avLst/>
+          <a:gdLst/>
+          <a:ahLst/>
+          <a:cxnLst/>
+          <a:rect l="0" t="0" r="0" b="0"/>
+          <a:pathLst/>
+        </a:custGeom>
+        <a:gradFill rotWithShape="0">
+          <a:gsLst>
+            <a:gs pos="0">
+              <a:schemeClr val="accent1"/>
+            </a:gs>
+            <a:gs pos="100000">
+              <a:schemeClr val="accent2"/>
+            </a:gs>
+          </a:gsLst>
+          <a:lin ang="5400000" scaled="1"/>
+        </a:gradFill>
+        <a:ln w="9525" cap="flat" cmpd="sng" algn="ctr">
+          <a:solidFill>
+            <a:schemeClr val="accent1"/>
+          </a:solidFill>
+          <a:prstDash val="solid"/>
+          <a:round/>
+          <a:headEnd type="none" w="med" len="med"/>
+          <a:tailEnd type="none" w="med" len="med"/>
+        </a:ln>
+      </a:spPr>
+      <a:bodyPr vert="horz" wrap="none" lIns="91440" tIns="45720" rIns="91440" bIns="45720" numCol="1" anchor="ctr" anchorCtr="0" compatLnSpc="1"/>
+      <a:lstStyle>
+        <a:defPPr marL="0" marR="0" indent="0" algn="l" defTabSz="914400" rtl="0" eaLnBrk="1" fontAlgn="base" latinLnBrk="0" hangingPunct="1">
+          <a:lnSpc>
+            <a:spcPct val="100000"/>
+          </a:lnSpc>
+          <a:spcBef>
+            <a:spcPct val="0"/>
+          </a:spcBef>
+          <a:spcAft>
+            <a:spcPct val="0"/>
+          </a:spcAft>
+          <a:buClrTx/>
+          <a:buSzTx/>
+          <a:buFontTx/>
+          <a:buNone/>
+          <a:defRPr kumimoji="0" lang="zh-CN" altLang="en-US" sz="1800" b="0" i="0" u="none" strike="noStrike" cap="none" normalizeH="0" baseline="0" smtClean="0">
+            <a:ln>
+              <a:noFill/>
+            </a:ln>
+            <a:solidFill>
+              <a:schemeClr val="tx1"/>
+            </a:solidFill>
+            <a:effectLst/>
+            <a:latin typeface="Arial" panose="020B0604020202020204" pitchFamily="34" charset="0"/>
+            <a:ea typeface="SimSun" panose="02010600030101010101" pitchFamily="2" charset="-122"/>
+          </a:defRPr>
+        </a:defPPr>
+      </a:lstStyle>
+    </a:lnDef>
+  </a:objectDefaults>
+  <a:extraClrSchemeLst>
+    <a:extraClrScheme>
+      <a:clrScheme name="Communications and Dialogues 1">
+        <a:dk1>
+          <a:srgbClr val="000000"/>
+        </a:dk1>
+        <a:lt1>
+          <a:srgbClr val="FFFFFF"/>
+        </a:lt1>
+        <a:dk2>
+          <a:srgbClr val="000000"/>
+        </a:dk2>
+        <a:lt2>
+          <a:srgbClr val="808080"/>
+        </a:lt2>
+        <a:accent1>
+          <a:srgbClr val="BBE0E3"/>
+        </a:accent1>
+        <a:accent2>
+          <a:srgbClr val="333399"/>
+        </a:accent2>
+        <a:accent3>
+          <a:srgbClr val="FFFFFF"/>
+        </a:accent3>
+        <a:accent4>
+          <a:srgbClr val="000000"/>
+        </a:accent4>
+        <a:accent5>
+          <a:srgbClr val="DAEDEF"/>
+        </a:accent5>
+        <a:accent6>
+          <a:srgbClr val="2D2D8A"/>
+        </a:accent6>
+        <a:hlink>
+          <a:srgbClr val="009999"/>
+        </a:hlink>
+        <a:folHlink>
+          <a:srgbClr val="99CC00"/>
+        </a:folHlink>
+      </a:clrScheme>
+      <a:clrMap bg1="lt1" tx1="dk1" bg2="lt2" tx2="dk2" accent1="accent1" accent2="accent2" accent3="accent3" accent4="accent4" accent5="accent5" accent6="accent6" hlink="hlink" folHlink="folHlink"/>
+    </a:extraClrScheme>
+    <a:extraClrScheme>
+      <a:clrScheme name="Communications and Dialogues 2">
+        <a:dk1>
+          <a:srgbClr val="000000"/>
+        </a:dk1>
+        <a:lt1>
+          <a:srgbClr val="FFFFFF"/>
+        </a:lt1>
+        <a:dk2>
+          <a:srgbClr val="000000"/>
+        </a:dk2>
+        <a:lt2>
+          <a:srgbClr val="969696"/>
+        </a:lt2>
+        <a:accent1>
+          <a:srgbClr val="FBDF53"/>
+        </a:accent1>
+        <a:accent2>
+          <a:srgbClr val="FF9966"/>
+        </a:accent2>
+        <a:accent3>
+          <a:srgbClr val="FFFFFF"/>
+        </a:accent3>
+        <a:accent4>
+          <a:srgbClr val="000000"/>
+        </a:accent4>
+        <a:accent5>
+          <a:srgbClr val="FDECB3"/>
+        </a:accent5>
+        <a:accent6>
+          <a:srgbClr val="E78A5C"/>
+        </a:accent6>
+        <a:hlink>
+          <a:srgbClr val="CC3300"/>
+        </a:hlink>
+        <a:folHlink>
+          <a:srgbClr val="996600"/>
+        </a:folHlink>
+      </a:clrScheme>
+      <a:clrMap bg1="lt1" tx1="dk1" bg2="lt2" tx2="dk2" accent1="accent1" accent2="accent2" accent3="accent3" accent4="accent4" accent5="accent5" accent6="accent6" hlink="hlink" folHlink="folHlink"/>
+    </a:extraClrScheme>
+    <a:extraClrScheme>
+      <a:clrScheme name="Communications and Dialogues 3">
+        <a:dk1>
+          <a:srgbClr val="000000"/>
+        </a:dk1>
+        <a:lt1>
+          <a:srgbClr val="FFFFFF"/>
+        </a:lt1>
+        <a:dk2>
+          <a:srgbClr val="000000"/>
+        </a:dk2>
+        <a:lt2>
+          <a:srgbClr val="808080"/>
+        </a:lt2>
+        <a:accent1>
+          <a:srgbClr val="99CCFF"/>
+        </a:accent1>
+        <a:accent2>
+          <a:srgbClr val="CCCCFF"/>
+        </a:accent2>
+        <a:accent3>
+          <a:srgbClr val="FFFFFF"/>
+        </a:accent3>
+        <a:accent4>
+          <a:srgbClr val="000000"/>
+        </a:accent4>
+        <a:accent5>
+          <a:srgbClr val="CAE2FF"/>
+        </a:accent5>
+        <a:accent6>
+          <a:srgbClr val="B9B9E7"/>
+        </a:accent6>
+        <a:hlink>
+          <a:srgbClr val="3333CC"/>
+        </a:hlink>
+        <a:folHlink>
+          <a:srgbClr val="AF67FF"/>
+        </a:folHlink>
+      </a:clrScheme>
+      <a:clrMap bg1="lt1" tx1="dk1" bg2="lt2" tx2="dk2" accent1="accent1" accent2="accent2" accent3="accent3" accent4="accent4" accent5="accent5" accent6="accent6" hlink="hlink" folHlink="folHlink"/>
+    </a:extraClrScheme>
+    <a:extraClrScheme>
+      <a:clrScheme name="Communications and Dialogues 4">
+        <a:dk1>
+          <a:srgbClr val="000000"/>
+        </a:dk1>
+        <a:lt1>
+          <a:srgbClr val="DEF6F1"/>
+        </a:lt1>
+        <a:dk2>
+          <a:srgbClr val="000000"/>
+        </a:dk2>
+        <a:lt2>
+          <a:srgbClr val="969696"/>
+        </a:lt2>
+        <a:accent1>
+          <a:srgbClr val="FFFFFF"/>
+        </a:accent1>
+        <a:accent2>
+          <a:srgbClr val="8DC6FF"/>
+        </a:accent2>
+        <a:accent3>
+          <a:srgbClr val="ECFAF7"/>
+        </a:accent3>
+        <a:accent4>
+          <a:srgbClr val="000000"/>
+        </a:accent4>
+        <a:accent5>
+          <a:srgbClr val="FFFFFF"/>
+        </a:accent5>
+        <a:accent6>
+          <a:srgbClr val="7FB3E7"/>
+        </a:accent6>
+        <a:hlink>
+          <a:srgbClr val="0066CC"/>
+        </a:hlink>
+        <a:folHlink>
+          <a:srgbClr val="00A800"/>
+        </a:folHlink>
+      </a:clrScheme>
+      <a:clrMap bg1="lt1" tx1="dk1" bg2="lt2" tx2="dk2" accent1="accent1" accent2="accent2" accent3="accent3" accent4="accent4" accent5="accent5" accent6="accent6" hlink="hlink" folHlink="folHlink"/>
+    </a:extraClrScheme>
+    <a:extraClrScheme>
+      <a:clrScheme name="Communications and Dialogues 5">
+        <a:dk1>
+          <a:srgbClr val="000000"/>
+        </a:dk1>
+        <a:lt1>
+          <a:srgbClr val="FFFFD9"/>
+        </a:lt1>
+        <a:dk2>
+          <a:srgbClr val="000000"/>
+        </a:dk2>
+        <a:lt2>
+          <a:srgbClr val="777777"/>
+        </a:lt2>
+        <a:accent1>
+          <a:srgbClr val="FFFFF7"/>
+        </a:accent1>
+        <a:accent2>
+          <a:srgbClr val="33CCCC"/>
+        </a:accent2>
+        <a:accent3>
+          <a:srgbClr val="FFFFE9"/>
+        </a:accent3>
+        <a:accent4>
+          <a:srgbClr val="000000"/>
+        </a:accent4>
+        <a:accent5>
+          <a:srgbClr val="FFFFFA"/>
+        </a:accent5>
+        <a:accent6>
+          <a:srgbClr val="2DB9B9"/>
+        </a:accent6>
+        <a:hlink>
+          <a:srgbClr val="FF5050"/>
+        </a:hlink>
+        <a:folHlink>
+          <a:srgbClr val="FF9900"/>
+        </a:folHlink>
+      </a:clrScheme>
+      <a:clrMap bg1="lt1" tx1="dk1" bg2="lt2" tx2="dk2" accent1="accent1" accent2="accent2" accent3="accent3" accent4="accent4" accent5="accent5" accent6="accent6" hlink="hlink" folHlink="folHlink"/>
+    </a:extraClrScheme>
+    <a:extraClrScheme>
+      <a:clrScheme name="Communications and Dialogues 6">
+        <a:dk1>
+          <a:srgbClr val="005A58"/>
+        </a:dk1>
+        <a:lt1>
+          <a:srgbClr val="FFFFFF"/>
+        </a:lt1>
+        <a:dk2>
+          <a:srgbClr val="008080"/>
+        </a:dk2>
+        <a:lt2>
+          <a:srgbClr val="FFFF99"/>
+        </a:lt2>
+        <a:accent1>
+          <a:srgbClr val="006462"/>
+        </a:accent1>
+        <a:accent2>
+          <a:srgbClr val="6D6FC7"/>
+        </a:accent2>
+        <a:accent3>
+          <a:srgbClr val="AAC0C0"/>
+        </a:accent3>
+        <a:accent4>
+          <a:srgbClr val="DADADA"/>
+        </a:accent4>
+        <a:accent5>
+          <a:srgbClr val="AAB8B7"/>
+        </a:accent5>
+        <a:accent6>
+          <a:srgbClr val="6264B4"/>
+        </a:accent6>
+        <a:hlink>
+          <a:srgbClr val="00FFFF"/>
+        </a:hlink>
+        <a:folHlink>
+          <a:srgbClr val="00FF00"/>
+        </a:folHlink>
+      </a:clrScheme>
+      <a:clrMap bg1="dk2" tx1="lt1" bg2="dk1" tx2="lt2" accent1="accent1" accent2="accent2" accent3="accent3" accent4="accent4" accent5="accent5" accent6="accent6" hlink="hlink" folHlink="folHlink"/>
+    </a:extraClrScheme>
+    <a:extraClrScheme>
+      <a:clrScheme name="Communications and Dialogues 7">
+        <a:dk1>
+          <a:srgbClr val="5C1F00"/>
+        </a:dk1>
+        <a:lt1>
+          <a:srgbClr val="FFFFFF"/>
+        </a:lt1>
+        <a:dk2>
+          <a:srgbClr val="800000"/>
+        </a:dk2>
+        <a:lt2>
+          <a:srgbClr val="DFD293"/>
+        </a:lt2>
+        <a:accent1>
+          <a:srgbClr val="CC3300"/>
+        </a:accent1>
+        <a:accent2>
+          <a:srgbClr val="BE7960"/>
+        </a:accent2>
+        <a:accent3>
+          <a:srgbClr val="C0AAAA"/>
+        </a:accent3>
+        <a:accent4>
+          <a:srgbClr val="DADADA"/>
+        </a:accent4>
+        <a:accent5>
+          <a:srgbClr val="E2ADAA"/>
+        </a:accent5>
+        <a:accent6>
+          <a:srgbClr val="AC6D56"/>
+        </a:accent6>
+        <a:hlink>
+          <a:srgbClr val="FFFF99"/>
+        </a:hlink>
+        <a:folHlink>
+          <a:srgbClr val="D3A219"/>
+        </a:folHlink>
+      </a:clrScheme>
+      <a:clrMap bg1="dk2" tx1="lt1" bg2="dk1" tx2="lt2" accent1="accent1" accent2="accent2" accent3="accent3" accent4="accent4" accent5="accent5" accent6="accent6" hlink="hlink" folHlink="folHlink"/>
+    </a:extraClrScheme>
+    <a:extraClrScheme>
+      <a:clrScheme name="Communications and Dialogues 8">
+        <a:dk1>
+          <a:srgbClr val="003366"/>
+        </a:dk1>
+        <a:lt1>
+          <a:srgbClr val="FFFFFF"/>
+        </a:lt1>
+        <a:dk2>
+          <a:srgbClr val="000099"/>
+        </a:dk2>
+        <a:lt2>
+          <a:srgbClr val="CCFFFF"/>
+        </a:lt2>
+        <a:accent1>
+          <a:srgbClr val="3366CC"/>
+        </a:accent1>
+        <a:accent2>
+          <a:srgbClr val="00B000"/>
+        </a:accent2>
+        <a:accent3>
+          <a:srgbClr val="AAAACA"/>
+        </a:accent3>
+        <a:accent4>
+          <a:srgbClr val="DADADA"/>
+        </a:accent4>
+        <a:accent5>
+          <a:srgbClr val="ADB8E2"/>
+        </a:accent5>
+        <a:accent6>
+          <a:srgbClr val="009F00"/>
+        </a:accent6>
+        <a:hlink>
+          <a:srgbClr val="66CCFF"/>
+        </a:hlink>
+        <a:folHlink>
+          <a:srgbClr val="FFE701"/>
+        </a:folHlink>
+      </a:clrScheme>
+      <a:clrMap bg1="dk2" tx1="lt1" bg2="dk1" tx2="lt2" accent1="accent1" accent2="accent2" accent3="accent3" accent4="accent4" accent5="accent5" accent6="accent6" hlink="hlink" folHlink="folHlink"/>
+    </a:extraClrScheme>
+    <a:extraClrScheme>
+      <a:clrScheme name="Communications and Dialogues 9">
+        <a:dk1>
+          <a:srgbClr val="336699"/>
+        </a:dk1>
+        <a:lt1>
+          <a:srgbClr val="FFFFFF"/>
+        </a:lt1>
+        <a:dk2>
+          <a:srgbClr val="000000"/>
+        </a:dk2>
+        <a:lt2>
+          <a:srgbClr val="E3EBF1"/>
+        </a:lt2>
+        <a:accent1>
+          <a:srgbClr val="003399"/>
+        </a:accent1>
+        <a:accent2>
+          <a:srgbClr val="468A4B"/>
+        </a:accent2>
+        <a:accent3>
+          <a:srgbClr val="AAAAAA"/>
+        </a:accent3>
+        <a:accent4>
+          <a:srgbClr val="DADADA"/>
+        </a:accent4>
+        <a:accent5>
+          <a:srgbClr val="AAADCA"/>
+        </a:accent5>
+        <a:accent6>
+          <a:srgbClr val="3F7D43"/>
+        </a:accent6>
+        <a:hlink>
+          <a:srgbClr val="66CCFF"/>
+        </a:hlink>
+        <a:folHlink>
+          <a:srgbClr val="F0E500"/>
+        </a:folHlink>
+      </a:clrScheme>
+      <a:clrMap bg1="dk2" tx1="lt1" bg2="dk1" tx2="lt2" accent1="accent1" accent2="accent2" accent3="accent3" accent4="accent4" accent5="accent5" accent6="accent6" hlink="hlink" folHlink="folHlink"/>
+    </a:extraClrScheme>
+    <a:extraClrScheme>
+      <a:clrScheme name="Communications and Dialogues 10">
+        <a:dk1>
+          <a:srgbClr val="777777"/>
+        </a:dk1>
+        <a:lt1>
+          <a:srgbClr val="FFFFFF"/>
+        </a:lt1>
+        <a:dk2>
+          <a:srgbClr val="686B5D"/>
+        </a:dk2>
+        <a:lt2>
+          <a:srgbClr val="D1D1CB"/>
+        </a:lt2>
+        <a:accent1>
+          <a:srgbClr val="909082"/>
+        </a:accent1>
+        <a:accent2>
+          <a:srgbClr val="809EA8"/>
+        </a:accent2>
+        <a:accent3>
+          <a:srgbClr val="B9BAB6"/>
+        </a:accent3>
+        <a:accent4>
+          <a:srgbClr val="DADADA"/>
+        </a:accent4>
+        <a:accent5>
+          <a:srgbClr val="C6C6C1"/>
+        </a:accent5>
+        <a:accent6>
+          <a:srgbClr val="738F98"/>
+        </a:accent6>
+        <a:hlink>
+          <a:srgbClr val="FFCC66"/>
+        </a:hlink>
+        <a:folHlink>
+          <a:srgbClr val="E9DCB9"/>
+        </a:folHlink>
+      </a:clrScheme>
+      <a:clrMap bg1="dk2" tx1="lt1" bg2="dk1" tx2="lt2" accent1="accent1" accent2="accent2" accent3="accent3" accent4="accent4" accent5="accent5" accent6="accent6" hlink="hlink" folHlink="folHlink"/>
+    </a:extraClrScheme>
+    <a:extraClrScheme>
+      <a:clrScheme name="Communications and Dialogues 11">
+        <a:dk1>
+          <a:srgbClr val="3E3E5C"/>
+        </a:dk1>
+        <a:lt1>
+          <a:srgbClr val="FFFFFF"/>
+        </a:lt1>
+        <a:dk2>
+          <a:srgbClr val="666699"/>
+        </a:dk2>
+        <a:lt2>
+          <a:srgbClr val="FFFFFF"/>
+        </a:lt2>
+        <a:accent1>
+          <a:srgbClr val="60597B"/>
+        </a:accent1>
+        <a:accent2>
+          <a:srgbClr val="6666FF"/>
+        </a:accent2>
+        <a:accent3>
+          <a:srgbClr val="B8B8CA"/>
+        </a:accent3>
+        <a:accent4>
+          <a:srgbClr val="DADADA"/>
+        </a:accent4>
+        <a:accent5>
+          <a:srgbClr val="B6B5BF"/>
+        </a:accent5>
+        <a:accent6>
+          <a:srgbClr val="5C5CE7"/>
+        </a:accent6>
+        <a:hlink>
+          <a:srgbClr val="99CCFF"/>
+        </a:hlink>
+        <a:folHlink>
+          <a:srgbClr val="FFFF99"/>
+        </a:folHlink>
+      </a:clrScheme>
+      <a:clrMap bg1="dk2" tx1="lt1" bg2="dk1" tx2="lt2" accent1="accent1" accent2="accent2" accent3="accent3" accent4="accent4" accent5="accent5" accent6="accent6" hlink="hlink" folHlink="folHlink"/>
+    </a:extraClrScheme>
+    <a:extraClrScheme>
+      <a:clrScheme name="Communications and Dialogues 12">
+        <a:dk1>
+          <a:srgbClr val="2D2015"/>
+        </a:dk1>
+        <a:lt1>
+          <a:srgbClr val="FFFFFF"/>
+        </a:lt1>
+        <a:dk2>
+          <a:srgbClr val="523E26"/>
+        </a:dk2>
+        <a:lt2>
+          <a:srgbClr val="DFC08D"/>
+        </a:lt2>
+        <a:accent1>
+          <a:srgbClr val="8C7B70"/>
+        </a:accent1>
+        <a:accent2>
+          <a:srgbClr val="8F5F2F"/>
+        </a:accent2>
+        <a:accent3>
+          <a:srgbClr val="B3AFAC"/>
+        </a:accent3>
+        <a:accent4>
+          <a:srgbClr val="DADADA"/>
+        </a:accent4>
+        <a:accent5>
+          <a:srgbClr val="C5BFBB"/>
+        </a:accent5>
+        <a:accent6>
+          <a:srgbClr val="81552A"/>
+        </a:accent6>
+        <a:hlink>
+          <a:srgbClr val="CCB400"/>
+        </a:hlink>
+        <a:folHlink>
+          <a:srgbClr val="8C9EA0"/>
+        </a:folHlink>
+      </a:clrScheme>
+      <a:clrMap bg1="dk2" tx1="lt1" bg2="dk1" tx2="lt2" accent1="accent1" accent2="accent2" accent3="accent3" accent4="accent4" accent5="accent5" accent6="accent6" hlink="hlink" folHlink="folHlink"/>
+    </a:extraClrScheme>
+    <a:extraClrScheme>
+      <a:clrScheme name="Communications and Dialogues 13">
+        <a:dk1>
+          <a:srgbClr val="000000"/>
+        </a:dk1>
+        <a:lt1>
+          <a:srgbClr val="FFFFFF"/>
+        </a:lt1>
+        <a:dk2>
+          <a:srgbClr val="000000"/>
+        </a:dk2>
+        <a:lt2>
+          <a:srgbClr val="969696"/>
+        </a:lt2>
+        <a:accent1>
+          <a:srgbClr val="0066CC"/>
+        </a:accent1>
+        <a:accent2>
+          <a:srgbClr val="3399FF"/>
+        </a:accent2>
+        <a:accent3>
+          <a:srgbClr val="FFFFFF"/>
+        </a:accent3>
+        <a:accent4>
+          <a:srgbClr val="000000"/>
+        </a:accent4>
+        <a:accent5>
+          <a:srgbClr val="AAB8E2"/>
+        </a:accent5>
+        <a:accent6>
+          <a:srgbClr val="2D8AE7"/>
+        </a:accent6>
+        <a:hlink>
+          <a:srgbClr val="CC3300"/>
+        </a:hlink>
+        <a:folHlink>
+          <a:srgbClr val="996600"/>
+        </a:folHlink>
+      </a:clrScheme>
+      <a:clrMap bg1="lt1" tx1="dk1" bg2="lt2" tx2="dk2" accent1="accent1" accent2="accent2" accent3="accent3" accent4="accent4" accent5="accent5" accent6="accent6" hlink="hlink" folHlink="folHlink"/>
+    </a:extraClrScheme>
+  </a:extraClrSchemeLst>
   <a:extLst>
     <a:ext uri="{05A4C25C-085E-4340-85A3-A5531E510DB2}">
       <thm15:themeFamily xmlns:thm15="http://schemas.microsoft.com/office/thememl/2012/main" name="Office Theme" id="{62F939B6-93AF-4DB8-9C6B-D6C7DFDC589F}" vid="{4A3C46E8-61CC-4603-A589-7422A47A8E4A}"/>

--- a/diploma.pptx
+++ b/diploma.pptx
@@ -133,6 +133,8 @@
             <p14:sldId id="256"/>
             <p14:sldId id="257"/>
             <p14:sldId id="262"/>
+            <p14:sldId id="260"/>
+            <p14:sldId id="261"/>
             <p14:sldId id="259"/>
             <p14:sldId id="266"/>
             <p14:sldId id="263"/>
@@ -142,10 +144,8 @@
             <p14:sldId id="268"/>
             <p14:sldId id="269"/>
             <p14:sldId id="258"/>
-            <p14:sldId id="260"/>
-            <p14:sldId id="261"/>
+            <p14:sldId id="274"/>
             <p14:sldId id="275"/>
-            <p14:sldId id="274"/>
           </p14:sldIdLst>
         </p14:section>
       </p14:sectionLst>
@@ -4016,8 +4016,141 @@
           <a:bodyPr/>
           <a:p>
             <a:r>
+              <a:rPr lang="ru-RU" altLang="" b="1"/>
+              <a:t>Подходы к разработке современного системного программного обеспечения</a:t>
+            </a:r>
+            <a:endParaRPr lang="ru-RU" altLang="" b="1"/>
+          </a:p>
+        </p:txBody>
+      </p:sp>
+      <p:sp>
+        <p:nvSpPr>
+          <p:cNvPr id="2" name="Text Box 1"/>
+          <p:cNvSpPr txBox="1"/>
+          <p:nvPr/>
+        </p:nvSpPr>
+        <p:spPr>
+          <a:xfrm>
+            <a:off x="1566545" y="4619625"/>
+            <a:ext cx="9514840" cy="645160"/>
+          </a:xfrm>
+          <a:prstGeom prst="rect">
+            <a:avLst/>
+          </a:prstGeom>
+          <a:noFill/>
+        </p:spPr>
+        <p:txBody>
+          <a:bodyPr wrap="none" rtlCol="0">
+            <a:spAutoFit/>
+          </a:bodyPr>
+          <a:p>
+            <a:r>
+              <a:rPr lang="ru-RU" altLang="en-US" b="1"/>
+              <a:t>Цель работы:</a:t>
+            </a:r>
+            <a:endParaRPr lang="ru-RU" altLang="en-US" b="1"/>
+          </a:p>
+          <a:p>
+            <a:r>
+              <a:rPr lang="ru-RU" altLang="en-US" b="1"/>
+              <a:t>Изучить и продемонстрировать различные подходы к разработке системного ПО</a:t>
+            </a:r>
+            <a:endParaRPr lang="ru-RU" altLang="en-US" b="1"/>
+          </a:p>
+        </p:txBody>
+      </p:sp>
+      <p:sp>
+        <p:nvSpPr>
+          <p:cNvPr id="4" name="Text Box 3"/>
+          <p:cNvSpPr txBox="1"/>
+          <p:nvPr/>
+        </p:nvSpPr>
+        <p:spPr>
+          <a:xfrm>
+            <a:off x="5018405" y="5506720"/>
+            <a:ext cx="2155190" cy="922020"/>
+          </a:xfrm>
+          <a:prstGeom prst="rect">
+            <a:avLst/>
+          </a:prstGeom>
+          <a:noFill/>
+        </p:spPr>
+        <p:txBody>
+          <a:bodyPr wrap="none" rtlCol="0">
+            <a:spAutoFit/>
+          </a:bodyPr>
+          <a:p>
+            <a:r>
               <a:rPr lang="ru-RU" altLang="en-US"/>
-              <a:t>Тема тема тема тема тема тема тема </a:t>
+              <a:t>Автор:</a:t>
+            </a:r>
+            <a:endParaRPr lang="ru-RU" altLang="en-US"/>
+          </a:p>
+          <a:p>
+            <a:r>
+              <a:rPr lang="ru-RU" altLang="en-US"/>
+              <a:t>Ашыров Алишер</a:t>
+            </a:r>
+            <a:endParaRPr lang="ru-RU" altLang="en-US"/>
+          </a:p>
+          <a:p>
+            <a:r>
+              <a:rPr lang="ru-RU" altLang="en-US"/>
+              <a:t>2 курс, магистрант</a:t>
+            </a:r>
+            <a:endParaRPr lang="ru-RU" altLang="en-US"/>
+          </a:p>
+        </p:txBody>
+      </p:sp>
+      <p:sp>
+        <p:nvSpPr>
+          <p:cNvPr id="5" name="Text Box 4"/>
+          <p:cNvSpPr txBox="1"/>
+          <p:nvPr/>
+        </p:nvSpPr>
+        <p:spPr>
+          <a:xfrm>
+            <a:off x="7920990" y="5288915"/>
+            <a:ext cx="4070350" cy="1198880"/>
+          </a:xfrm>
+          <a:prstGeom prst="rect">
+            <a:avLst/>
+          </a:prstGeom>
+          <a:noFill/>
+        </p:spPr>
+        <p:txBody>
+          <a:bodyPr wrap="none" rtlCol="0">
+            <a:spAutoFit/>
+          </a:bodyPr>
+          <a:p>
+            <a:pPr algn="l"/>
+            <a:r>
+              <a:rPr lang="ru-RU" altLang="en-US"/>
+              <a:t>Руководитель:</a:t>
+            </a:r>
+            <a:endParaRPr lang="ru-RU" altLang="en-US"/>
+          </a:p>
+          <a:p>
+            <a:pPr algn="l"/>
+            <a:r>
+              <a:rPr lang="ru-RU" altLang="en-US"/>
+              <a:t>Трубников Юрий Валентинович,</a:t>
+            </a:r>
+            <a:endParaRPr lang="ru-RU" altLang="en-US"/>
+          </a:p>
+          <a:p>
+            <a:pPr algn="l"/>
+            <a:r>
+              <a:rPr lang="ru-RU" altLang="en-US"/>
+              <a:t>профессор, </a:t>
+            </a:r>
+            <a:endParaRPr lang="ru-RU" altLang="en-US"/>
+          </a:p>
+          <a:p>
+            <a:pPr algn="l"/>
+            <a:r>
+              <a:rPr lang="ru-RU" altLang="en-US"/>
+              <a:t>доктор физико-математических наук</a:t>
             </a:r>
             <a:endParaRPr lang="ru-RU" altLang="en-US"/>
           </a:p>
@@ -4089,7 +4222,7 @@
         </p:blipFill>
         <p:spPr>
           <a:xfrm>
-            <a:off x="1173480" y="1530985"/>
+            <a:off x="1173480" y="1572260"/>
             <a:ext cx="9845040" cy="4528820"/>
           </a:xfrm>
           <a:prstGeom prst="rect">
@@ -4614,38 +4747,38 @@
               <a:t>Загрузка </a:t>
             </a:r>
             <a:r>
-              <a:rPr lang="" altLang="ru-RU"/>
+              <a:rPr lang="en-US" altLang="ru-RU"/>
               <a:t>GDT: lgdt[gdt_descriptor]</a:t>
             </a:r>
-            <a:endParaRPr lang="" altLang="ru-RU"/>
-          </a:p>
-          <a:p>
-            <a:r>
-              <a:rPr lang="ru-RU" altLang=""/>
+            <a:endParaRPr lang="en-US" altLang="ru-RU"/>
+          </a:p>
+          <a:p>
+            <a:r>
+              <a:rPr lang="ru-RU" altLang="en-US"/>
               <a:t>Переключение первого бита регистра </a:t>
             </a:r>
             <a:r>
-              <a:rPr lang="" altLang="ru-RU"/>
+              <a:rPr lang="en-US" altLang="ru-RU"/>
               <a:t>cr0:</a:t>
             </a:r>
-            <a:endParaRPr lang="" altLang="ru-RU"/>
+            <a:endParaRPr lang="en-US" altLang="ru-RU"/>
           </a:p>
           <a:p>
             <a:pPr marL="457200" lvl="1" indent="0">
               <a:buNone/>
             </a:pPr>
             <a:r>
-              <a:rPr lang="" altLang="ru-RU"/>
+              <a:rPr lang="en-US" altLang="ru-RU"/>
               <a:t>                               </a:t>
             </a:r>
             <a:r>
-              <a:rPr lang="" altLang="ru-RU" sz="2800">
+              <a:rPr lang="en-US" altLang="ru-RU" sz="2800">
                 <a:latin typeface="Ubuntu" panose="020B0604030602030204" charset="0"/>
                 <a:cs typeface="Ubuntu" panose="020B0604030602030204" charset="0"/>
               </a:rPr>
               <a:t> mov eax, cr0</a:t>
             </a:r>
-            <a:endParaRPr lang="" altLang="ru-RU" sz="2800">
+            <a:endParaRPr lang="en-US" altLang="ru-RU" sz="2800">
               <a:latin typeface="Ubuntu" panose="020B0604030602030204" charset="0"/>
               <a:cs typeface="Ubuntu" panose="020B0604030602030204" charset="0"/>
             </a:endParaRPr>
@@ -4655,13 +4788,27 @@
               <a:buNone/>
             </a:pPr>
             <a:r>
-              <a:rPr lang="" altLang="ru-RU" sz="2800">
+              <a:rPr lang="en-US" altLang="ru-RU" sz="2800">
                 <a:latin typeface="Ubuntu" panose="020B0604030602030204" charset="0"/>
                 <a:cs typeface="Ubuntu" panose="020B0604030602030204" charset="0"/>
               </a:rPr>
-              <a:t>                                            mov eax, 0x1</a:t>
-            </a:r>
-            <a:endParaRPr lang="" altLang="ru-RU" sz="2800">
+              <a:t>                                            </a:t>
+            </a:r>
+            <a:r>
+              <a:rPr lang="" altLang="en-US" sz="2800">
+                <a:latin typeface="Ubuntu" panose="020B0604030602030204" charset="0"/>
+                <a:cs typeface="Ubuntu" panose="020B0604030602030204" charset="0"/>
+              </a:rPr>
+              <a:t>or </a:t>
+            </a:r>
+            <a:r>
+              <a:rPr lang="en-US" altLang="ru-RU" sz="2800">
+                <a:latin typeface="Ubuntu" panose="020B0604030602030204" charset="0"/>
+                <a:cs typeface="Ubuntu" panose="020B0604030602030204" charset="0"/>
+              </a:rPr>
+              <a:t>eax, 0x1</a:t>
+            </a:r>
+            <a:endParaRPr lang="en-US" altLang="ru-RU" sz="2800">
               <a:latin typeface="Ubuntu" panose="020B0604030602030204" charset="0"/>
               <a:cs typeface="Ubuntu" panose="020B0604030602030204" charset="0"/>
             </a:endParaRPr>
@@ -4671,25 +4818,25 @@
               <a:buNone/>
             </a:pPr>
             <a:r>
-              <a:rPr lang="" altLang="ru-RU" sz="2800">
+              <a:rPr lang="en-US" altLang="ru-RU" sz="2800">
                 <a:latin typeface="Ubuntu" panose="020B0604030602030204" charset="0"/>
                 <a:cs typeface="Ubuntu" panose="020B0604030602030204" charset="0"/>
               </a:rPr>
               <a:t>                                            mov cr0, eax</a:t>
             </a:r>
-            <a:endParaRPr lang="" altLang="ru-RU" sz="2800">
+            <a:endParaRPr lang="en-US" altLang="ru-RU" sz="2800">
               <a:latin typeface="Ubuntu" panose="020B0604030602030204" charset="0"/>
               <a:cs typeface="Ubuntu" panose="020B0604030602030204" charset="0"/>
             </a:endParaRPr>
           </a:p>
           <a:p>
             <a:r>
-              <a:rPr lang="ru-RU" altLang="" sz="2800">
+              <a:rPr lang="ru-RU" altLang="en-US" sz="2800">
                 <a:cs typeface="+mn-lt"/>
               </a:rPr>
               <a:t>Дальний прыжок: </a:t>
             </a:r>
-            <a:endParaRPr lang="ru-RU" altLang="" sz="2800">
+            <a:endParaRPr lang="ru-RU" altLang="en-US" sz="2800">
               <a:cs typeface="+mn-lt"/>
             </a:endParaRPr>
           </a:p>
@@ -4698,12 +4845,12 @@
               <a:buNone/>
             </a:pPr>
             <a:r>
-              <a:rPr lang="ru-RU" altLang="" sz="2800">
+              <a:rPr lang="ru-RU" altLang="en-US" sz="2800">
                 <a:cs typeface="+mn-lt"/>
               </a:rPr>
               <a:t>                             jmp CODE_SEG:init_pm</a:t>
             </a:r>
-            <a:endParaRPr lang="ru-RU" altLang="" sz="2800">
+            <a:endParaRPr lang="ru-RU" altLang="en-US" sz="2800">
               <a:cs typeface="+mn-lt"/>
             </a:endParaRPr>
           </a:p>
@@ -4712,12 +4859,12 @@
               <a:buNone/>
             </a:pPr>
             <a:r>
-              <a:rPr lang="ru-RU" altLang="" sz="2800">
+              <a:rPr lang="ru-RU" altLang="en-US" sz="2800">
                 <a:cs typeface="+mn-lt"/>
               </a:rPr>
               <a:t>                             [bits 32]</a:t>
             </a:r>
-            <a:endParaRPr lang="ru-RU" altLang="" sz="2800">
+            <a:endParaRPr lang="ru-RU" altLang="en-US" sz="2800">
               <a:cs typeface="+mn-lt"/>
             </a:endParaRPr>
           </a:p>
@@ -4726,12 +4873,12 @@
               <a:buNone/>
             </a:pPr>
             <a:r>
-              <a:rPr lang="ru-RU" altLang="" sz="2800">
+              <a:rPr lang="ru-RU" altLang="en-US" sz="2800">
                 <a:cs typeface="+mn-lt"/>
               </a:rPr>
               <a:t>                             init_pm:</a:t>
             </a:r>
-            <a:endParaRPr lang="ru-RU" altLang="" sz="2800">
+            <a:endParaRPr lang="ru-RU" altLang="en-US" sz="2800">
               <a:cs typeface="+mn-lt"/>
             </a:endParaRPr>
           </a:p>
@@ -5547,7 +5694,15 @@
             </a:pPr>
             <a:r>
               <a:rPr lang="ru-RU" altLang="en-US"/>
-              <a:t>Задачи: обнаружение и проверка всех подключенных устройств; предоставление операционной системе базового набора функций для работы с аппаратурой; запуск загрузчика операционной системы</a:t>
+              <a:t>Задачи </a:t>
+            </a:r>
+            <a:r>
+              <a:rPr lang="" altLang="ru-RU"/>
+              <a:t>BIOS</a:t>
+            </a:r>
+            <a:r>
+              <a:rPr lang="ru-RU" altLang="en-US"/>
+              <a:t>: обнаружение и проверка всех подключенных устройств; предоставление операционной системе базового набора функций для работы с аппаратурой; запуск загрузчика операционной системы</a:t>
             </a:r>
             <a:endParaRPr lang="en-US" altLang="ru-RU"/>
           </a:p>
@@ -5617,7 +5772,7 @@
         </p:blipFill>
         <p:spPr>
           <a:xfrm>
-            <a:off x="8772525" y="1499870"/>
+            <a:off x="7418070" y="3006725"/>
             <a:ext cx="2809875" cy="3190875"/>
           </a:xfrm>
           <a:prstGeom prst="rect">

--- a/diploma.pptx
+++ b/diploma.pptx
@@ -5,10 +5,10 @@
     <p:sldMasterId id="2147483648" r:id="rId1"/>
   </p:sldMasterIdLst>
   <p:notesMasterIdLst>
-    <p:notesMasterId r:id="rId19"/>
+    <p:notesMasterId r:id="rId21"/>
   </p:notesMasterIdLst>
   <p:handoutMasterIdLst>
-    <p:handoutMasterId r:id="rId20"/>
+    <p:handoutMasterId r:id="rId22"/>
   </p:handoutMasterIdLst>
   <p:sldIdLst>
     <p:sldId id="256" r:id="rId3"/>
@@ -19,14 +19,16 @@
     <p:sldId id="259" r:id="rId8"/>
     <p:sldId id="266" r:id="rId9"/>
     <p:sldId id="263" r:id="rId10"/>
-    <p:sldId id="264" r:id="rId11"/>
-    <p:sldId id="265" r:id="rId12"/>
-    <p:sldId id="267" r:id="rId13"/>
-    <p:sldId id="268" r:id="rId14"/>
-    <p:sldId id="269" r:id="rId15"/>
-    <p:sldId id="258" r:id="rId16"/>
-    <p:sldId id="274" r:id="rId17"/>
-    <p:sldId id="275" r:id="rId18"/>
+    <p:sldId id="265" r:id="rId11"/>
+    <p:sldId id="267" r:id="rId12"/>
+    <p:sldId id="268" r:id="rId13"/>
+    <p:sldId id="269" r:id="rId14"/>
+    <p:sldId id="258" r:id="rId15"/>
+    <p:sldId id="274" r:id="rId16"/>
+    <p:sldId id="275" r:id="rId17"/>
+    <p:sldId id="277" r:id="rId18"/>
+    <p:sldId id="278" r:id="rId19"/>
+    <p:sldId id="276" r:id="rId20"/>
   </p:sldIdLst>
   <p:sldSz cx="12192000" cy="6858000"/>
   <p:notesSz cx="7103745" cy="10234295"/>
@@ -131,21 +133,23 @@
         <p14:section name="Default Section" id="{772a2c41-8ba2-47be-aab1-f88afcb9b645}">
           <p14:sldIdLst>
             <p14:sldId id="256"/>
-            <p14:sldId id="257"/>
             <p14:sldId id="262"/>
-            <p14:sldId id="260"/>
             <p14:sldId id="261"/>
             <p14:sldId id="259"/>
             <p14:sldId id="266"/>
             <p14:sldId id="263"/>
-            <p14:sldId id="264"/>
-            <p14:sldId id="265"/>
             <p14:sldId id="267"/>
-            <p14:sldId id="268"/>
             <p14:sldId id="269"/>
             <p14:sldId id="258"/>
+            <p14:sldId id="275"/>
+            <p14:sldId id="277"/>
+            <p14:sldId id="278"/>
+            <p14:sldId id="276"/>
+            <p14:sldId id="257"/>
+            <p14:sldId id="260"/>
+            <p14:sldId id="265"/>
+            <p14:sldId id="268"/>
             <p14:sldId id="274"/>
-            <p14:sldId id="275"/>
           </p14:sldIdLst>
         </p14:section>
       </p14:sectionLst>
@@ -4016,10 +4020,10 @@
           <a:bodyPr/>
           <a:p>
             <a:r>
-              <a:rPr lang="ru-RU" altLang="" b="1"/>
+              <a:rPr lang="ru-RU" altLang="en-US" b="1"/>
               <a:t>Подходы к разработке современного системного программного обеспечения</a:t>
             </a:r>
-            <a:endParaRPr lang="ru-RU" altLang="" b="1"/>
+            <a:endParaRPr lang="ru-RU" altLang="en-US" b="1"/>
           </a:p>
         </p:txBody>
       </p:sp>
@@ -4165,80 +4169,6 @@
 </file>
 
 <file path=ppt/slides/slide10.xml><?xml version="1.0" encoding="utf-8"?>
-<p:sld xmlns:a="http://schemas.openxmlformats.org/drawingml/2006/main" xmlns:r="http://schemas.openxmlformats.org/officeDocument/2006/relationships" xmlns:p="http://schemas.openxmlformats.org/presentationml/2006/main">
-  <p:cSld>
-    <p:spTree>
-      <p:nvGrpSpPr>
-        <p:cNvPr id="1" name=""/>
-        <p:cNvGrpSpPr/>
-        <p:nvPr/>
-      </p:nvGrpSpPr>
-      <p:grpSpPr/>
-      <p:sp>
-        <p:nvSpPr>
-          <p:cNvPr id="6" name="Title 5"/>
-          <p:cNvSpPr>
-            <a:spLocks noGrp="1"/>
-          </p:cNvSpPr>
-          <p:nvPr>
-            <p:ph type="title"/>
-          </p:nvPr>
-        </p:nvSpPr>
-        <p:spPr/>
-        <p:txBody>
-          <a:bodyPr/>
-          <a:p>
-            <a:r>
-              <a:rPr lang="ru-RU" altLang="en-US" b="1"/>
-              <a:t>Программирование в </a:t>
-            </a:r>
-            <a:r>
-              <a:rPr lang="en-US" altLang="ru-RU" b="1"/>
-              <a:t>16-bit </a:t>
-            </a:r>
-            <a:r>
-              <a:rPr lang="ru-RU" altLang="en-US" b="1"/>
-              <a:t>реальном режиме</a:t>
-            </a:r>
-            <a:endParaRPr lang="ru-RU" altLang="en-US" b="1"/>
-          </a:p>
-        </p:txBody>
-      </p:sp>
-      <p:pic>
-        <p:nvPicPr>
-          <p:cNvPr id="7" name="Content Placeholder 6"/>
-          <p:cNvPicPr>
-            <a:picLocks noChangeAspect="1"/>
-          </p:cNvPicPr>
-          <p:nvPr>
-            <p:ph idx="1"/>
-          </p:nvPr>
-        </p:nvPicPr>
-        <p:blipFill>
-          <a:blip r:embed="rId1"/>
-          <a:stretch>
-            <a:fillRect/>
-          </a:stretch>
-        </p:blipFill>
-        <p:spPr>
-          <a:xfrm>
-            <a:off x="1173480" y="1572260"/>
-            <a:ext cx="9845040" cy="4528820"/>
-          </a:xfrm>
-          <a:prstGeom prst="rect">
-            <a:avLst/>
-          </a:prstGeom>
-        </p:spPr>
-      </p:pic>
-    </p:spTree>
-  </p:cSld>
-  <p:clrMapOvr>
-    <a:masterClrMapping/>
-  </p:clrMapOvr>
-</p:sld>
-</file>
-
-<file path=ppt/slides/slide11.xml><?xml version="1.0" encoding="utf-8"?>
 <p:sld xmlns:a="http://schemas.openxmlformats.org/drawingml/2006/main" xmlns:r="http://schemas.openxmlformats.org/officeDocument/2006/relationships" xmlns:p="http://schemas.openxmlformats.org/presentationml/2006/main">
   <p:cSld>
     <p:spTree>
@@ -4340,6 +4270,120 @@
 </p:sld>
 </file>
 
+<file path=ppt/slides/slide11.xml><?xml version="1.0" encoding="utf-8"?>
+<p:sld xmlns:a="http://schemas.openxmlformats.org/drawingml/2006/main" xmlns:r="http://schemas.openxmlformats.org/officeDocument/2006/relationships" xmlns:p="http://schemas.openxmlformats.org/presentationml/2006/main">
+  <p:cSld>
+    <p:spTree>
+      <p:nvGrpSpPr>
+        <p:cNvPr id="1" name=""/>
+        <p:cNvGrpSpPr/>
+        <p:nvPr/>
+      </p:nvGrpSpPr>
+      <p:grpSpPr/>
+      <p:sp>
+        <p:nvSpPr>
+          <p:cNvPr id="2" name="Title 1"/>
+          <p:cNvSpPr>
+            <a:spLocks noGrp="1"/>
+          </p:cNvSpPr>
+          <p:nvPr>
+            <p:ph type="title"/>
+          </p:nvPr>
+        </p:nvSpPr>
+        <p:spPr/>
+        <p:txBody>
+          <a:bodyPr/>
+          <a:p>
+            <a:r>
+              <a:rPr lang="ru-RU" altLang="en-US" b="1"/>
+              <a:t>Переход в </a:t>
+            </a:r>
+            <a:r>
+              <a:rPr lang="en-US" altLang="ru-RU" b="1"/>
+              <a:t>32-bit </a:t>
+            </a:r>
+            <a:r>
+              <a:rPr lang="ru-RU" altLang="en-US" b="1"/>
+              <a:t>режим</a:t>
+            </a:r>
+            <a:endParaRPr lang="ru-RU" altLang="en-US" b="1"/>
+          </a:p>
+        </p:txBody>
+      </p:sp>
+      <p:sp>
+        <p:nvSpPr>
+          <p:cNvPr id="3" name="Content Placeholder 2"/>
+          <p:cNvSpPr>
+            <a:spLocks noGrp="1"/>
+          </p:cNvSpPr>
+          <p:nvPr>
+            <p:ph idx="1"/>
+          </p:nvPr>
+        </p:nvSpPr>
+        <p:spPr/>
+        <p:txBody>
+          <a:bodyPr/>
+          <a:p>
+            <a:r>
+              <a:rPr lang="ru-RU" altLang="en-US"/>
+              <a:t>Расширенные регистры: </a:t>
+            </a:r>
+            <a:r>
+              <a:rPr lang="en-US" altLang="ru-RU"/>
+              <a:t>ax --&gt; eax, bx --&gt; ebx</a:t>
+            </a:r>
+            <a:endParaRPr lang="en-US" altLang="ru-RU"/>
+          </a:p>
+          <a:p>
+            <a:endParaRPr lang="en-US" altLang="ru-RU"/>
+          </a:p>
+          <a:p>
+            <a:r>
+              <a:rPr lang="ru-RU" altLang="en-US"/>
+              <a:t>Дополнительные регистры сегмента: </a:t>
+            </a:r>
+            <a:r>
+              <a:rPr lang="en-US" altLang="ru-RU"/>
+              <a:t>fs, gs</a:t>
+            </a:r>
+            <a:endParaRPr lang="en-US" altLang="ru-RU"/>
+          </a:p>
+          <a:p>
+            <a:pPr marL="0" indent="0">
+              <a:buNone/>
+            </a:pPr>
+            <a:endParaRPr lang="en-US" altLang="ru-RU"/>
+          </a:p>
+          <a:p>
+            <a:r>
+              <a:rPr lang="ru-RU" altLang="en-US"/>
+              <a:t>Адресация через таблицу глобальных дескрипторов</a:t>
+            </a:r>
+            <a:endParaRPr lang="ru-RU" altLang="en-US"/>
+          </a:p>
+          <a:p>
+            <a:endParaRPr lang="ru-RU" altLang="en-US"/>
+          </a:p>
+          <a:p>
+            <a:r>
+              <a:rPr lang="ru-RU" altLang="en-US"/>
+              <a:t>Размер адресов 4 байта</a:t>
+            </a:r>
+            <a:endParaRPr lang="ru-RU" altLang="en-US"/>
+          </a:p>
+          <a:p>
+            <a:endParaRPr lang="ru-RU" altLang="en-US"/>
+          </a:p>
+        </p:txBody>
+      </p:sp>
+    </p:spTree>
+  </p:cSld>
+  <p:clrMapOvr>
+    <a:masterClrMapping/>
+  </p:clrMapOvr>
+</p:sld>
+</file>
+
 <file path=ppt/slides/slide12.xml><?xml version="1.0" encoding="utf-8"?>
 <p:sld xmlns:a="http://schemas.openxmlformats.org/drawingml/2006/main" xmlns:r="http://schemas.openxmlformats.org/officeDocument/2006/relationships" xmlns:p="http://schemas.openxmlformats.org/presentationml/2006/main">
   <p:cSld>
@@ -4366,83 +4410,82 @@
           <a:p>
             <a:r>
               <a:rPr lang="ru-RU" altLang="en-US" b="1"/>
-              <a:t>Переход в </a:t>
-            </a:r>
-            <a:r>
-              <a:rPr lang="en-US" altLang="ru-RU" b="1"/>
-              <a:t>32-bit </a:t>
+              <a:t>Адресация ячеек памяти</a:t>
+            </a:r>
+            <a:endParaRPr lang="ru-RU" altLang="en-US" b="1"/>
+          </a:p>
+        </p:txBody>
+      </p:sp>
+      <p:sp>
+        <p:nvSpPr>
+          <p:cNvPr id="3" name="Content Placeholder 2"/>
+          <p:cNvSpPr>
+            <a:spLocks noGrp="1"/>
+          </p:cNvSpPr>
+          <p:nvPr>
+            <p:ph idx="1"/>
+          </p:nvPr>
+        </p:nvSpPr>
+        <p:spPr/>
+        <p:txBody>
+          <a:bodyPr/>
+          <a:p>
+            <a:r>
+              <a:rPr lang="ru-RU" altLang="en-US"/>
+              <a:t>Адресация в 16-</a:t>
+            </a:r>
+            <a:r>
+              <a:rPr lang="en-US" altLang="ru-RU"/>
+              <a:t>bit </a:t>
+            </a:r>
+            <a:r>
+              <a:rPr lang="ru-RU" altLang="en-US"/>
+              <a:t>реальном режиме проходит по формуле</a:t>
+            </a:r>
+            <a:endParaRPr lang="ru-RU" altLang="en-US"/>
+          </a:p>
+          <a:p>
+            <a:pPr marL="0" indent="0">
+              <a:buNone/>
+            </a:pPr>
+            <a:r>
+              <a:rPr lang="ru-RU" altLang="en-US"/>
+              <a:t>		Address = 16 x seg + offset</a:t>
+            </a:r>
+            <a:endParaRPr lang="ru-RU" altLang="en-US"/>
+          </a:p>
+          <a:p>
+            <a:pPr marL="0" indent="0">
+              <a:buNone/>
+            </a:pPr>
+            <a:endParaRPr lang="ru-RU" altLang="en-US"/>
+          </a:p>
+          <a:p>
+            <a:r>
+              <a:rPr lang="ru-RU" altLang="en-US"/>
+              <a:t>При адресации в 32-</a:t>
+            </a:r>
+            <a:r>
+              <a:rPr lang="en-US" altLang="ru-RU"/>
+              <a:t>bit </a:t>
+            </a:r>
+            <a:r>
+              <a:rPr lang="ru-RU" altLang="en-US"/>
+              <a:t>защищенном режиме используется </a:t>
             </a:r>
             <a:r>
               <a:rPr lang="ru-RU" altLang="en-US" b="1"/>
-              <a:t>режим</a:t>
-            </a:r>
-            <a:endParaRPr lang="ru-RU" altLang="en-US" b="1"/>
-          </a:p>
-        </p:txBody>
-      </p:sp>
-      <p:sp>
-        <p:nvSpPr>
-          <p:cNvPr id="3" name="Content Placeholder 2"/>
-          <p:cNvSpPr>
-            <a:spLocks noGrp="1"/>
-          </p:cNvSpPr>
-          <p:nvPr>
-            <p:ph idx="1"/>
-          </p:nvPr>
-        </p:nvSpPr>
-        <p:spPr/>
-        <p:txBody>
-          <a:bodyPr/>
-          <a:p>
+              <a:t>таблица глобальных дескрипторов</a:t>
+            </a:r>
             <a:r>
               <a:rPr lang="ru-RU" altLang="en-US"/>
-              <a:t>Расширенные регистры: </a:t>
+              <a:t>  </a:t>
             </a:r>
             <a:r>
               <a:rPr lang="en-US" altLang="ru-RU"/>
-              <a:t>ax --&gt; eax, bx --&gt; ebx</a:t>
+              <a:t>GDT</a:t>
             </a:r>
             <a:endParaRPr lang="en-US" altLang="ru-RU"/>
-          </a:p>
-          <a:p>
-            <a:endParaRPr lang="en-US" altLang="ru-RU"/>
-          </a:p>
-          <a:p>
-            <a:r>
-              <a:rPr lang="ru-RU" altLang="en-US"/>
-              <a:t>Дополнительные регистры сегмента: </a:t>
-            </a:r>
-            <a:r>
-              <a:rPr lang="en-US" altLang="ru-RU"/>
-              <a:t>fs, gs</a:t>
-            </a:r>
-            <a:endParaRPr lang="en-US" altLang="ru-RU"/>
-          </a:p>
-          <a:p>
-            <a:pPr marL="0" indent="0">
-              <a:buNone/>
-            </a:pPr>
-            <a:endParaRPr lang="en-US" altLang="ru-RU"/>
-          </a:p>
-          <a:p>
-            <a:r>
-              <a:rPr lang="ru-RU" altLang="en-US"/>
-              <a:t>Адресация через таблицу глобальных дескрипторов</a:t>
-            </a:r>
-            <a:endParaRPr lang="ru-RU" altLang="en-US"/>
-          </a:p>
-          <a:p>
-            <a:endParaRPr lang="ru-RU" altLang="en-US"/>
-          </a:p>
-          <a:p>
-            <a:r>
-              <a:rPr lang="ru-RU" altLang="en-US"/>
-              <a:t>Размер адресов 4 байта</a:t>
-            </a:r>
-            <a:endParaRPr lang="ru-RU" altLang="en-US"/>
-          </a:p>
-          <a:p>
-            <a:endParaRPr lang="ru-RU" altLang="en-US"/>
           </a:p>
         </p:txBody>
       </p:sp>
@@ -4455,119 +4498,6 @@
 </file>
 
 <file path=ppt/slides/slide13.xml><?xml version="1.0" encoding="utf-8"?>
-<p:sld xmlns:a="http://schemas.openxmlformats.org/drawingml/2006/main" xmlns:r="http://schemas.openxmlformats.org/officeDocument/2006/relationships" xmlns:p="http://schemas.openxmlformats.org/presentationml/2006/main">
-  <p:cSld>
-    <p:spTree>
-      <p:nvGrpSpPr>
-        <p:cNvPr id="1" name=""/>
-        <p:cNvGrpSpPr/>
-        <p:nvPr/>
-      </p:nvGrpSpPr>
-      <p:grpSpPr/>
-      <p:sp>
-        <p:nvSpPr>
-          <p:cNvPr id="2" name="Title 1"/>
-          <p:cNvSpPr>
-            <a:spLocks noGrp="1"/>
-          </p:cNvSpPr>
-          <p:nvPr>
-            <p:ph type="title"/>
-          </p:nvPr>
-        </p:nvSpPr>
-        <p:spPr/>
-        <p:txBody>
-          <a:bodyPr/>
-          <a:p>
-            <a:r>
-              <a:rPr lang="ru-RU" altLang="en-US" b="1"/>
-              <a:t>Адресация ячеек памяти</a:t>
-            </a:r>
-            <a:endParaRPr lang="ru-RU" altLang="en-US" b="1"/>
-          </a:p>
-        </p:txBody>
-      </p:sp>
-      <p:sp>
-        <p:nvSpPr>
-          <p:cNvPr id="3" name="Content Placeholder 2"/>
-          <p:cNvSpPr>
-            <a:spLocks noGrp="1"/>
-          </p:cNvSpPr>
-          <p:nvPr>
-            <p:ph idx="1"/>
-          </p:nvPr>
-        </p:nvSpPr>
-        <p:spPr/>
-        <p:txBody>
-          <a:bodyPr/>
-          <a:p>
-            <a:r>
-              <a:rPr lang="ru-RU" altLang="en-US"/>
-              <a:t>Адресация в 16-</a:t>
-            </a:r>
-            <a:r>
-              <a:rPr lang="en-US" altLang="ru-RU"/>
-              <a:t>bit </a:t>
-            </a:r>
-            <a:r>
-              <a:rPr lang="ru-RU" altLang="en-US"/>
-              <a:t>реальном режиме проходит по формуле</a:t>
-            </a:r>
-            <a:endParaRPr lang="ru-RU" altLang="en-US"/>
-          </a:p>
-          <a:p>
-            <a:pPr marL="0" indent="0">
-              <a:buNone/>
-            </a:pPr>
-            <a:r>
-              <a:rPr lang="ru-RU" altLang="en-US"/>
-              <a:t>		Address = 16 x seg + offset</a:t>
-            </a:r>
-            <a:endParaRPr lang="ru-RU" altLang="en-US"/>
-          </a:p>
-          <a:p>
-            <a:pPr marL="0" indent="0">
-              <a:buNone/>
-            </a:pPr>
-            <a:endParaRPr lang="ru-RU" altLang="en-US"/>
-          </a:p>
-          <a:p>
-            <a:r>
-              <a:rPr lang="ru-RU" altLang="en-US"/>
-              <a:t>При адресации в 32-</a:t>
-            </a:r>
-            <a:r>
-              <a:rPr lang="en-US" altLang="ru-RU"/>
-              <a:t>bit </a:t>
-            </a:r>
-            <a:r>
-              <a:rPr lang="ru-RU" altLang="en-US"/>
-              <a:t>защищенном режиме используется </a:t>
-            </a:r>
-            <a:r>
-              <a:rPr lang="ru-RU" altLang="en-US" b="1"/>
-              <a:t>таблица глобальных дескрипторов</a:t>
-            </a:r>
-            <a:r>
-              <a:rPr lang="ru-RU" altLang="en-US"/>
-              <a:t>  </a:t>
-            </a:r>
-            <a:r>
-              <a:rPr lang="en-US" altLang="ru-RU"/>
-              <a:t>GDT</a:t>
-            </a:r>
-            <a:endParaRPr lang="en-US" altLang="ru-RU"/>
-          </a:p>
-        </p:txBody>
-      </p:sp>
-    </p:spTree>
-  </p:cSld>
-  <p:clrMapOvr>
-    <a:masterClrMapping/>
-  </p:clrMapOvr>
-</p:sld>
-</file>
-
-<file path=ppt/slides/slide14.xml><?xml version="1.0" encoding="utf-8"?>
 <p:sld xmlns:a="http://schemas.openxmlformats.org/drawingml/2006/main" xmlns:r="http://schemas.openxmlformats.org/officeDocument/2006/relationships" xmlns:p="http://schemas.openxmlformats.org/presentationml/2006/main">
   <p:cSld>
     <p:spTree>
@@ -4659,7 +4589,7 @@
 </p:sld>
 </file>
 
-<file path=ppt/slides/slide15.xml><?xml version="1.0" encoding="utf-8"?>
+<file path=ppt/slides/slide14.xml><?xml version="1.0" encoding="utf-8"?>
 <p:sld xmlns:a="http://schemas.openxmlformats.org/drawingml/2006/main" xmlns:r="http://schemas.openxmlformats.org/officeDocument/2006/relationships" xmlns:p="http://schemas.openxmlformats.org/presentationml/2006/main">
   <p:cSld>
     <p:spTree>
@@ -4795,7 +4725,7 @@
               <a:t>                                            </a:t>
             </a:r>
             <a:r>
-              <a:rPr lang="" altLang="en-US" sz="2800">
+              <a:rPr lang="en-US" altLang="en-US" sz="2800">
                 <a:latin typeface="Ubuntu" panose="020B0604030602030204" charset="0"/>
                 <a:cs typeface="Ubuntu" panose="020B0604030602030204" charset="0"/>
               </a:rPr>
@@ -4893,7 +4823,7 @@
 </p:sld>
 </file>
 
-<file path=ppt/slides/slide16.xml><?xml version="1.0" encoding="utf-8"?>
+<file path=ppt/slides/slide15.xml><?xml version="1.0" encoding="utf-8"?>
 <p:sld xmlns:a="http://schemas.openxmlformats.org/drawingml/2006/main" xmlns:r="http://schemas.openxmlformats.org/officeDocument/2006/relationships" xmlns:p="http://schemas.openxmlformats.org/presentationml/2006/main">
   <p:cSld>
     <p:spTree>
@@ -4975,6 +4905,413 @@
           </a:prstGeom>
         </p:spPr>
       </p:pic>
+    </p:spTree>
+  </p:cSld>
+  <p:clrMapOvr>
+    <a:masterClrMapping/>
+  </p:clrMapOvr>
+</p:sld>
+</file>
+
+<file path=ppt/slides/slide16.xml><?xml version="1.0" encoding="utf-8"?>
+<p:sld xmlns:a="http://schemas.openxmlformats.org/drawingml/2006/main" xmlns:r="http://schemas.openxmlformats.org/officeDocument/2006/relationships" xmlns:p="http://schemas.openxmlformats.org/presentationml/2006/main">
+  <p:cSld>
+    <p:spTree>
+      <p:nvGrpSpPr>
+        <p:cNvPr id="1" name=""/>
+        <p:cNvGrpSpPr/>
+        <p:nvPr/>
+      </p:nvGrpSpPr>
+      <p:grpSpPr/>
+      <p:sp>
+        <p:nvSpPr>
+          <p:cNvPr id="2" name="Title 1"/>
+          <p:cNvSpPr>
+            <a:spLocks noGrp="1"/>
+          </p:cNvSpPr>
+          <p:nvPr>
+            <p:ph type="title"/>
+          </p:nvPr>
+        </p:nvSpPr>
+        <p:spPr/>
+        <p:txBody>
+          <a:bodyPr/>
+          <a:p>
+            <a:r>
+              <a:rPr lang="ru-RU" altLang="en-US" b="1"/>
+              <a:t>Разработка ядра</a:t>
+            </a:r>
+            <a:endParaRPr lang="ru-RU" altLang="en-US" b="1"/>
+          </a:p>
+        </p:txBody>
+      </p:sp>
+      <p:pic>
+        <p:nvPicPr>
+          <p:cNvPr id="4" name="Content Placeholder 3"/>
+          <p:cNvPicPr>
+            <a:picLocks noChangeAspect="1"/>
+          </p:cNvPicPr>
+          <p:nvPr>
+            <p:ph idx="1"/>
+          </p:nvPr>
+        </p:nvPicPr>
+        <p:blipFill>
+          <a:blip r:embed="rId1"/>
+          <a:stretch>
+            <a:fillRect/>
+          </a:stretch>
+        </p:blipFill>
+        <p:spPr>
+          <a:xfrm>
+            <a:off x="969645" y="1489710"/>
+            <a:ext cx="8201025" cy="1628775"/>
+          </a:xfrm>
+          <a:prstGeom prst="rect">
+            <a:avLst/>
+          </a:prstGeom>
+        </p:spPr>
+      </p:pic>
+      <p:pic>
+        <p:nvPicPr>
+          <p:cNvPr id="5" name="Picture 4"/>
+          <p:cNvPicPr>
+            <a:picLocks noChangeAspect="1"/>
+          </p:cNvPicPr>
+          <p:nvPr/>
+        </p:nvPicPr>
+        <p:blipFill>
+          <a:blip r:embed="rId2"/>
+          <a:stretch>
+            <a:fillRect/>
+          </a:stretch>
+        </p:blipFill>
+        <p:spPr>
+          <a:xfrm>
+            <a:off x="969645" y="3758565"/>
+            <a:ext cx="5181600" cy="733425"/>
+          </a:xfrm>
+          <a:prstGeom prst="rect">
+            <a:avLst/>
+          </a:prstGeom>
+        </p:spPr>
+      </p:pic>
+      <p:sp>
+        <p:nvSpPr>
+          <p:cNvPr id="7" name="Text Box 6"/>
+          <p:cNvSpPr txBox="1"/>
+          <p:nvPr/>
+        </p:nvSpPr>
+        <p:spPr>
+          <a:xfrm>
+            <a:off x="1022350" y="1121410"/>
+            <a:ext cx="1976755" cy="368300"/>
+          </a:xfrm>
+          <a:prstGeom prst="rect">
+            <a:avLst/>
+          </a:prstGeom>
+          <a:noFill/>
+        </p:spPr>
+        <p:txBody>
+          <a:bodyPr wrap="none" rtlCol="0">
+            <a:spAutoFit/>
+          </a:bodyPr>
+          <a:p>
+            <a:r>
+              <a:rPr lang="ru-RU" altLang="en-US"/>
+              <a:t>Файл </a:t>
+            </a:r>
+            <a:r>
+              <a:rPr lang="en-US" altLang="ru-RU"/>
+              <a:t>launch.asm</a:t>
+            </a:r>
+            <a:endParaRPr lang="en-US" altLang="ru-RU"/>
+          </a:p>
+        </p:txBody>
+      </p:sp>
+      <p:sp>
+        <p:nvSpPr>
+          <p:cNvPr id="8" name="Text Box 7"/>
+          <p:cNvSpPr txBox="1"/>
+          <p:nvPr/>
+        </p:nvSpPr>
+        <p:spPr>
+          <a:xfrm>
+            <a:off x="969645" y="3390265"/>
+            <a:ext cx="1430655" cy="368300"/>
+          </a:xfrm>
+          <a:prstGeom prst="rect">
+            <a:avLst/>
+          </a:prstGeom>
+          <a:noFill/>
+        </p:spPr>
+        <p:txBody>
+          <a:bodyPr wrap="none" rtlCol="0">
+            <a:spAutoFit/>
+          </a:bodyPr>
+          <a:p>
+            <a:r>
+              <a:rPr lang="ru-RU" altLang="en-US"/>
+              <a:t>Файл </a:t>
+            </a:r>
+            <a:r>
+              <a:rPr lang="en-US" altLang="ru-RU"/>
+              <a:t>core.c</a:t>
+            </a:r>
+            <a:endParaRPr lang="en-US" altLang="ru-RU"/>
+          </a:p>
+        </p:txBody>
+      </p:sp>
+      <p:pic>
+        <p:nvPicPr>
+          <p:cNvPr id="9" name="Picture 8"/>
+          <p:cNvPicPr>
+            <a:picLocks noChangeAspect="1"/>
+          </p:cNvPicPr>
+          <p:nvPr/>
+        </p:nvPicPr>
+        <p:blipFill>
+          <a:blip r:embed="rId3"/>
+          <a:stretch>
+            <a:fillRect/>
+          </a:stretch>
+        </p:blipFill>
+        <p:spPr>
+          <a:xfrm>
+            <a:off x="969645" y="4782820"/>
+            <a:ext cx="6781800" cy="457200"/>
+          </a:xfrm>
+          <a:prstGeom prst="rect">
+            <a:avLst/>
+          </a:prstGeom>
+        </p:spPr>
+      </p:pic>
+      <p:sp>
+        <p:nvSpPr>
+          <p:cNvPr id="12" name="Text Box 11"/>
+          <p:cNvSpPr txBox="1"/>
+          <p:nvPr/>
+        </p:nvSpPr>
+        <p:spPr>
+          <a:xfrm>
+            <a:off x="7311390" y="3758565"/>
+            <a:ext cx="4123055" cy="368300"/>
+          </a:xfrm>
+          <a:prstGeom prst="rect">
+            <a:avLst/>
+          </a:prstGeom>
+          <a:noFill/>
+        </p:spPr>
+        <p:txBody>
+          <a:bodyPr wrap="none" rtlCol="0">
+            <a:spAutoFit/>
+          </a:bodyPr>
+          <a:p>
+            <a:r>
+              <a:rPr lang="en-US" altLang="en-US"/>
+              <a:t>0xb8000--</a:t>
+            </a:r>
+            <a:r>
+              <a:rPr lang="ru-RU" altLang="en-US"/>
+              <a:t>адрес начала видеопамяти</a:t>
+            </a:r>
+            <a:endParaRPr lang="ru-RU" altLang="en-US"/>
+          </a:p>
+        </p:txBody>
+      </p:sp>
+      <p:pic>
+        <p:nvPicPr>
+          <p:cNvPr id="13" name="Picture 12"/>
+          <p:cNvPicPr>
+            <a:picLocks noChangeAspect="1"/>
+          </p:cNvPicPr>
+          <p:nvPr/>
+        </p:nvPicPr>
+        <p:blipFill>
+          <a:blip r:embed="rId4"/>
+          <a:stretch>
+            <a:fillRect/>
+          </a:stretch>
+        </p:blipFill>
+        <p:spPr>
+          <a:xfrm>
+            <a:off x="7904480" y="4782820"/>
+            <a:ext cx="3838575" cy="1428750"/>
+          </a:xfrm>
+          <a:prstGeom prst="rect">
+            <a:avLst/>
+          </a:prstGeom>
+        </p:spPr>
+      </p:pic>
+      <p:sp>
+        <p:nvSpPr>
+          <p:cNvPr id="14" name="Text Box 13"/>
+          <p:cNvSpPr txBox="1"/>
+          <p:nvPr/>
+        </p:nvSpPr>
+        <p:spPr>
+          <a:xfrm>
+            <a:off x="969645" y="753110"/>
+            <a:ext cx="4994275" cy="368300"/>
+          </a:xfrm>
+          <a:prstGeom prst="rect">
+            <a:avLst/>
+          </a:prstGeom>
+          <a:noFill/>
+        </p:spPr>
+        <p:txBody>
+          <a:bodyPr wrap="square" rtlCol="0" anchor="t">
+            <a:spAutoFit/>
+          </a:bodyPr>
+          <a:p>
+            <a:r>
+              <a:rPr lang="ru-RU" altLang="en-US" b="1">
+                <a:sym typeface="+mn-ea"/>
+              </a:rPr>
+              <a:t>Вызов функции на языке С</a:t>
+            </a:r>
+            <a:endParaRPr lang="en-US"/>
+          </a:p>
+        </p:txBody>
+      </p:sp>
+    </p:spTree>
+  </p:cSld>
+  <p:clrMapOvr>
+    <a:masterClrMapping/>
+  </p:clrMapOvr>
+</p:sld>
+</file>
+
+<file path=ppt/slides/slide17.xml><?xml version="1.0" encoding="utf-8"?>
+<p:sld xmlns:a="http://schemas.openxmlformats.org/drawingml/2006/main" xmlns:r="http://schemas.openxmlformats.org/officeDocument/2006/relationships" xmlns:p="http://schemas.openxmlformats.org/presentationml/2006/main">
+  <p:cSld>
+    <p:spTree>
+      <p:nvGrpSpPr>
+        <p:cNvPr id="1" name=""/>
+        <p:cNvGrpSpPr/>
+        <p:nvPr/>
+      </p:nvGrpSpPr>
+      <p:grpSpPr/>
+      <p:sp>
+        <p:nvSpPr>
+          <p:cNvPr id="2" name="Title 1"/>
+          <p:cNvSpPr>
+            <a:spLocks noGrp="1"/>
+          </p:cNvSpPr>
+          <p:nvPr>
+            <p:ph type="title"/>
+          </p:nvPr>
+        </p:nvSpPr>
+        <p:spPr/>
+        <p:txBody>
+          <a:bodyPr/>
+          <a:p>
+            <a:r>
+              <a:rPr lang="ru-RU" altLang="en-US" b="1"/>
+              <a:t>Разработка ядра</a:t>
+            </a:r>
+            <a:endParaRPr lang="ru-RU" altLang="en-US" b="1"/>
+          </a:p>
+        </p:txBody>
+      </p:sp>
+      <p:pic>
+        <p:nvPicPr>
+          <p:cNvPr id="8" name="Content Placeholder 7"/>
+          <p:cNvPicPr>
+            <a:picLocks noChangeAspect="1"/>
+          </p:cNvPicPr>
+          <p:nvPr>
+            <p:ph idx="1"/>
+          </p:nvPr>
+        </p:nvPicPr>
+        <p:blipFill>
+          <a:blip r:embed="rId1"/>
+          <a:stretch>
+            <a:fillRect/>
+          </a:stretch>
+        </p:blipFill>
+        <p:spPr>
+          <a:xfrm>
+            <a:off x="2671445" y="1617345"/>
+            <a:ext cx="6848475" cy="4067175"/>
+          </a:xfrm>
+          <a:prstGeom prst="rect">
+            <a:avLst/>
+          </a:prstGeom>
+        </p:spPr>
+      </p:pic>
+    </p:spTree>
+  </p:cSld>
+  <p:clrMapOvr>
+    <a:masterClrMapping/>
+  </p:clrMapOvr>
+</p:sld>
+</file>
+
+<file path=ppt/slides/slide18.xml><?xml version="1.0" encoding="utf-8"?>
+<p:sld xmlns:a="http://schemas.openxmlformats.org/drawingml/2006/main" xmlns:r="http://schemas.openxmlformats.org/officeDocument/2006/relationships" xmlns:p="http://schemas.openxmlformats.org/presentationml/2006/main">
+  <p:cSld>
+    <p:spTree>
+      <p:nvGrpSpPr>
+        <p:cNvPr id="1" name=""/>
+        <p:cNvGrpSpPr/>
+        <p:nvPr/>
+      </p:nvGrpSpPr>
+      <p:grpSpPr/>
+      <p:sp>
+        <p:nvSpPr>
+          <p:cNvPr id="3" name="Content Placeholder 2"/>
+          <p:cNvSpPr>
+            <a:spLocks noGrp="1"/>
+          </p:cNvSpPr>
+          <p:nvPr>
+            <p:ph idx="1"/>
+          </p:nvPr>
+        </p:nvSpPr>
+        <p:spPr/>
+        <p:txBody>
+          <a:bodyPr/>
+          <a:p>
+            <a:pPr marL="0" indent="0" algn="ctr">
+              <a:buNone/>
+            </a:pPr>
+            <a:endParaRPr lang="ru-RU" altLang="en-US"/>
+          </a:p>
+          <a:p>
+            <a:pPr marL="0" indent="0" algn="ctr">
+              <a:buNone/>
+            </a:pPr>
+            <a:endParaRPr lang="ru-RU" altLang="en-US" sz="4000">
+              <a:latin typeface="Ubuntu" panose="020B0604030602030204" charset="0"/>
+              <a:cs typeface="Ubuntu" panose="020B0604030602030204" charset="0"/>
+            </a:endParaRPr>
+          </a:p>
+          <a:p>
+            <a:pPr marL="0" indent="0" algn="ctr">
+              <a:buNone/>
+            </a:pPr>
+            <a:endParaRPr lang="ru-RU" altLang="en-US" sz="4000">
+              <a:latin typeface="Ubuntu" panose="020B0604030602030204" charset="0"/>
+              <a:cs typeface="Ubuntu" panose="020B0604030602030204" charset="0"/>
+            </a:endParaRPr>
+          </a:p>
+          <a:p>
+            <a:pPr marL="0" indent="0" algn="ctr">
+              <a:buNone/>
+            </a:pPr>
+            <a:r>
+              <a:rPr lang="ru-RU" altLang="en-US" sz="4400">
+                <a:latin typeface="Ubuntu" panose="020B0604030602030204" charset="0"/>
+                <a:cs typeface="Ubuntu" panose="020B0604030602030204" charset="0"/>
+              </a:rPr>
+              <a:t>Спасибо за внимание!</a:t>
+            </a:r>
+            <a:endParaRPr lang="ru-RU" altLang="en-US" sz="4400">
+              <a:latin typeface="Ubuntu" panose="020B0604030602030204" charset="0"/>
+              <a:cs typeface="Ubuntu" panose="020B0604030602030204" charset="0"/>
+            </a:endParaRPr>
+          </a:p>
+        </p:txBody>
+      </p:sp>
     </p:spTree>
   </p:cSld>
   <p:clrMapOvr>
@@ -5697,7 +6034,7 @@
               <a:t>Задачи </a:t>
             </a:r>
             <a:r>
-              <a:rPr lang="" altLang="ru-RU"/>
+              <a:rPr lang="en-US" altLang="ru-RU"/>
               <a:t>BIOS</a:t>
             </a:r>
             <a:r>
@@ -6465,7 +6802,7 @@
       <p:grpSpPr/>
       <p:sp>
         <p:nvSpPr>
-          <p:cNvPr id="2" name="Title 1"/>
+          <p:cNvPr id="6" name="Title 5"/>
           <p:cNvSpPr>
             <a:spLocks noGrp="1"/>
           </p:cNvSpPr>
@@ -6493,43 +6830,32 @@
           </a:p>
         </p:txBody>
       </p:sp>
-      <p:sp>
-        <p:nvSpPr>
+      <p:pic>
+        <p:nvPicPr>
           <p:cNvPr id="7" name="Content Placeholder 6"/>
-          <p:cNvSpPr/>
+          <p:cNvPicPr>
+            <a:picLocks noChangeAspect="1"/>
+          </p:cNvPicPr>
           <p:nvPr>
             <p:ph idx="1"/>
           </p:nvPr>
-        </p:nvSpPr>
-        <p:spPr/>
-        <p:txBody>
-          <a:bodyPr/>
-          <a:p>
-            <a:r>
-              <a:rPr lang="ru-RU" altLang="en-US"/>
-              <a:t>Использование обработчиков прерываний </a:t>
-            </a:r>
-            <a:r>
-              <a:rPr lang="en-US" altLang="ru-RU"/>
-              <a:t>BIOS</a:t>
-            </a:r>
-            <a:endParaRPr lang="en-US" altLang="ru-RU"/>
-          </a:p>
-          <a:p>
-            <a:r>
-              <a:rPr lang="ru-RU" altLang="en-US"/>
-              <a:t>Прямая адресация ячеек памяти</a:t>
-            </a:r>
-            <a:endParaRPr lang="ru-RU" altLang="en-US"/>
-          </a:p>
-          <a:p>
-            <a:endParaRPr lang="en-US" altLang="ru-RU"/>
-          </a:p>
-          <a:p>
-            <a:endParaRPr lang="ru-RU" altLang="en-US"/>
-          </a:p>
-        </p:txBody>
-      </p:sp>
+        </p:nvPicPr>
+        <p:blipFill>
+          <a:blip r:embed="rId1"/>
+          <a:stretch>
+            <a:fillRect/>
+          </a:stretch>
+        </p:blipFill>
+        <p:spPr>
+          <a:xfrm>
+            <a:off x="1173480" y="1572260"/>
+            <a:ext cx="9845040" cy="4528820"/>
+          </a:xfrm>
+          <a:prstGeom prst="rect">
+            <a:avLst/>
+          </a:prstGeom>
+        </p:spPr>
+      </p:pic>
     </p:spTree>
   </p:cSld>
   <p:clrMapOvr>
